--- a/Java Training – Part 1.pptx
+++ b/Java Training – Part 1.pptx
@@ -28,19 +28,20 @@
     <p:sldId id="276" r:id="rId22"/>
     <p:sldId id="281" r:id="rId23"/>
     <p:sldId id="282" r:id="rId24"/>
-    <p:sldId id="283" r:id="rId25"/>
-    <p:sldId id="284" r:id="rId26"/>
-    <p:sldId id="277" r:id="rId27"/>
-    <p:sldId id="278" r:id="rId28"/>
-    <p:sldId id="285" r:id="rId29"/>
-    <p:sldId id="286" r:id="rId30"/>
-    <p:sldId id="287" r:id="rId31"/>
-    <p:sldId id="288" r:id="rId32"/>
-    <p:sldId id="289" r:id="rId33"/>
-    <p:sldId id="290" r:id="rId34"/>
-    <p:sldId id="291" r:id="rId35"/>
-    <p:sldId id="279" r:id="rId36"/>
-    <p:sldId id="280" r:id="rId37"/>
+    <p:sldId id="292" r:id="rId25"/>
+    <p:sldId id="283" r:id="rId26"/>
+    <p:sldId id="284" r:id="rId27"/>
+    <p:sldId id="277" r:id="rId28"/>
+    <p:sldId id="278" r:id="rId29"/>
+    <p:sldId id="285" r:id="rId30"/>
+    <p:sldId id="286" r:id="rId31"/>
+    <p:sldId id="287" r:id="rId32"/>
+    <p:sldId id="288" r:id="rId33"/>
+    <p:sldId id="289" r:id="rId34"/>
+    <p:sldId id="290" r:id="rId35"/>
+    <p:sldId id="291" r:id="rId36"/>
+    <p:sldId id="279" r:id="rId37"/>
+    <p:sldId id="280" r:id="rId38"/>
   </p:sldIdLst>
   <p:sldSz cx="12192000" cy="6858000"/>
   <p:notesSz cx="6858000" cy="9144000"/>
@@ -13913,6 +13914,344 @@
           <a:p>
             <a:r>
               <a:rPr lang="ro-RO" dirty="0" smtClean="0"/>
+              <a:t>Collections</a:t>
+            </a:r>
+            <a:endParaRPr lang="ro-RO" dirty="0"/>
+          </a:p>
+        </p:txBody>
+      </p:sp>
+      <p:sp>
+        <p:nvSpPr>
+          <p:cNvPr id="3" name="Content Placeholder 2"/>
+          <p:cNvSpPr>
+            <a:spLocks noGrp="1"/>
+          </p:cNvSpPr>
+          <p:nvPr>
+            <p:ph idx="1"/>
+          </p:nvPr>
+        </p:nvSpPr>
+        <p:spPr/>
+        <p:txBody>
+          <a:bodyPr/>
+          <a:lstStyle/>
+          <a:p>
+            <a:pPr lvl="1">
+              <a:buFont typeface="Arial" panose="020B0604020202020204" pitchFamily="34" charset="0"/>
+              <a:buChar char="•"/>
+            </a:pPr>
+            <a:r>
+              <a:rPr lang="ro-RO" dirty="0" smtClean="0"/>
+              <a:t>HashMap</a:t>
+            </a:r>
+          </a:p>
+          <a:p>
+            <a:pPr lvl="1">
+              <a:buFont typeface="Arial" panose="020B0604020202020204" pitchFamily="34" charset="0"/>
+              <a:buChar char="•"/>
+            </a:pPr>
+            <a:r>
+              <a:rPr lang="ro-RO" dirty="0" smtClean="0"/>
+              <a:t>ArrayList</a:t>
+            </a:r>
+          </a:p>
+          <a:p>
+            <a:pPr lvl="1">
+              <a:buFont typeface="Arial" panose="020B0604020202020204" pitchFamily="34" charset="0"/>
+              <a:buChar char="•"/>
+            </a:pPr>
+            <a:r>
+              <a:rPr lang="ro-RO" dirty="0" smtClean="0"/>
+              <a:t>Vector</a:t>
+            </a:r>
+          </a:p>
+          <a:p>
+            <a:pPr lvl="1">
+              <a:buFont typeface="Arial" panose="020B0604020202020204" pitchFamily="34" charset="0"/>
+              <a:buChar char="•"/>
+            </a:pPr>
+            <a:r>
+              <a:rPr lang="ro-RO" dirty="0" smtClean="0"/>
+              <a:t>LinkedList</a:t>
+            </a:r>
+          </a:p>
+          <a:p>
+            <a:pPr marL="201168" lvl="1" indent="0">
+              <a:buNone/>
+            </a:pPr>
+            <a:endParaRPr lang="ro-RO" dirty="0"/>
+          </a:p>
+        </p:txBody>
+      </p:sp>
+    </p:spTree>
+    <p:extLst>
+      <p:ext uri="{BB962C8B-B14F-4D97-AF65-F5344CB8AC3E}">
+        <p14:creationId xmlns:p14="http://schemas.microsoft.com/office/powerpoint/2010/main" val="1154643145"/>
+      </p:ext>
+    </p:extLst>
+  </p:cSld>
+  <p:clrMapOvr>
+    <a:masterClrMapping/>
+  </p:clrMapOvr>
+  <p:timing>
+    <p:tnLst>
+      <p:par>
+        <p:cTn id="1" dur="indefinite" restart="never" nodeType="tmRoot">
+          <p:childTnLst>
+            <p:seq concurrent="1" nextAc="seek">
+              <p:cTn id="2" dur="indefinite" nodeType="mainSeq">
+                <p:childTnLst>
+                  <p:par>
+                    <p:cTn id="3" fill="hold">
+                      <p:stCondLst>
+                        <p:cond delay="indefinite"/>
+                      </p:stCondLst>
+                      <p:childTnLst>
+                        <p:par>
+                          <p:cTn id="4" fill="hold">
+                            <p:stCondLst>
+                              <p:cond delay="0"/>
+                            </p:stCondLst>
+                            <p:childTnLst>
+                              <p:par>
+                                <p:cTn id="5" presetID="10" presetClass="entr" presetSubtype="0" fill="hold" grpId="0" nodeType="clickEffect">
+                                  <p:stCondLst>
+                                    <p:cond delay="0"/>
+                                  </p:stCondLst>
+                                  <p:childTnLst>
+                                    <p:set>
+                                      <p:cBhvr>
+                                        <p:cTn id="6" dur="1" fill="hold">
+                                          <p:stCondLst>
+                                            <p:cond delay="0"/>
+                                          </p:stCondLst>
+                                        </p:cTn>
+                                        <p:tgtEl>
+                                          <p:spTgt spid="3">
+                                            <p:txEl>
+                                              <p:pRg st="0" end="0"/>
+                                            </p:txEl>
+                                          </p:spTgt>
+                                        </p:tgtEl>
+                                        <p:attrNameLst>
+                                          <p:attrName>style.visibility</p:attrName>
+                                        </p:attrNameLst>
+                                      </p:cBhvr>
+                                      <p:to>
+                                        <p:strVal val="visible"/>
+                                      </p:to>
+                                    </p:set>
+                                    <p:animEffect transition="in" filter="fade">
+                                      <p:cBhvr>
+                                        <p:cTn id="7" dur="500"/>
+                                        <p:tgtEl>
+                                          <p:spTgt spid="3">
+                                            <p:txEl>
+                                              <p:pRg st="0" end="0"/>
+                                            </p:txEl>
+                                          </p:spTgt>
+                                        </p:tgtEl>
+                                      </p:cBhvr>
+                                    </p:animEffect>
+                                  </p:childTnLst>
+                                </p:cTn>
+                              </p:par>
+                              <p:par>
+                                <p:cTn id="8" presetID="10" presetClass="entr" presetSubtype="0" fill="hold" grpId="0" nodeType="withEffect">
+                                  <p:stCondLst>
+                                    <p:cond delay="0"/>
+                                  </p:stCondLst>
+                                  <p:childTnLst>
+                                    <p:set>
+                                      <p:cBhvr>
+                                        <p:cTn id="9" dur="1" fill="hold">
+                                          <p:stCondLst>
+                                            <p:cond delay="0"/>
+                                          </p:stCondLst>
+                                        </p:cTn>
+                                        <p:tgtEl>
+                                          <p:spTgt spid="3">
+                                            <p:txEl>
+                                              <p:pRg st="1" end="1"/>
+                                            </p:txEl>
+                                          </p:spTgt>
+                                        </p:tgtEl>
+                                        <p:attrNameLst>
+                                          <p:attrName>style.visibility</p:attrName>
+                                        </p:attrNameLst>
+                                      </p:cBhvr>
+                                      <p:to>
+                                        <p:strVal val="visible"/>
+                                      </p:to>
+                                    </p:set>
+                                    <p:animEffect transition="in" filter="fade">
+                                      <p:cBhvr>
+                                        <p:cTn id="10" dur="500"/>
+                                        <p:tgtEl>
+                                          <p:spTgt spid="3">
+                                            <p:txEl>
+                                              <p:pRg st="1" end="1"/>
+                                            </p:txEl>
+                                          </p:spTgt>
+                                        </p:tgtEl>
+                                      </p:cBhvr>
+                                    </p:animEffect>
+                                  </p:childTnLst>
+                                </p:cTn>
+                              </p:par>
+                              <p:par>
+                                <p:cTn id="11" presetID="10" presetClass="entr" presetSubtype="0" fill="hold" grpId="0" nodeType="withEffect">
+                                  <p:stCondLst>
+                                    <p:cond delay="0"/>
+                                  </p:stCondLst>
+                                  <p:childTnLst>
+                                    <p:set>
+                                      <p:cBhvr>
+                                        <p:cTn id="12" dur="1" fill="hold">
+                                          <p:stCondLst>
+                                            <p:cond delay="0"/>
+                                          </p:stCondLst>
+                                        </p:cTn>
+                                        <p:tgtEl>
+                                          <p:spTgt spid="3">
+                                            <p:txEl>
+                                              <p:pRg st="2" end="2"/>
+                                            </p:txEl>
+                                          </p:spTgt>
+                                        </p:tgtEl>
+                                        <p:attrNameLst>
+                                          <p:attrName>style.visibility</p:attrName>
+                                        </p:attrNameLst>
+                                      </p:cBhvr>
+                                      <p:to>
+                                        <p:strVal val="visible"/>
+                                      </p:to>
+                                    </p:set>
+                                    <p:animEffect transition="in" filter="fade">
+                                      <p:cBhvr>
+                                        <p:cTn id="13" dur="500"/>
+                                        <p:tgtEl>
+                                          <p:spTgt spid="3">
+                                            <p:txEl>
+                                              <p:pRg st="2" end="2"/>
+                                            </p:txEl>
+                                          </p:spTgt>
+                                        </p:tgtEl>
+                                      </p:cBhvr>
+                                    </p:animEffect>
+                                  </p:childTnLst>
+                                </p:cTn>
+                              </p:par>
+                              <p:par>
+                                <p:cTn id="14" presetID="10" presetClass="entr" presetSubtype="0" fill="hold" grpId="0" nodeType="withEffect">
+                                  <p:stCondLst>
+                                    <p:cond delay="0"/>
+                                  </p:stCondLst>
+                                  <p:childTnLst>
+                                    <p:set>
+                                      <p:cBhvr>
+                                        <p:cTn id="15" dur="1" fill="hold">
+                                          <p:stCondLst>
+                                            <p:cond delay="0"/>
+                                          </p:stCondLst>
+                                        </p:cTn>
+                                        <p:tgtEl>
+                                          <p:spTgt spid="3">
+                                            <p:txEl>
+                                              <p:pRg st="3" end="3"/>
+                                            </p:txEl>
+                                          </p:spTgt>
+                                        </p:tgtEl>
+                                        <p:attrNameLst>
+                                          <p:attrName>style.visibility</p:attrName>
+                                        </p:attrNameLst>
+                                      </p:cBhvr>
+                                      <p:to>
+                                        <p:strVal val="visible"/>
+                                      </p:to>
+                                    </p:set>
+                                    <p:animEffect transition="in" filter="fade">
+                                      <p:cBhvr>
+                                        <p:cTn id="16" dur="500"/>
+                                        <p:tgtEl>
+                                          <p:spTgt spid="3">
+                                            <p:txEl>
+                                              <p:pRg st="3" end="3"/>
+                                            </p:txEl>
+                                          </p:spTgt>
+                                        </p:tgtEl>
+                                      </p:cBhvr>
+                                    </p:animEffect>
+                                  </p:childTnLst>
+                                </p:cTn>
+                              </p:par>
+                            </p:childTnLst>
+                          </p:cTn>
+                        </p:par>
+                      </p:childTnLst>
+                    </p:cTn>
+                  </p:par>
+                </p:childTnLst>
+              </p:cTn>
+              <p:prevCondLst>
+                <p:cond evt="onPrev" delay="0">
+                  <p:tgtEl>
+                    <p:sldTgt/>
+                  </p:tgtEl>
+                </p:cond>
+              </p:prevCondLst>
+              <p:nextCondLst>
+                <p:cond evt="onNext" delay="0">
+                  <p:tgtEl>
+                    <p:sldTgt/>
+                  </p:tgtEl>
+                </p:cond>
+              </p:nextCondLst>
+            </p:seq>
+          </p:childTnLst>
+        </p:cTn>
+      </p:par>
+    </p:tnLst>
+    <p:bldLst>
+      <p:bldP spid="3" grpId="0" build="p"/>
+    </p:bldLst>
+  </p:timing>
+</p:sld>
+</file>
+
+<file path=ppt/slides/slide25.xml><?xml version="1.0" encoding="utf-8"?>
+<p:sld xmlns:a="http://schemas.openxmlformats.org/drawingml/2006/main" xmlns:r="http://schemas.openxmlformats.org/officeDocument/2006/relationships" xmlns:p="http://schemas.openxmlformats.org/presentationml/2006/main">
+  <p:cSld>
+    <p:spTree>
+      <p:nvGrpSpPr>
+        <p:cNvPr id="1" name=""/>
+        <p:cNvGrpSpPr/>
+        <p:nvPr/>
+      </p:nvGrpSpPr>
+      <p:grpSpPr>
+        <a:xfrm>
+          <a:off x="0" y="0"/>
+          <a:ext cx="0" cy="0"/>
+          <a:chOff x="0" y="0"/>
+          <a:chExt cx="0" cy="0"/>
+        </a:xfrm>
+      </p:grpSpPr>
+      <p:sp>
+        <p:nvSpPr>
+          <p:cNvPr id="2" name="Title 1"/>
+          <p:cNvSpPr>
+            <a:spLocks noGrp="1"/>
+          </p:cNvSpPr>
+          <p:nvPr>
+            <p:ph type="title"/>
+          </p:nvPr>
+        </p:nvSpPr>
+        <p:spPr/>
+        <p:txBody>
+          <a:bodyPr/>
+          <a:lstStyle/>
+          <a:p>
+            <a:r>
+              <a:rPr lang="ro-RO" dirty="0" smtClean="0"/>
               <a:t>Singleton</a:t>
             </a:r>
             <a:endParaRPr lang="ro-RO" dirty="0"/>
@@ -14128,7 +14467,7 @@
 </p:sld>
 </file>
 
-<file path=ppt/slides/slide25.xml><?xml version="1.0" encoding="utf-8"?>
+<file path=ppt/slides/slide26.xml><?xml version="1.0" encoding="utf-8"?>
 <p:sld xmlns:a="http://schemas.openxmlformats.org/drawingml/2006/main" xmlns:r="http://schemas.openxmlformats.org/officeDocument/2006/relationships" xmlns:p="http://schemas.openxmlformats.org/presentationml/2006/main">
   <p:cSld>
     <p:spTree>
@@ -14561,7 +14900,7 @@
 </p:sld>
 </file>
 
-<file path=ppt/slides/slide26.xml><?xml version="1.0" encoding="utf-8"?>
+<file path=ppt/slides/slide27.xml><?xml version="1.0" encoding="utf-8"?>
 <p:sld xmlns:a="http://schemas.openxmlformats.org/drawingml/2006/main" xmlns:r="http://schemas.openxmlformats.org/officeDocument/2006/relationships" xmlns:p="http://schemas.openxmlformats.org/presentationml/2006/main">
   <p:cSld>
     <p:spTree>
@@ -15241,7 +15580,7 @@
 </p:sld>
 </file>
 
-<file path=ppt/slides/slide27.xml><?xml version="1.0" encoding="utf-8"?>
+<file path=ppt/slides/slide28.xml><?xml version="1.0" encoding="utf-8"?>
 <p:sld xmlns:a="http://schemas.openxmlformats.org/drawingml/2006/main" xmlns:r="http://schemas.openxmlformats.org/officeDocument/2006/relationships" xmlns:p="http://schemas.openxmlformats.org/presentationml/2006/main">
   <p:cSld>
     <p:spTree>
@@ -15998,7 +16337,7 @@
 </p:sld>
 </file>
 
-<file path=ppt/slides/slide28.xml><?xml version="1.0" encoding="utf-8"?>
+<file path=ppt/slides/slide29.xml><?xml version="1.0" encoding="utf-8"?>
 <p:sld xmlns:a="http://schemas.openxmlformats.org/drawingml/2006/main" xmlns:r="http://schemas.openxmlformats.org/officeDocument/2006/relationships" xmlns:p="http://schemas.openxmlformats.org/presentationml/2006/main">
   <p:cSld>
     <p:spTree>
@@ -16506,7 +16845,555 @@
 </p:sld>
 </file>
 
-<file path=ppt/slides/slide29.xml><?xml version="1.0" encoding="utf-8"?>
+<file path=ppt/slides/slide3.xml><?xml version="1.0" encoding="utf-8"?>
+<p:sld xmlns:a="http://schemas.openxmlformats.org/drawingml/2006/main" xmlns:r="http://schemas.openxmlformats.org/officeDocument/2006/relationships" xmlns:p="http://schemas.openxmlformats.org/presentationml/2006/main">
+  <p:cSld>
+    <p:spTree>
+      <p:nvGrpSpPr>
+        <p:cNvPr id="1" name=""/>
+        <p:cNvGrpSpPr/>
+        <p:nvPr/>
+      </p:nvGrpSpPr>
+      <p:grpSpPr>
+        <a:xfrm>
+          <a:off x="0" y="0"/>
+          <a:ext cx="0" cy="0"/>
+          <a:chOff x="0" y="0"/>
+          <a:chExt cx="0" cy="0"/>
+        </a:xfrm>
+      </p:grpSpPr>
+      <p:sp>
+        <p:nvSpPr>
+          <p:cNvPr id="2" name="Title 1"/>
+          <p:cNvSpPr>
+            <a:spLocks noGrp="1"/>
+          </p:cNvSpPr>
+          <p:nvPr>
+            <p:ph type="title"/>
+          </p:nvPr>
+        </p:nvSpPr>
+        <p:spPr/>
+        <p:txBody>
+          <a:bodyPr/>
+          <a:lstStyle/>
+          <a:p>
+            <a:r>
+              <a:rPr lang="ro-RO" dirty="0" smtClean="0"/>
+              <a:t>Part 1 – Java Introduction</a:t>
+            </a:r>
+            <a:endParaRPr lang="ro-RO" dirty="0"/>
+          </a:p>
+        </p:txBody>
+      </p:sp>
+      <p:sp>
+        <p:nvSpPr>
+          <p:cNvPr id="3" name="Content Placeholder 2"/>
+          <p:cNvSpPr>
+            <a:spLocks noGrp="1"/>
+          </p:cNvSpPr>
+          <p:nvPr>
+            <p:ph idx="1"/>
+          </p:nvPr>
+        </p:nvSpPr>
+        <p:spPr/>
+        <p:txBody>
+          <a:bodyPr>
+            <a:normAutofit/>
+          </a:bodyPr>
+          <a:lstStyle/>
+          <a:p>
+            <a:pPr lvl="1">
+              <a:buFont typeface="Wingdings" panose="05000000000000000000" pitchFamily="2" charset="2"/>
+              <a:buChar char="q"/>
+            </a:pPr>
+            <a:r>
+              <a:rPr lang="ro-RO" sz="2800" dirty="0" smtClean="0"/>
+              <a:t>   About Java</a:t>
+            </a:r>
+          </a:p>
+          <a:p>
+            <a:pPr lvl="1">
+              <a:buFont typeface="Wingdings" panose="05000000000000000000" pitchFamily="2" charset="2"/>
+              <a:buChar char="q"/>
+            </a:pPr>
+            <a:r>
+              <a:rPr lang="ro-RO" sz="2800" dirty="0"/>
+              <a:t> </a:t>
+            </a:r>
+            <a:r>
+              <a:rPr lang="ro-RO" sz="2800" dirty="0" smtClean="0"/>
+              <a:t>  Object Oriented Programming</a:t>
+            </a:r>
+          </a:p>
+          <a:p>
+            <a:pPr lvl="1">
+              <a:buFont typeface="Wingdings" panose="05000000000000000000" pitchFamily="2" charset="2"/>
+              <a:buChar char="q"/>
+            </a:pPr>
+            <a:r>
+              <a:rPr lang="ro-RO" sz="2800" dirty="0"/>
+              <a:t> </a:t>
+            </a:r>
+            <a:r>
+              <a:rPr lang="ro-RO" sz="2800" dirty="0" smtClean="0"/>
+              <a:t>  Collections</a:t>
+            </a:r>
+          </a:p>
+          <a:p>
+            <a:pPr lvl="1">
+              <a:buFont typeface="Wingdings" panose="05000000000000000000" pitchFamily="2" charset="2"/>
+              <a:buChar char="q"/>
+            </a:pPr>
+            <a:r>
+              <a:rPr lang="ro-RO" sz="2800" dirty="0"/>
+              <a:t> </a:t>
+            </a:r>
+            <a:r>
+              <a:rPr lang="ro-RO" sz="2800" dirty="0" smtClean="0"/>
+              <a:t>  Maven – Build Manager</a:t>
+            </a:r>
+          </a:p>
+          <a:p>
+            <a:pPr lvl="1">
+              <a:buFont typeface="Wingdings" panose="05000000000000000000" pitchFamily="2" charset="2"/>
+              <a:buChar char="q"/>
+            </a:pPr>
+            <a:r>
+              <a:rPr lang="ro-RO" sz="2800" dirty="0"/>
+              <a:t> </a:t>
+            </a:r>
+            <a:r>
+              <a:rPr lang="ro-RO" sz="2800" dirty="0" smtClean="0"/>
+              <a:t>  Communication Protocols (REST/SOAP/WS)</a:t>
+            </a:r>
+          </a:p>
+          <a:p>
+            <a:pPr lvl="1">
+              <a:buFont typeface="Wingdings" panose="05000000000000000000" pitchFamily="2" charset="2"/>
+              <a:buChar char="q"/>
+            </a:pPr>
+            <a:r>
+              <a:rPr lang="ro-RO" sz="2800" dirty="0"/>
+              <a:t> </a:t>
+            </a:r>
+            <a:r>
+              <a:rPr lang="ro-RO" sz="2800" dirty="0" smtClean="0"/>
+              <a:t>  Live Coding - application</a:t>
+            </a:r>
+            <a:endParaRPr lang="ro-RO" sz="2800" dirty="0"/>
+          </a:p>
+        </p:txBody>
+      </p:sp>
+    </p:spTree>
+    <p:extLst>
+      <p:ext uri="{BB962C8B-B14F-4D97-AF65-F5344CB8AC3E}">
+        <p14:creationId xmlns:p14="http://schemas.microsoft.com/office/powerpoint/2010/main" val="480539234"/>
+      </p:ext>
+    </p:extLst>
+  </p:cSld>
+  <p:clrMapOvr>
+    <a:masterClrMapping/>
+  </p:clrMapOvr>
+  <p:timing>
+    <p:tnLst>
+      <p:par>
+        <p:cTn id="1" dur="indefinite" restart="never" nodeType="tmRoot">
+          <p:childTnLst>
+            <p:seq concurrent="1" nextAc="seek">
+              <p:cTn id="2" dur="indefinite" nodeType="mainSeq">
+                <p:childTnLst>
+                  <p:par>
+                    <p:cTn id="3" fill="hold">
+                      <p:stCondLst>
+                        <p:cond delay="indefinite"/>
+                      </p:stCondLst>
+                      <p:childTnLst>
+                        <p:par>
+                          <p:cTn id="4" fill="hold">
+                            <p:stCondLst>
+                              <p:cond delay="0"/>
+                            </p:stCondLst>
+                            <p:childTnLst>
+                              <p:par>
+                                <p:cTn id="5" presetID="10" presetClass="entr" presetSubtype="0" fill="hold" nodeType="clickEffect">
+                                  <p:stCondLst>
+                                    <p:cond delay="0"/>
+                                  </p:stCondLst>
+                                  <p:childTnLst>
+                                    <p:set>
+                                      <p:cBhvr>
+                                        <p:cTn id="6" dur="1" fill="hold">
+                                          <p:stCondLst>
+                                            <p:cond delay="0"/>
+                                          </p:stCondLst>
+                                        </p:cTn>
+                                        <p:tgtEl>
+                                          <p:spTgt spid="3">
+                                            <p:txEl>
+                                              <p:pRg st="0" end="0"/>
+                                            </p:txEl>
+                                          </p:spTgt>
+                                        </p:tgtEl>
+                                        <p:attrNameLst>
+                                          <p:attrName>style.visibility</p:attrName>
+                                        </p:attrNameLst>
+                                      </p:cBhvr>
+                                      <p:to>
+                                        <p:strVal val="visible"/>
+                                      </p:to>
+                                    </p:set>
+                                    <p:animEffect transition="in" filter="fade">
+                                      <p:cBhvr>
+                                        <p:cTn id="7" dur="500"/>
+                                        <p:tgtEl>
+                                          <p:spTgt spid="3">
+                                            <p:txEl>
+                                              <p:pRg st="0" end="0"/>
+                                            </p:txEl>
+                                          </p:spTgt>
+                                        </p:tgtEl>
+                                      </p:cBhvr>
+                                    </p:animEffect>
+                                  </p:childTnLst>
+                                </p:cTn>
+                              </p:par>
+                            </p:childTnLst>
+                          </p:cTn>
+                        </p:par>
+                      </p:childTnLst>
+                    </p:cTn>
+                  </p:par>
+                  <p:par>
+                    <p:cTn id="8" fill="hold">
+                      <p:stCondLst>
+                        <p:cond delay="indefinite"/>
+                      </p:stCondLst>
+                      <p:childTnLst>
+                        <p:par>
+                          <p:cTn id="9" fill="hold">
+                            <p:stCondLst>
+                              <p:cond delay="0"/>
+                            </p:stCondLst>
+                            <p:childTnLst>
+                              <p:par>
+                                <p:cTn id="10" presetID="10" presetClass="entr" presetSubtype="0" fill="hold" nodeType="clickEffect">
+                                  <p:stCondLst>
+                                    <p:cond delay="0"/>
+                                  </p:stCondLst>
+                                  <p:childTnLst>
+                                    <p:set>
+                                      <p:cBhvr>
+                                        <p:cTn id="11" dur="1" fill="hold">
+                                          <p:stCondLst>
+                                            <p:cond delay="0"/>
+                                          </p:stCondLst>
+                                        </p:cTn>
+                                        <p:tgtEl>
+                                          <p:spTgt spid="3">
+                                            <p:txEl>
+                                              <p:pRg st="1" end="1"/>
+                                            </p:txEl>
+                                          </p:spTgt>
+                                        </p:tgtEl>
+                                        <p:attrNameLst>
+                                          <p:attrName>style.visibility</p:attrName>
+                                        </p:attrNameLst>
+                                      </p:cBhvr>
+                                      <p:to>
+                                        <p:strVal val="visible"/>
+                                      </p:to>
+                                    </p:set>
+                                    <p:animEffect transition="in" filter="fade">
+                                      <p:cBhvr>
+                                        <p:cTn id="12" dur="500"/>
+                                        <p:tgtEl>
+                                          <p:spTgt spid="3">
+                                            <p:txEl>
+                                              <p:pRg st="1" end="1"/>
+                                            </p:txEl>
+                                          </p:spTgt>
+                                        </p:tgtEl>
+                                      </p:cBhvr>
+                                    </p:animEffect>
+                                  </p:childTnLst>
+                                </p:cTn>
+                              </p:par>
+                            </p:childTnLst>
+                          </p:cTn>
+                        </p:par>
+                      </p:childTnLst>
+                    </p:cTn>
+                  </p:par>
+                  <p:par>
+                    <p:cTn id="13" fill="hold">
+                      <p:stCondLst>
+                        <p:cond delay="indefinite"/>
+                      </p:stCondLst>
+                      <p:childTnLst>
+                        <p:par>
+                          <p:cTn id="14" fill="hold">
+                            <p:stCondLst>
+                              <p:cond delay="0"/>
+                            </p:stCondLst>
+                            <p:childTnLst>
+                              <p:par>
+                                <p:cTn id="15" presetID="10" presetClass="entr" presetSubtype="0" fill="hold" nodeType="clickEffect">
+                                  <p:stCondLst>
+                                    <p:cond delay="0"/>
+                                  </p:stCondLst>
+                                  <p:childTnLst>
+                                    <p:set>
+                                      <p:cBhvr>
+                                        <p:cTn id="16" dur="1" fill="hold">
+                                          <p:stCondLst>
+                                            <p:cond delay="0"/>
+                                          </p:stCondLst>
+                                        </p:cTn>
+                                        <p:tgtEl>
+                                          <p:spTgt spid="3">
+                                            <p:txEl>
+                                              <p:pRg st="2" end="2"/>
+                                            </p:txEl>
+                                          </p:spTgt>
+                                        </p:tgtEl>
+                                        <p:attrNameLst>
+                                          <p:attrName>style.visibility</p:attrName>
+                                        </p:attrNameLst>
+                                      </p:cBhvr>
+                                      <p:to>
+                                        <p:strVal val="visible"/>
+                                      </p:to>
+                                    </p:set>
+                                    <p:animEffect transition="in" filter="fade">
+                                      <p:cBhvr>
+                                        <p:cTn id="17" dur="500"/>
+                                        <p:tgtEl>
+                                          <p:spTgt spid="3">
+                                            <p:txEl>
+                                              <p:pRg st="2" end="2"/>
+                                            </p:txEl>
+                                          </p:spTgt>
+                                        </p:tgtEl>
+                                      </p:cBhvr>
+                                    </p:animEffect>
+                                  </p:childTnLst>
+                                </p:cTn>
+                              </p:par>
+                            </p:childTnLst>
+                          </p:cTn>
+                        </p:par>
+                      </p:childTnLst>
+                    </p:cTn>
+                  </p:par>
+                  <p:par>
+                    <p:cTn id="18" fill="hold">
+                      <p:stCondLst>
+                        <p:cond delay="indefinite"/>
+                      </p:stCondLst>
+                      <p:childTnLst>
+                        <p:par>
+                          <p:cTn id="19" fill="hold">
+                            <p:stCondLst>
+                              <p:cond delay="0"/>
+                            </p:stCondLst>
+                            <p:childTnLst>
+                              <p:par>
+                                <p:cTn id="20" presetID="10" presetClass="entr" presetSubtype="0" fill="hold" nodeType="clickEffect">
+                                  <p:stCondLst>
+                                    <p:cond delay="0"/>
+                                  </p:stCondLst>
+                                  <p:childTnLst>
+                                    <p:set>
+                                      <p:cBhvr>
+                                        <p:cTn id="21" dur="1" fill="hold">
+                                          <p:stCondLst>
+                                            <p:cond delay="0"/>
+                                          </p:stCondLst>
+                                        </p:cTn>
+                                        <p:tgtEl>
+                                          <p:spTgt spid="3">
+                                            <p:txEl>
+                                              <p:pRg st="3" end="3"/>
+                                            </p:txEl>
+                                          </p:spTgt>
+                                        </p:tgtEl>
+                                        <p:attrNameLst>
+                                          <p:attrName>style.visibility</p:attrName>
+                                        </p:attrNameLst>
+                                      </p:cBhvr>
+                                      <p:to>
+                                        <p:strVal val="visible"/>
+                                      </p:to>
+                                    </p:set>
+                                    <p:animEffect transition="in" filter="fade">
+                                      <p:cBhvr>
+                                        <p:cTn id="22" dur="500"/>
+                                        <p:tgtEl>
+                                          <p:spTgt spid="3">
+                                            <p:txEl>
+                                              <p:pRg st="3" end="3"/>
+                                            </p:txEl>
+                                          </p:spTgt>
+                                        </p:tgtEl>
+                                      </p:cBhvr>
+                                    </p:animEffect>
+                                  </p:childTnLst>
+                                </p:cTn>
+                              </p:par>
+                            </p:childTnLst>
+                          </p:cTn>
+                        </p:par>
+                      </p:childTnLst>
+                    </p:cTn>
+                  </p:par>
+                  <p:par>
+                    <p:cTn id="23" fill="hold">
+                      <p:stCondLst>
+                        <p:cond delay="indefinite"/>
+                      </p:stCondLst>
+                      <p:childTnLst>
+                        <p:par>
+                          <p:cTn id="24" fill="hold">
+                            <p:stCondLst>
+                              <p:cond delay="0"/>
+                            </p:stCondLst>
+                            <p:childTnLst>
+                              <p:par>
+                                <p:cTn id="25" presetID="10" presetClass="entr" presetSubtype="0" fill="hold" nodeType="clickEffect">
+                                  <p:stCondLst>
+                                    <p:cond delay="0"/>
+                                  </p:stCondLst>
+                                  <p:childTnLst>
+                                    <p:set>
+                                      <p:cBhvr>
+                                        <p:cTn id="26" dur="1" fill="hold">
+                                          <p:stCondLst>
+                                            <p:cond delay="0"/>
+                                          </p:stCondLst>
+                                        </p:cTn>
+                                        <p:tgtEl>
+                                          <p:spTgt spid="3">
+                                            <p:txEl>
+                                              <p:pRg st="4" end="4"/>
+                                            </p:txEl>
+                                          </p:spTgt>
+                                        </p:tgtEl>
+                                        <p:attrNameLst>
+                                          <p:attrName>style.visibility</p:attrName>
+                                        </p:attrNameLst>
+                                      </p:cBhvr>
+                                      <p:to>
+                                        <p:strVal val="visible"/>
+                                      </p:to>
+                                    </p:set>
+                                    <p:animEffect transition="in" filter="fade">
+                                      <p:cBhvr>
+                                        <p:cTn id="27" dur="500"/>
+                                        <p:tgtEl>
+                                          <p:spTgt spid="3">
+                                            <p:txEl>
+                                              <p:pRg st="4" end="4"/>
+                                            </p:txEl>
+                                          </p:spTgt>
+                                        </p:tgtEl>
+                                      </p:cBhvr>
+                                    </p:animEffect>
+                                  </p:childTnLst>
+                                </p:cTn>
+                              </p:par>
+                            </p:childTnLst>
+                          </p:cTn>
+                        </p:par>
+                      </p:childTnLst>
+                    </p:cTn>
+                  </p:par>
+                  <p:par>
+                    <p:cTn id="28" fill="hold">
+                      <p:stCondLst>
+                        <p:cond delay="indefinite"/>
+                      </p:stCondLst>
+                      <p:childTnLst>
+                        <p:par>
+                          <p:cTn id="29" fill="hold">
+                            <p:stCondLst>
+                              <p:cond delay="0"/>
+                            </p:stCondLst>
+                            <p:childTnLst>
+                              <p:par>
+                                <p:cTn id="30" presetID="10" presetClass="entr" presetSubtype="0" fill="hold" nodeType="clickEffect">
+                                  <p:stCondLst>
+                                    <p:cond delay="0"/>
+                                  </p:stCondLst>
+                                  <p:childTnLst>
+                                    <p:set>
+                                      <p:cBhvr>
+                                        <p:cTn id="31" dur="1" fill="hold">
+                                          <p:stCondLst>
+                                            <p:cond delay="0"/>
+                                          </p:stCondLst>
+                                        </p:cTn>
+                                        <p:tgtEl>
+                                          <p:spTgt spid="3">
+                                            <p:txEl>
+                                              <p:pRg st="5" end="5"/>
+                                            </p:txEl>
+                                          </p:spTgt>
+                                        </p:tgtEl>
+                                        <p:attrNameLst>
+                                          <p:attrName>style.visibility</p:attrName>
+                                        </p:attrNameLst>
+                                      </p:cBhvr>
+                                      <p:to>
+                                        <p:strVal val="visible"/>
+                                      </p:to>
+                                    </p:set>
+                                    <p:animEffect transition="in" filter="fade">
+                                      <p:cBhvr>
+                                        <p:cTn id="32" dur="500"/>
+                                        <p:tgtEl>
+                                          <p:spTgt spid="3">
+                                            <p:txEl>
+                                              <p:pRg st="5" end="5"/>
+                                            </p:txEl>
+                                          </p:spTgt>
+                                        </p:tgtEl>
+                                      </p:cBhvr>
+                                    </p:animEffect>
+                                  </p:childTnLst>
+                                </p:cTn>
+                              </p:par>
+                            </p:childTnLst>
+                          </p:cTn>
+                        </p:par>
+                      </p:childTnLst>
+                    </p:cTn>
+                  </p:par>
+                </p:childTnLst>
+              </p:cTn>
+              <p:prevCondLst>
+                <p:cond evt="onPrev" delay="0">
+                  <p:tgtEl>
+                    <p:sldTgt/>
+                  </p:tgtEl>
+                </p:cond>
+              </p:prevCondLst>
+              <p:nextCondLst>
+                <p:cond evt="onNext" delay="0">
+                  <p:tgtEl>
+                    <p:sldTgt/>
+                  </p:tgtEl>
+                </p:cond>
+              </p:nextCondLst>
+            </p:seq>
+          </p:childTnLst>
+        </p:cTn>
+      </p:par>
+    </p:tnLst>
+  </p:timing>
+</p:sld>
+</file>
+
+<file path=ppt/slides/slide30.xml><?xml version="1.0" encoding="utf-8"?>
 <p:sld xmlns:a="http://schemas.openxmlformats.org/drawingml/2006/main" xmlns:r="http://schemas.openxmlformats.org/officeDocument/2006/relationships" xmlns:p="http://schemas.openxmlformats.org/presentationml/2006/main">
   <p:cSld>
     <p:spTree>
@@ -16850,555 +17737,7 @@
 </p:sld>
 </file>
 
-<file path=ppt/slides/slide3.xml><?xml version="1.0" encoding="utf-8"?>
-<p:sld xmlns:a="http://schemas.openxmlformats.org/drawingml/2006/main" xmlns:r="http://schemas.openxmlformats.org/officeDocument/2006/relationships" xmlns:p="http://schemas.openxmlformats.org/presentationml/2006/main">
-  <p:cSld>
-    <p:spTree>
-      <p:nvGrpSpPr>
-        <p:cNvPr id="1" name=""/>
-        <p:cNvGrpSpPr/>
-        <p:nvPr/>
-      </p:nvGrpSpPr>
-      <p:grpSpPr>
-        <a:xfrm>
-          <a:off x="0" y="0"/>
-          <a:ext cx="0" cy="0"/>
-          <a:chOff x="0" y="0"/>
-          <a:chExt cx="0" cy="0"/>
-        </a:xfrm>
-      </p:grpSpPr>
-      <p:sp>
-        <p:nvSpPr>
-          <p:cNvPr id="2" name="Title 1"/>
-          <p:cNvSpPr>
-            <a:spLocks noGrp="1"/>
-          </p:cNvSpPr>
-          <p:nvPr>
-            <p:ph type="title"/>
-          </p:nvPr>
-        </p:nvSpPr>
-        <p:spPr/>
-        <p:txBody>
-          <a:bodyPr/>
-          <a:lstStyle/>
-          <a:p>
-            <a:r>
-              <a:rPr lang="ro-RO" dirty="0" smtClean="0"/>
-              <a:t>Part 1 – Java Introduction</a:t>
-            </a:r>
-            <a:endParaRPr lang="ro-RO" dirty="0"/>
-          </a:p>
-        </p:txBody>
-      </p:sp>
-      <p:sp>
-        <p:nvSpPr>
-          <p:cNvPr id="3" name="Content Placeholder 2"/>
-          <p:cNvSpPr>
-            <a:spLocks noGrp="1"/>
-          </p:cNvSpPr>
-          <p:nvPr>
-            <p:ph idx="1"/>
-          </p:nvPr>
-        </p:nvSpPr>
-        <p:spPr/>
-        <p:txBody>
-          <a:bodyPr>
-            <a:normAutofit/>
-          </a:bodyPr>
-          <a:lstStyle/>
-          <a:p>
-            <a:pPr lvl="1">
-              <a:buFont typeface="Wingdings" panose="05000000000000000000" pitchFamily="2" charset="2"/>
-              <a:buChar char="q"/>
-            </a:pPr>
-            <a:r>
-              <a:rPr lang="ro-RO" sz="2800" dirty="0" smtClean="0"/>
-              <a:t>   About Java</a:t>
-            </a:r>
-          </a:p>
-          <a:p>
-            <a:pPr lvl="1">
-              <a:buFont typeface="Wingdings" panose="05000000000000000000" pitchFamily="2" charset="2"/>
-              <a:buChar char="q"/>
-            </a:pPr>
-            <a:r>
-              <a:rPr lang="ro-RO" sz="2800" dirty="0"/>
-              <a:t> </a:t>
-            </a:r>
-            <a:r>
-              <a:rPr lang="ro-RO" sz="2800" dirty="0" smtClean="0"/>
-              <a:t>  Object Oriented Programming</a:t>
-            </a:r>
-          </a:p>
-          <a:p>
-            <a:pPr lvl="1">
-              <a:buFont typeface="Wingdings" panose="05000000000000000000" pitchFamily="2" charset="2"/>
-              <a:buChar char="q"/>
-            </a:pPr>
-            <a:r>
-              <a:rPr lang="ro-RO" sz="2800" dirty="0"/>
-              <a:t> </a:t>
-            </a:r>
-            <a:r>
-              <a:rPr lang="ro-RO" sz="2800" dirty="0" smtClean="0"/>
-              <a:t>  Collections</a:t>
-            </a:r>
-          </a:p>
-          <a:p>
-            <a:pPr lvl="1">
-              <a:buFont typeface="Wingdings" panose="05000000000000000000" pitchFamily="2" charset="2"/>
-              <a:buChar char="q"/>
-            </a:pPr>
-            <a:r>
-              <a:rPr lang="ro-RO" sz="2800" dirty="0"/>
-              <a:t> </a:t>
-            </a:r>
-            <a:r>
-              <a:rPr lang="ro-RO" sz="2800" dirty="0" smtClean="0"/>
-              <a:t>  Maven – Build Manager</a:t>
-            </a:r>
-          </a:p>
-          <a:p>
-            <a:pPr lvl="1">
-              <a:buFont typeface="Wingdings" panose="05000000000000000000" pitchFamily="2" charset="2"/>
-              <a:buChar char="q"/>
-            </a:pPr>
-            <a:r>
-              <a:rPr lang="ro-RO" sz="2800" dirty="0"/>
-              <a:t> </a:t>
-            </a:r>
-            <a:r>
-              <a:rPr lang="ro-RO" sz="2800" dirty="0" smtClean="0"/>
-              <a:t>  Communication Protocols (REST/SOAP/WS)</a:t>
-            </a:r>
-          </a:p>
-          <a:p>
-            <a:pPr lvl="1">
-              <a:buFont typeface="Wingdings" panose="05000000000000000000" pitchFamily="2" charset="2"/>
-              <a:buChar char="q"/>
-            </a:pPr>
-            <a:r>
-              <a:rPr lang="ro-RO" sz="2800" dirty="0"/>
-              <a:t> </a:t>
-            </a:r>
-            <a:r>
-              <a:rPr lang="ro-RO" sz="2800" dirty="0" smtClean="0"/>
-              <a:t>  Live Coding - application</a:t>
-            </a:r>
-            <a:endParaRPr lang="ro-RO" sz="2800" dirty="0"/>
-          </a:p>
-        </p:txBody>
-      </p:sp>
-    </p:spTree>
-    <p:extLst>
-      <p:ext uri="{BB962C8B-B14F-4D97-AF65-F5344CB8AC3E}">
-        <p14:creationId xmlns:p14="http://schemas.microsoft.com/office/powerpoint/2010/main" val="480539234"/>
-      </p:ext>
-    </p:extLst>
-  </p:cSld>
-  <p:clrMapOvr>
-    <a:masterClrMapping/>
-  </p:clrMapOvr>
-  <p:timing>
-    <p:tnLst>
-      <p:par>
-        <p:cTn id="1" dur="indefinite" restart="never" nodeType="tmRoot">
-          <p:childTnLst>
-            <p:seq concurrent="1" nextAc="seek">
-              <p:cTn id="2" dur="indefinite" nodeType="mainSeq">
-                <p:childTnLst>
-                  <p:par>
-                    <p:cTn id="3" fill="hold">
-                      <p:stCondLst>
-                        <p:cond delay="indefinite"/>
-                      </p:stCondLst>
-                      <p:childTnLst>
-                        <p:par>
-                          <p:cTn id="4" fill="hold">
-                            <p:stCondLst>
-                              <p:cond delay="0"/>
-                            </p:stCondLst>
-                            <p:childTnLst>
-                              <p:par>
-                                <p:cTn id="5" presetID="10" presetClass="entr" presetSubtype="0" fill="hold" nodeType="clickEffect">
-                                  <p:stCondLst>
-                                    <p:cond delay="0"/>
-                                  </p:stCondLst>
-                                  <p:childTnLst>
-                                    <p:set>
-                                      <p:cBhvr>
-                                        <p:cTn id="6" dur="1" fill="hold">
-                                          <p:stCondLst>
-                                            <p:cond delay="0"/>
-                                          </p:stCondLst>
-                                        </p:cTn>
-                                        <p:tgtEl>
-                                          <p:spTgt spid="3">
-                                            <p:txEl>
-                                              <p:pRg st="0" end="0"/>
-                                            </p:txEl>
-                                          </p:spTgt>
-                                        </p:tgtEl>
-                                        <p:attrNameLst>
-                                          <p:attrName>style.visibility</p:attrName>
-                                        </p:attrNameLst>
-                                      </p:cBhvr>
-                                      <p:to>
-                                        <p:strVal val="visible"/>
-                                      </p:to>
-                                    </p:set>
-                                    <p:animEffect transition="in" filter="fade">
-                                      <p:cBhvr>
-                                        <p:cTn id="7" dur="500"/>
-                                        <p:tgtEl>
-                                          <p:spTgt spid="3">
-                                            <p:txEl>
-                                              <p:pRg st="0" end="0"/>
-                                            </p:txEl>
-                                          </p:spTgt>
-                                        </p:tgtEl>
-                                      </p:cBhvr>
-                                    </p:animEffect>
-                                  </p:childTnLst>
-                                </p:cTn>
-                              </p:par>
-                            </p:childTnLst>
-                          </p:cTn>
-                        </p:par>
-                      </p:childTnLst>
-                    </p:cTn>
-                  </p:par>
-                  <p:par>
-                    <p:cTn id="8" fill="hold">
-                      <p:stCondLst>
-                        <p:cond delay="indefinite"/>
-                      </p:stCondLst>
-                      <p:childTnLst>
-                        <p:par>
-                          <p:cTn id="9" fill="hold">
-                            <p:stCondLst>
-                              <p:cond delay="0"/>
-                            </p:stCondLst>
-                            <p:childTnLst>
-                              <p:par>
-                                <p:cTn id="10" presetID="10" presetClass="entr" presetSubtype="0" fill="hold" nodeType="clickEffect">
-                                  <p:stCondLst>
-                                    <p:cond delay="0"/>
-                                  </p:stCondLst>
-                                  <p:childTnLst>
-                                    <p:set>
-                                      <p:cBhvr>
-                                        <p:cTn id="11" dur="1" fill="hold">
-                                          <p:stCondLst>
-                                            <p:cond delay="0"/>
-                                          </p:stCondLst>
-                                        </p:cTn>
-                                        <p:tgtEl>
-                                          <p:spTgt spid="3">
-                                            <p:txEl>
-                                              <p:pRg st="1" end="1"/>
-                                            </p:txEl>
-                                          </p:spTgt>
-                                        </p:tgtEl>
-                                        <p:attrNameLst>
-                                          <p:attrName>style.visibility</p:attrName>
-                                        </p:attrNameLst>
-                                      </p:cBhvr>
-                                      <p:to>
-                                        <p:strVal val="visible"/>
-                                      </p:to>
-                                    </p:set>
-                                    <p:animEffect transition="in" filter="fade">
-                                      <p:cBhvr>
-                                        <p:cTn id="12" dur="500"/>
-                                        <p:tgtEl>
-                                          <p:spTgt spid="3">
-                                            <p:txEl>
-                                              <p:pRg st="1" end="1"/>
-                                            </p:txEl>
-                                          </p:spTgt>
-                                        </p:tgtEl>
-                                      </p:cBhvr>
-                                    </p:animEffect>
-                                  </p:childTnLst>
-                                </p:cTn>
-                              </p:par>
-                            </p:childTnLst>
-                          </p:cTn>
-                        </p:par>
-                      </p:childTnLst>
-                    </p:cTn>
-                  </p:par>
-                  <p:par>
-                    <p:cTn id="13" fill="hold">
-                      <p:stCondLst>
-                        <p:cond delay="indefinite"/>
-                      </p:stCondLst>
-                      <p:childTnLst>
-                        <p:par>
-                          <p:cTn id="14" fill="hold">
-                            <p:stCondLst>
-                              <p:cond delay="0"/>
-                            </p:stCondLst>
-                            <p:childTnLst>
-                              <p:par>
-                                <p:cTn id="15" presetID="10" presetClass="entr" presetSubtype="0" fill="hold" nodeType="clickEffect">
-                                  <p:stCondLst>
-                                    <p:cond delay="0"/>
-                                  </p:stCondLst>
-                                  <p:childTnLst>
-                                    <p:set>
-                                      <p:cBhvr>
-                                        <p:cTn id="16" dur="1" fill="hold">
-                                          <p:stCondLst>
-                                            <p:cond delay="0"/>
-                                          </p:stCondLst>
-                                        </p:cTn>
-                                        <p:tgtEl>
-                                          <p:spTgt spid="3">
-                                            <p:txEl>
-                                              <p:pRg st="2" end="2"/>
-                                            </p:txEl>
-                                          </p:spTgt>
-                                        </p:tgtEl>
-                                        <p:attrNameLst>
-                                          <p:attrName>style.visibility</p:attrName>
-                                        </p:attrNameLst>
-                                      </p:cBhvr>
-                                      <p:to>
-                                        <p:strVal val="visible"/>
-                                      </p:to>
-                                    </p:set>
-                                    <p:animEffect transition="in" filter="fade">
-                                      <p:cBhvr>
-                                        <p:cTn id="17" dur="500"/>
-                                        <p:tgtEl>
-                                          <p:spTgt spid="3">
-                                            <p:txEl>
-                                              <p:pRg st="2" end="2"/>
-                                            </p:txEl>
-                                          </p:spTgt>
-                                        </p:tgtEl>
-                                      </p:cBhvr>
-                                    </p:animEffect>
-                                  </p:childTnLst>
-                                </p:cTn>
-                              </p:par>
-                            </p:childTnLst>
-                          </p:cTn>
-                        </p:par>
-                      </p:childTnLst>
-                    </p:cTn>
-                  </p:par>
-                  <p:par>
-                    <p:cTn id="18" fill="hold">
-                      <p:stCondLst>
-                        <p:cond delay="indefinite"/>
-                      </p:stCondLst>
-                      <p:childTnLst>
-                        <p:par>
-                          <p:cTn id="19" fill="hold">
-                            <p:stCondLst>
-                              <p:cond delay="0"/>
-                            </p:stCondLst>
-                            <p:childTnLst>
-                              <p:par>
-                                <p:cTn id="20" presetID="10" presetClass="entr" presetSubtype="0" fill="hold" nodeType="clickEffect">
-                                  <p:stCondLst>
-                                    <p:cond delay="0"/>
-                                  </p:stCondLst>
-                                  <p:childTnLst>
-                                    <p:set>
-                                      <p:cBhvr>
-                                        <p:cTn id="21" dur="1" fill="hold">
-                                          <p:stCondLst>
-                                            <p:cond delay="0"/>
-                                          </p:stCondLst>
-                                        </p:cTn>
-                                        <p:tgtEl>
-                                          <p:spTgt spid="3">
-                                            <p:txEl>
-                                              <p:pRg st="3" end="3"/>
-                                            </p:txEl>
-                                          </p:spTgt>
-                                        </p:tgtEl>
-                                        <p:attrNameLst>
-                                          <p:attrName>style.visibility</p:attrName>
-                                        </p:attrNameLst>
-                                      </p:cBhvr>
-                                      <p:to>
-                                        <p:strVal val="visible"/>
-                                      </p:to>
-                                    </p:set>
-                                    <p:animEffect transition="in" filter="fade">
-                                      <p:cBhvr>
-                                        <p:cTn id="22" dur="500"/>
-                                        <p:tgtEl>
-                                          <p:spTgt spid="3">
-                                            <p:txEl>
-                                              <p:pRg st="3" end="3"/>
-                                            </p:txEl>
-                                          </p:spTgt>
-                                        </p:tgtEl>
-                                      </p:cBhvr>
-                                    </p:animEffect>
-                                  </p:childTnLst>
-                                </p:cTn>
-                              </p:par>
-                            </p:childTnLst>
-                          </p:cTn>
-                        </p:par>
-                      </p:childTnLst>
-                    </p:cTn>
-                  </p:par>
-                  <p:par>
-                    <p:cTn id="23" fill="hold">
-                      <p:stCondLst>
-                        <p:cond delay="indefinite"/>
-                      </p:stCondLst>
-                      <p:childTnLst>
-                        <p:par>
-                          <p:cTn id="24" fill="hold">
-                            <p:stCondLst>
-                              <p:cond delay="0"/>
-                            </p:stCondLst>
-                            <p:childTnLst>
-                              <p:par>
-                                <p:cTn id="25" presetID="10" presetClass="entr" presetSubtype="0" fill="hold" nodeType="clickEffect">
-                                  <p:stCondLst>
-                                    <p:cond delay="0"/>
-                                  </p:stCondLst>
-                                  <p:childTnLst>
-                                    <p:set>
-                                      <p:cBhvr>
-                                        <p:cTn id="26" dur="1" fill="hold">
-                                          <p:stCondLst>
-                                            <p:cond delay="0"/>
-                                          </p:stCondLst>
-                                        </p:cTn>
-                                        <p:tgtEl>
-                                          <p:spTgt spid="3">
-                                            <p:txEl>
-                                              <p:pRg st="4" end="4"/>
-                                            </p:txEl>
-                                          </p:spTgt>
-                                        </p:tgtEl>
-                                        <p:attrNameLst>
-                                          <p:attrName>style.visibility</p:attrName>
-                                        </p:attrNameLst>
-                                      </p:cBhvr>
-                                      <p:to>
-                                        <p:strVal val="visible"/>
-                                      </p:to>
-                                    </p:set>
-                                    <p:animEffect transition="in" filter="fade">
-                                      <p:cBhvr>
-                                        <p:cTn id="27" dur="500"/>
-                                        <p:tgtEl>
-                                          <p:spTgt spid="3">
-                                            <p:txEl>
-                                              <p:pRg st="4" end="4"/>
-                                            </p:txEl>
-                                          </p:spTgt>
-                                        </p:tgtEl>
-                                      </p:cBhvr>
-                                    </p:animEffect>
-                                  </p:childTnLst>
-                                </p:cTn>
-                              </p:par>
-                            </p:childTnLst>
-                          </p:cTn>
-                        </p:par>
-                      </p:childTnLst>
-                    </p:cTn>
-                  </p:par>
-                  <p:par>
-                    <p:cTn id="28" fill="hold">
-                      <p:stCondLst>
-                        <p:cond delay="indefinite"/>
-                      </p:stCondLst>
-                      <p:childTnLst>
-                        <p:par>
-                          <p:cTn id="29" fill="hold">
-                            <p:stCondLst>
-                              <p:cond delay="0"/>
-                            </p:stCondLst>
-                            <p:childTnLst>
-                              <p:par>
-                                <p:cTn id="30" presetID="10" presetClass="entr" presetSubtype="0" fill="hold" nodeType="clickEffect">
-                                  <p:stCondLst>
-                                    <p:cond delay="0"/>
-                                  </p:stCondLst>
-                                  <p:childTnLst>
-                                    <p:set>
-                                      <p:cBhvr>
-                                        <p:cTn id="31" dur="1" fill="hold">
-                                          <p:stCondLst>
-                                            <p:cond delay="0"/>
-                                          </p:stCondLst>
-                                        </p:cTn>
-                                        <p:tgtEl>
-                                          <p:spTgt spid="3">
-                                            <p:txEl>
-                                              <p:pRg st="5" end="5"/>
-                                            </p:txEl>
-                                          </p:spTgt>
-                                        </p:tgtEl>
-                                        <p:attrNameLst>
-                                          <p:attrName>style.visibility</p:attrName>
-                                        </p:attrNameLst>
-                                      </p:cBhvr>
-                                      <p:to>
-                                        <p:strVal val="visible"/>
-                                      </p:to>
-                                    </p:set>
-                                    <p:animEffect transition="in" filter="fade">
-                                      <p:cBhvr>
-                                        <p:cTn id="32" dur="500"/>
-                                        <p:tgtEl>
-                                          <p:spTgt spid="3">
-                                            <p:txEl>
-                                              <p:pRg st="5" end="5"/>
-                                            </p:txEl>
-                                          </p:spTgt>
-                                        </p:tgtEl>
-                                      </p:cBhvr>
-                                    </p:animEffect>
-                                  </p:childTnLst>
-                                </p:cTn>
-                              </p:par>
-                            </p:childTnLst>
-                          </p:cTn>
-                        </p:par>
-                      </p:childTnLst>
-                    </p:cTn>
-                  </p:par>
-                </p:childTnLst>
-              </p:cTn>
-              <p:prevCondLst>
-                <p:cond evt="onPrev" delay="0">
-                  <p:tgtEl>
-                    <p:sldTgt/>
-                  </p:tgtEl>
-                </p:cond>
-              </p:prevCondLst>
-              <p:nextCondLst>
-                <p:cond evt="onNext" delay="0">
-                  <p:tgtEl>
-                    <p:sldTgt/>
-                  </p:tgtEl>
-                </p:cond>
-              </p:nextCondLst>
-            </p:seq>
-          </p:childTnLst>
-        </p:cTn>
-      </p:par>
-    </p:tnLst>
-  </p:timing>
-</p:sld>
-</file>
-
-<file path=ppt/slides/slide30.xml><?xml version="1.0" encoding="utf-8"?>
+<file path=ppt/slides/slide31.xml><?xml version="1.0" encoding="utf-8"?>
 <p:sld xmlns:a="http://schemas.openxmlformats.org/drawingml/2006/main" xmlns:r="http://schemas.openxmlformats.org/officeDocument/2006/relationships" xmlns:p="http://schemas.openxmlformats.org/presentationml/2006/main">
   <p:cSld>
     <p:spTree>
@@ -17564,7 +17903,7 @@
 </p:sld>
 </file>
 
-<file path=ppt/slides/slide31.xml><?xml version="1.0" encoding="utf-8"?>
+<file path=ppt/slides/slide32.xml><?xml version="1.0" encoding="utf-8"?>
 <p:sld xmlns:a="http://schemas.openxmlformats.org/drawingml/2006/main" xmlns:r="http://schemas.openxmlformats.org/officeDocument/2006/relationships" xmlns:p="http://schemas.openxmlformats.org/presentationml/2006/main">
   <p:cSld>
     <p:spTree>
@@ -17805,7 +18144,7 @@
 </p:sld>
 </file>
 
-<file path=ppt/slides/slide32.xml><?xml version="1.0" encoding="utf-8"?>
+<file path=ppt/slides/slide33.xml><?xml version="1.0" encoding="utf-8"?>
 <p:sld xmlns:a="http://schemas.openxmlformats.org/drawingml/2006/main" xmlns:r="http://schemas.openxmlformats.org/officeDocument/2006/relationships" xmlns:p="http://schemas.openxmlformats.org/presentationml/2006/main">
   <p:cSld>
     <p:spTree>
@@ -18036,7 +18375,7 @@
 </p:sld>
 </file>
 
-<file path=ppt/slides/slide33.xml><?xml version="1.0" encoding="utf-8"?>
+<file path=ppt/slides/slide34.xml><?xml version="1.0" encoding="utf-8"?>
 <p:sld xmlns:a="http://schemas.openxmlformats.org/drawingml/2006/main" xmlns:r="http://schemas.openxmlformats.org/officeDocument/2006/relationships" xmlns:p="http://schemas.openxmlformats.org/presentationml/2006/main">
   <p:cSld>
     <p:spTree>
@@ -18419,7 +18758,7 @@
 </p:sld>
 </file>
 
-<file path=ppt/slides/slide34.xml><?xml version="1.0" encoding="utf-8"?>
+<file path=ppt/slides/slide35.xml><?xml version="1.0" encoding="utf-8"?>
 <p:sld xmlns:a="http://schemas.openxmlformats.org/drawingml/2006/main" xmlns:r="http://schemas.openxmlformats.org/officeDocument/2006/relationships" xmlns:p="http://schemas.openxmlformats.org/presentationml/2006/main">
   <p:cSld>
     <p:spTree>
@@ -18690,7 +19029,7 @@
 </p:sld>
 </file>
 
-<file path=ppt/slides/slide35.xml><?xml version="1.0" encoding="utf-8"?>
+<file path=ppt/slides/slide36.xml><?xml version="1.0" encoding="utf-8"?>
 <p:sld xmlns:a="http://schemas.openxmlformats.org/drawingml/2006/main" xmlns:r="http://schemas.openxmlformats.org/officeDocument/2006/relationships" xmlns:p="http://schemas.openxmlformats.org/presentationml/2006/main">
   <p:cSld>
     <p:spTree>
@@ -18856,7 +19195,7 @@
 </p:sld>
 </file>
 
-<file path=ppt/slides/slide36.xml><?xml version="1.0" encoding="utf-8"?>
+<file path=ppt/slides/slide37.xml><?xml version="1.0" encoding="utf-8"?>
 <p:sld xmlns:a="http://schemas.openxmlformats.org/drawingml/2006/main" xmlns:r="http://schemas.openxmlformats.org/officeDocument/2006/relationships" xmlns:p="http://schemas.openxmlformats.org/presentationml/2006/main">
   <p:cSld>
     <p:spTree>

--- a/Java Training – Part 1.pptx
+++ b/Java Training – Part 1.pptx
@@ -386,7 +386,7 @@
           <a:p>
             <a:fld id="{96DFF08F-DC6B-4601-B491-B0F83F6DD2DA}" type="datetimeFigureOut">
               <a:rPr lang="en-US" dirty="0"/>
-              <a:t>9/18/2015</a:t>
+              <a:t>4/12/2016</a:t>
             </a:fld>
             <a:endParaRPr lang="en-US" dirty="0"/>
           </a:p>
@@ -589,7 +589,7 @@
           <a:p>
             <a:fld id="{96DFF08F-DC6B-4601-B491-B0F83F6DD2DA}" type="datetimeFigureOut">
               <a:rPr lang="en-US" dirty="0"/>
-              <a:t>9/18/2015</a:t>
+              <a:t>4/12/2016</a:t>
             </a:fld>
             <a:endParaRPr lang="en-US" dirty="0"/>
           </a:p>
@@ -840,7 +840,7 @@
           <a:p>
             <a:fld id="{96DFF08F-DC6B-4601-B491-B0F83F6DD2DA}" type="datetimeFigureOut">
               <a:rPr lang="en-US" dirty="0"/>
-              <a:t>9/18/2015</a:t>
+              <a:t>4/12/2016</a:t>
             </a:fld>
             <a:endParaRPr lang="en-US" dirty="0"/>
           </a:p>
@@ -1005,7 +1005,7 @@
           <a:p>
             <a:fld id="{D62CEF3B-A037-46D0-B02C-1428F07E9383}" type="datetimeFigureOut">
               <a:rPr lang="en-US" dirty="0"/>
-              <a:t>9/18/2015</a:t>
+              <a:t>4/12/2016</a:t>
             </a:fld>
             <a:endParaRPr lang="en-US" dirty="0"/>
           </a:p>
@@ -1343,7 +1343,7 @@
           <a:p>
             <a:fld id="{96DFF08F-DC6B-4601-B491-B0F83F6DD2DA}" type="datetimeFigureOut">
               <a:rPr lang="en-US" dirty="0"/>
-              <a:t>9/18/2015</a:t>
+              <a:t>4/12/2016</a:t>
             </a:fld>
             <a:endParaRPr lang="en-US" dirty="0"/>
           </a:p>
@@ -1613,7 +1613,7 @@
           <a:p>
             <a:fld id="{96DFF08F-DC6B-4601-B491-B0F83F6DD2DA}" type="datetimeFigureOut">
               <a:rPr lang="en-US" dirty="0"/>
-              <a:t>9/18/2015</a:t>
+              <a:t>4/12/2016</a:t>
             </a:fld>
             <a:endParaRPr lang="en-US" dirty="0"/>
           </a:p>
@@ -1987,7 +1987,7 @@
           <a:p>
             <a:fld id="{96DFF08F-DC6B-4601-B491-B0F83F6DD2DA}" type="datetimeFigureOut">
               <a:rPr lang="en-US" dirty="0"/>
-              <a:t>9/18/2015</a:t>
+              <a:t>4/12/2016</a:t>
             </a:fld>
             <a:endParaRPr lang="en-US" dirty="0"/>
           </a:p>
@@ -2100,7 +2100,7 @@
           <a:p>
             <a:fld id="{96DFF08F-DC6B-4601-B491-B0F83F6DD2DA}" type="datetimeFigureOut">
               <a:rPr lang="en-US" dirty="0"/>
-              <a:t>9/18/2015</a:t>
+              <a:t>4/12/2016</a:t>
             </a:fld>
             <a:endParaRPr lang="en-US" dirty="0"/>
           </a:p>
@@ -2267,7 +2267,7 @@
             <a:fld id="{96DFF08F-DC6B-4601-B491-B0F83F6DD2DA}" type="datetimeFigureOut">
               <a:rPr lang="en-US" dirty="0"/>
               <a:pPr/>
-              <a:t>9/18/2015</a:t>
+              <a:t>4/12/2016</a:t>
             </a:fld>
             <a:endParaRPr lang="en-US" dirty="0"/>
           </a:p>
@@ -2618,7 +2618,7 @@
             <a:fld id="{96DFF08F-DC6B-4601-B491-B0F83F6DD2DA}" type="datetimeFigureOut">
               <a:rPr lang="en-US" dirty="0"/>
               <a:pPr/>
-              <a:t>9/18/2015</a:t>
+              <a:t>4/12/2016</a:t>
             </a:fld>
             <a:endParaRPr lang="en-US" dirty="0"/>
           </a:p>
@@ -2991,7 +2991,7 @@
           <a:p>
             <a:fld id="{96DFF08F-DC6B-4601-B491-B0F83F6DD2DA}" type="datetimeFigureOut">
               <a:rPr lang="en-US" dirty="0"/>
-              <a:t>9/18/2015</a:t>
+              <a:t>4/12/2016</a:t>
             </a:fld>
             <a:endParaRPr lang="en-US" dirty="0"/>
           </a:p>
@@ -3274,7 +3274,7 @@
             <a:fld id="{96DFF08F-DC6B-4601-B491-B0F83F6DD2DA}" type="datetimeFigureOut">
               <a:rPr lang="en-US" dirty="0"/>
               <a:pPr/>
-              <a:t>9/18/2015</a:t>
+              <a:t>4/12/2016</a:t>
             </a:fld>
             <a:endParaRPr lang="en-US" dirty="0"/>
           </a:p>
@@ -19248,7 +19248,7 @@
         <p:spPr/>
         <p:txBody>
           <a:bodyPr>
-            <a:normAutofit/>
+            <a:normAutofit lnSpcReduction="10000"/>
           </a:bodyPr>
           <a:lstStyle/>
           <a:p>
@@ -19263,9 +19263,39 @@
             <a:pPr algn="ctr"/>
             <a:r>
               <a:rPr lang="ro-RO" sz="4400" dirty="0" smtClean="0"/>
-              <a:t>Thank you!</a:t>
-            </a:r>
-            <a:endParaRPr lang="ro-RO" sz="4400" dirty="0"/>
+              <a:t>Thank you</a:t>
+            </a:r>
+            <a:r>
+              <a:rPr lang="ro-RO" sz="4400" dirty="0" smtClean="0"/>
+              <a:t>!</a:t>
+            </a:r>
+            <a:endParaRPr lang="en-US" sz="4400" dirty="0" smtClean="0"/>
+          </a:p>
+          <a:p>
+            <a:pPr algn="ctr"/>
+            <a:r>
+              <a:rPr lang="en-US" sz="4400"/>
+              <a:t>GOTO: </a:t>
+            </a:r>
+            <a:r>
+              <a:rPr lang="en-US" sz="4400">
+                <a:hlinkClick r:id="rId2"/>
+              </a:rPr>
+              <a:t>https</a:t>
+            </a:r>
+            <a:r>
+              <a:rPr lang="en-US" sz="4400">
+                <a:hlinkClick r:id="rId2"/>
+              </a:rPr>
+              <a:t>://</a:t>
+            </a:r>
+            <a:r>
+              <a:rPr lang="en-US" sz="4400" smtClean="0">
+                <a:hlinkClick r:id="rId2"/>
+              </a:rPr>
+              <a:t>github.com/atrifan/shield_training/blob/training_part1/README.md</a:t>
+            </a:r>
+            <a:endParaRPr lang="en-US" sz="4400" smtClean="0"/>
           </a:p>
         </p:txBody>
       </p:sp>
@@ -19334,6 +19364,67 @@
                                           <p:spTgt spid="3">
                                             <p:txEl>
                                               <p:pRg st="2" end="2"/>
+                                            </p:txEl>
+                                          </p:spTgt>
+                                        </p:tgtEl>
+                                      </p:cBhvr>
+                                    </p:animEffect>
+                                  </p:childTnLst>
+                                </p:cTn>
+                              </p:par>
+                            </p:childTnLst>
+                          </p:cTn>
+                        </p:par>
+                      </p:childTnLst>
+                    </p:cTn>
+                  </p:par>
+                  <p:par>
+                    <p:cTn id="8" fill="hold">
+                      <p:stCondLst>
+                        <p:cond delay="indefinite"/>
+                      </p:stCondLst>
+                      <p:childTnLst>
+                        <p:par>
+                          <p:cTn id="9" fill="hold">
+                            <p:stCondLst>
+                              <p:cond delay="0"/>
+                            </p:stCondLst>
+                            <p:childTnLst>
+                              <p:par>
+                                <p:cTn id="10" presetID="10" presetClass="entr" presetSubtype="0" fill="hold" nodeType="clickEffect">
+                                  <p:stCondLst>
+                                    <p:cond delay="0"/>
+                                  </p:stCondLst>
+                                  <p:childTnLst>
+                                    <p:set>
+                                      <p:cBhvr>
+                                        <p:cTn id="11" dur="1" fill="hold">
+                                          <p:stCondLst>
+                                            <p:cond delay="0"/>
+                                          </p:stCondLst>
+                                        </p:cTn>
+                                        <p:tgtEl>
+                                          <p:spTgt spid="3">
+                                            <p:txEl>
+                                              <p:pRg st="3" end="3"/>
+                                            </p:txEl>
+                                          </p:spTgt>
+                                        </p:tgtEl>
+                                        <p:attrNameLst>
+                                          <p:attrName>style.visibility</p:attrName>
+                                        </p:attrNameLst>
+                                      </p:cBhvr>
+                                      <p:to>
+                                        <p:strVal val="visible"/>
+                                      </p:to>
+                                    </p:set>
+                                    <p:animEffect transition="in" filter="fade">
+                                      <p:cBhvr>
+                                        <p:cTn id="12" dur="500"/>
+                                        <p:tgtEl>
+                                          <p:spTgt spid="3">
+                                            <p:txEl>
+                                              <p:pRg st="3" end="3"/>
                                             </p:txEl>
                                           </p:spTgt>
                                         </p:tgtEl>

--- a/Java Training – Part 1.pptx
+++ b/Java Training – Part 1.pptx
@@ -6,42 +6,41 @@
   </p:sldMasterIdLst>
   <p:sldIdLst>
     <p:sldId id="256" r:id="rId2"/>
-    <p:sldId id="257" r:id="rId3"/>
-    <p:sldId id="258" r:id="rId4"/>
-    <p:sldId id="259" r:id="rId5"/>
-    <p:sldId id="260" r:id="rId6"/>
-    <p:sldId id="261" r:id="rId7"/>
-    <p:sldId id="262" r:id="rId8"/>
-    <p:sldId id="263" r:id="rId9"/>
-    <p:sldId id="264" r:id="rId10"/>
-    <p:sldId id="265" r:id="rId11"/>
-    <p:sldId id="266" r:id="rId12"/>
-    <p:sldId id="267" r:id="rId13"/>
-    <p:sldId id="268" r:id="rId14"/>
-    <p:sldId id="269" r:id="rId15"/>
-    <p:sldId id="270" r:id="rId16"/>
-    <p:sldId id="272" r:id="rId17"/>
-    <p:sldId id="271" r:id="rId18"/>
-    <p:sldId id="273" r:id="rId19"/>
-    <p:sldId id="274" r:id="rId20"/>
-    <p:sldId id="275" r:id="rId21"/>
-    <p:sldId id="276" r:id="rId22"/>
-    <p:sldId id="281" r:id="rId23"/>
-    <p:sldId id="282" r:id="rId24"/>
-    <p:sldId id="292" r:id="rId25"/>
-    <p:sldId id="283" r:id="rId26"/>
-    <p:sldId id="284" r:id="rId27"/>
-    <p:sldId id="277" r:id="rId28"/>
-    <p:sldId id="278" r:id="rId29"/>
-    <p:sldId id="285" r:id="rId30"/>
-    <p:sldId id="286" r:id="rId31"/>
-    <p:sldId id="287" r:id="rId32"/>
-    <p:sldId id="288" r:id="rId33"/>
-    <p:sldId id="289" r:id="rId34"/>
-    <p:sldId id="290" r:id="rId35"/>
-    <p:sldId id="291" r:id="rId36"/>
-    <p:sldId id="279" r:id="rId37"/>
-    <p:sldId id="280" r:id="rId38"/>
+    <p:sldId id="258" r:id="rId3"/>
+    <p:sldId id="259" r:id="rId4"/>
+    <p:sldId id="260" r:id="rId5"/>
+    <p:sldId id="261" r:id="rId6"/>
+    <p:sldId id="262" r:id="rId7"/>
+    <p:sldId id="263" r:id="rId8"/>
+    <p:sldId id="264" r:id="rId9"/>
+    <p:sldId id="265" r:id="rId10"/>
+    <p:sldId id="266" r:id="rId11"/>
+    <p:sldId id="267" r:id="rId12"/>
+    <p:sldId id="268" r:id="rId13"/>
+    <p:sldId id="269" r:id="rId14"/>
+    <p:sldId id="270" r:id="rId15"/>
+    <p:sldId id="272" r:id="rId16"/>
+    <p:sldId id="271" r:id="rId17"/>
+    <p:sldId id="273" r:id="rId18"/>
+    <p:sldId id="274" r:id="rId19"/>
+    <p:sldId id="275" r:id="rId20"/>
+    <p:sldId id="276" r:id="rId21"/>
+    <p:sldId id="281" r:id="rId22"/>
+    <p:sldId id="282" r:id="rId23"/>
+    <p:sldId id="292" r:id="rId24"/>
+    <p:sldId id="283" r:id="rId25"/>
+    <p:sldId id="284" r:id="rId26"/>
+    <p:sldId id="277" r:id="rId27"/>
+    <p:sldId id="278" r:id="rId28"/>
+    <p:sldId id="285" r:id="rId29"/>
+    <p:sldId id="286" r:id="rId30"/>
+    <p:sldId id="287" r:id="rId31"/>
+    <p:sldId id="288" r:id="rId32"/>
+    <p:sldId id="289" r:id="rId33"/>
+    <p:sldId id="290" r:id="rId34"/>
+    <p:sldId id="291" r:id="rId35"/>
+    <p:sldId id="279" r:id="rId36"/>
+    <p:sldId id="280" r:id="rId37"/>
   </p:sldIdLst>
   <p:sldSz cx="12192000" cy="6858000"/>
   <p:notesSz cx="6858000" cy="9144000"/>
@@ -386,7 +385,7 @@
           <a:p>
             <a:fld id="{96DFF08F-DC6B-4601-B491-B0F83F6DD2DA}" type="datetimeFigureOut">
               <a:rPr lang="en-US" dirty="0"/>
-              <a:t>9/18/2015</a:t>
+              <a:t>4/13/2016</a:t>
             </a:fld>
             <a:endParaRPr lang="en-US" dirty="0"/>
           </a:p>
@@ -589,7 +588,7 @@
           <a:p>
             <a:fld id="{96DFF08F-DC6B-4601-B491-B0F83F6DD2DA}" type="datetimeFigureOut">
               <a:rPr lang="en-US" dirty="0"/>
-              <a:t>9/18/2015</a:t>
+              <a:t>4/13/2016</a:t>
             </a:fld>
             <a:endParaRPr lang="en-US" dirty="0"/>
           </a:p>
@@ -840,7 +839,7 @@
           <a:p>
             <a:fld id="{96DFF08F-DC6B-4601-B491-B0F83F6DD2DA}" type="datetimeFigureOut">
               <a:rPr lang="en-US" dirty="0"/>
-              <a:t>9/18/2015</a:t>
+              <a:t>4/13/2016</a:t>
             </a:fld>
             <a:endParaRPr lang="en-US" dirty="0"/>
           </a:p>
@@ -1005,7 +1004,7 @@
           <a:p>
             <a:fld id="{D62CEF3B-A037-46D0-B02C-1428F07E9383}" type="datetimeFigureOut">
               <a:rPr lang="en-US" dirty="0"/>
-              <a:t>9/18/2015</a:t>
+              <a:t>4/13/2016</a:t>
             </a:fld>
             <a:endParaRPr lang="en-US" dirty="0"/>
           </a:p>
@@ -1343,7 +1342,7 @@
           <a:p>
             <a:fld id="{96DFF08F-DC6B-4601-B491-B0F83F6DD2DA}" type="datetimeFigureOut">
               <a:rPr lang="en-US" dirty="0"/>
-              <a:t>9/18/2015</a:t>
+              <a:t>4/13/2016</a:t>
             </a:fld>
             <a:endParaRPr lang="en-US" dirty="0"/>
           </a:p>
@@ -1613,7 +1612,7 @@
           <a:p>
             <a:fld id="{96DFF08F-DC6B-4601-B491-B0F83F6DD2DA}" type="datetimeFigureOut">
               <a:rPr lang="en-US" dirty="0"/>
-              <a:t>9/18/2015</a:t>
+              <a:t>4/13/2016</a:t>
             </a:fld>
             <a:endParaRPr lang="en-US" dirty="0"/>
           </a:p>
@@ -1987,7 +1986,7 @@
           <a:p>
             <a:fld id="{96DFF08F-DC6B-4601-B491-B0F83F6DD2DA}" type="datetimeFigureOut">
               <a:rPr lang="en-US" dirty="0"/>
-              <a:t>9/18/2015</a:t>
+              <a:t>4/13/2016</a:t>
             </a:fld>
             <a:endParaRPr lang="en-US" dirty="0"/>
           </a:p>
@@ -2100,7 +2099,7 @@
           <a:p>
             <a:fld id="{96DFF08F-DC6B-4601-B491-B0F83F6DD2DA}" type="datetimeFigureOut">
               <a:rPr lang="en-US" dirty="0"/>
-              <a:t>9/18/2015</a:t>
+              <a:t>4/13/2016</a:t>
             </a:fld>
             <a:endParaRPr lang="en-US" dirty="0"/>
           </a:p>
@@ -2267,7 +2266,7 @@
             <a:fld id="{96DFF08F-DC6B-4601-B491-B0F83F6DD2DA}" type="datetimeFigureOut">
               <a:rPr lang="en-US" dirty="0"/>
               <a:pPr/>
-              <a:t>9/18/2015</a:t>
+              <a:t>4/13/2016</a:t>
             </a:fld>
             <a:endParaRPr lang="en-US" dirty="0"/>
           </a:p>
@@ -2618,7 +2617,7 @@
             <a:fld id="{96DFF08F-DC6B-4601-B491-B0F83F6DD2DA}" type="datetimeFigureOut">
               <a:rPr lang="en-US" dirty="0"/>
               <a:pPr/>
-              <a:t>9/18/2015</a:t>
+              <a:t>4/13/2016</a:t>
             </a:fld>
             <a:endParaRPr lang="en-US" dirty="0"/>
           </a:p>
@@ -2991,7 +2990,7 @@
           <a:p>
             <a:fld id="{96DFF08F-DC6B-4601-B491-B0F83F6DD2DA}" type="datetimeFigureOut">
               <a:rPr lang="en-US" dirty="0"/>
-              <a:t>9/18/2015</a:t>
+              <a:t>4/13/2016</a:t>
             </a:fld>
             <a:endParaRPr lang="en-US" dirty="0"/>
           </a:p>
@@ -3274,7 +3273,7 @@
             <a:fld id="{96DFF08F-DC6B-4601-B491-B0F83F6DD2DA}" type="datetimeFigureOut">
               <a:rPr lang="en-US" dirty="0"/>
               <a:pPr/>
-              <a:t>9/18/2015</a:t>
+              <a:t>4/13/2016</a:t>
             </a:fld>
             <a:endParaRPr lang="en-US" dirty="0"/>
           </a:p>
@@ -3811,7 +3810,11 @@
           <a:p>
             <a:r>
               <a:rPr lang="ro-RO" dirty="0" smtClean="0"/>
-              <a:t>Java Training – Part 1</a:t>
+              <a:t>Java Training – Part </a:t>
+            </a:r>
+            <a:r>
+              <a:rPr lang="en-US" dirty="0" smtClean="0"/>
+              <a:t>2</a:t>
             </a:r>
             <a:endParaRPr lang="ro-RO" dirty="0"/>
           </a:p>
@@ -3867,507 +3870,6 @@
 </file>
 
 <file path=ppt/slides/slide10.xml><?xml version="1.0" encoding="utf-8"?>
-<p:sld xmlns:a="http://schemas.openxmlformats.org/drawingml/2006/main" xmlns:r="http://schemas.openxmlformats.org/officeDocument/2006/relationships" xmlns:p="http://schemas.openxmlformats.org/presentationml/2006/main">
-  <p:cSld>
-    <p:spTree>
-      <p:nvGrpSpPr>
-        <p:cNvPr id="1" name=""/>
-        <p:cNvGrpSpPr/>
-        <p:nvPr/>
-      </p:nvGrpSpPr>
-      <p:grpSpPr>
-        <a:xfrm>
-          <a:off x="0" y="0"/>
-          <a:ext cx="0" cy="0"/>
-          <a:chOff x="0" y="0"/>
-          <a:chExt cx="0" cy="0"/>
-        </a:xfrm>
-      </p:grpSpPr>
-      <p:sp>
-        <p:nvSpPr>
-          <p:cNvPr id="2" name="Title 1"/>
-          <p:cNvSpPr>
-            <a:spLocks noGrp="1"/>
-          </p:cNvSpPr>
-          <p:nvPr>
-            <p:ph type="title"/>
-          </p:nvPr>
-        </p:nvSpPr>
-        <p:spPr/>
-        <p:txBody>
-          <a:bodyPr/>
-          <a:lstStyle/>
-          <a:p>
-            <a:r>
-              <a:rPr lang="ro-RO" dirty="0" smtClean="0"/>
-              <a:t>Imagination exercise</a:t>
-            </a:r>
-            <a:endParaRPr lang="ro-RO" dirty="0"/>
-          </a:p>
-        </p:txBody>
-      </p:sp>
-      <p:pic>
-        <p:nvPicPr>
-          <p:cNvPr id="5" name="Content Placeholder 4"/>
-          <p:cNvPicPr>
-            <a:picLocks noGrp="1" noChangeAspect="1"/>
-          </p:cNvPicPr>
-          <p:nvPr>
-            <p:ph idx="1"/>
-          </p:nvPr>
-        </p:nvPicPr>
-        <p:blipFill>
-          <a:blip r:embed="rId2">
-            <a:extLst>
-              <a:ext uri="{28A0092B-C50C-407E-A947-70E740481C1C}">
-                <a14:useLocalDpi xmlns:a14="http://schemas.microsoft.com/office/drawing/2010/main" val="0"/>
-              </a:ext>
-            </a:extLst>
-          </a:blip>
-          <a:stretch>
-            <a:fillRect/>
-          </a:stretch>
-        </p:blipFill>
-        <p:spPr>
-          <a:xfrm>
-            <a:off x="3902625" y="2890472"/>
-            <a:ext cx="2987552" cy="1324481"/>
-          </a:xfrm>
-        </p:spPr>
-      </p:pic>
-      <p:sp>
-        <p:nvSpPr>
-          <p:cNvPr id="4" name="Cloud Callout 3"/>
-          <p:cNvSpPr/>
-          <p:nvPr/>
-        </p:nvSpPr>
-        <p:spPr>
-          <a:xfrm>
-            <a:off x="3013685" y="1901166"/>
-            <a:ext cx="4765432" cy="3303094"/>
-          </a:xfrm>
-          <a:prstGeom prst="cloudCallout">
-            <a:avLst/>
-          </a:prstGeom>
-          <a:noFill/>
-        </p:spPr>
-        <p:style>
-          <a:lnRef idx="2">
-            <a:schemeClr val="accent1">
-              <a:shade val="50000"/>
-            </a:schemeClr>
-          </a:lnRef>
-          <a:fillRef idx="1">
-            <a:schemeClr val="accent1"/>
-          </a:fillRef>
-          <a:effectRef idx="0">
-            <a:schemeClr val="accent1"/>
-          </a:effectRef>
-          <a:fontRef idx="minor">
-            <a:schemeClr val="lt1"/>
-          </a:fontRef>
-        </p:style>
-        <p:txBody>
-          <a:bodyPr rtlCol="0" anchor="ctr"/>
-          <a:lstStyle/>
-          <a:p>
-            <a:pPr algn="ctr"/>
-            <a:endParaRPr lang="ro-RO"/>
-          </a:p>
-        </p:txBody>
-      </p:sp>
-      <p:sp>
-        <p:nvSpPr>
-          <p:cNvPr id="7" name="Rectangle 6"/>
-          <p:cNvSpPr/>
-          <p:nvPr/>
-        </p:nvSpPr>
-        <p:spPr>
-          <a:xfrm>
-            <a:off x="8188651" y="3569772"/>
-            <a:ext cx="2158348" cy="369332"/>
-          </a:xfrm>
-          <a:prstGeom prst="rect">
-            <a:avLst/>
-          </a:prstGeom>
-        </p:spPr>
-        <p:txBody>
-          <a:bodyPr wrap="none">
-            <a:spAutoFit/>
-          </a:bodyPr>
-          <a:lstStyle/>
-          <a:p>
-            <a:r>
-              <a:rPr lang="ro-RO" b="1" dirty="0"/>
-              <a:t>HOW IS THIS MADE?</a:t>
-            </a:r>
-          </a:p>
-        </p:txBody>
-      </p:sp>
-      <p:sp>
-        <p:nvSpPr>
-          <p:cNvPr id="8" name="TextBox 7"/>
-          <p:cNvSpPr txBox="1"/>
-          <p:nvPr/>
-        </p:nvSpPr>
-        <p:spPr>
-          <a:xfrm>
-            <a:off x="8188651" y="4405745"/>
-            <a:ext cx="1931554" cy="369332"/>
-          </a:xfrm>
-          <a:prstGeom prst="rect">
-            <a:avLst/>
-          </a:prstGeom>
-          <a:noFill/>
-        </p:spPr>
-        <p:txBody>
-          <a:bodyPr wrap="none" rtlCol="0">
-            <a:spAutoFit/>
-          </a:bodyPr>
-          <a:lstStyle/>
-          <a:p>
-            <a:r>
-              <a:rPr lang="ro-RO" b="1" dirty="0" smtClean="0"/>
-              <a:t>WHAT CAN IT DO?</a:t>
-            </a:r>
-            <a:endParaRPr lang="ro-RO" b="1" dirty="0"/>
-          </a:p>
-        </p:txBody>
-      </p:sp>
-      <p:sp>
-        <p:nvSpPr>
-          <p:cNvPr id="9" name="TextBox 8"/>
-          <p:cNvSpPr txBox="1"/>
-          <p:nvPr/>
-        </p:nvSpPr>
-        <p:spPr>
-          <a:xfrm>
-            <a:off x="3671455" y="5597236"/>
-            <a:ext cx="7176654" cy="523220"/>
-          </a:xfrm>
-          <a:prstGeom prst="rect">
-            <a:avLst/>
-          </a:prstGeom>
-          <a:noFill/>
-        </p:spPr>
-        <p:txBody>
-          <a:bodyPr wrap="square" rtlCol="0">
-            <a:spAutoFit/>
-          </a:bodyPr>
-          <a:lstStyle/>
-          <a:p>
-            <a:r>
-              <a:rPr lang="ro-RO" sz="2800" b="1" dirty="0" smtClean="0"/>
-              <a:t>It’s the same principle for Objects</a:t>
-            </a:r>
-            <a:endParaRPr lang="ro-RO" sz="2800" b="1" dirty="0"/>
-          </a:p>
-        </p:txBody>
-      </p:sp>
-    </p:spTree>
-    <p:extLst>
-      <p:ext uri="{BB962C8B-B14F-4D97-AF65-F5344CB8AC3E}">
-        <p14:creationId xmlns:p14="http://schemas.microsoft.com/office/powerpoint/2010/main" val="4247103200"/>
-      </p:ext>
-    </p:extLst>
-  </p:cSld>
-  <p:clrMapOvr>
-    <a:masterClrMapping/>
-  </p:clrMapOvr>
-  <p:timing>
-    <p:tnLst>
-      <p:par>
-        <p:cTn id="1" dur="indefinite" restart="never" nodeType="tmRoot">
-          <p:childTnLst>
-            <p:seq concurrent="1" nextAc="seek">
-              <p:cTn id="2" dur="indefinite" nodeType="mainSeq">
-                <p:childTnLst>
-                  <p:par>
-                    <p:cTn id="3" fill="hold">
-                      <p:stCondLst>
-                        <p:cond delay="indefinite"/>
-                      </p:stCondLst>
-                      <p:childTnLst>
-                        <p:par>
-                          <p:cTn id="4" fill="hold">
-                            <p:stCondLst>
-                              <p:cond delay="0"/>
-                            </p:stCondLst>
-                            <p:childTnLst>
-                              <p:par>
-                                <p:cTn id="5" presetID="10" presetClass="entr" presetSubtype="0" fill="hold" nodeType="clickEffect">
-                                  <p:stCondLst>
-                                    <p:cond delay="0"/>
-                                  </p:stCondLst>
-                                  <p:childTnLst>
-                                    <p:set>
-                                      <p:cBhvr>
-                                        <p:cTn id="6" dur="1" fill="hold">
-                                          <p:stCondLst>
-                                            <p:cond delay="0"/>
-                                          </p:stCondLst>
-                                        </p:cTn>
-                                        <p:tgtEl>
-                                          <p:spTgt spid="5"/>
-                                        </p:tgtEl>
-                                        <p:attrNameLst>
-                                          <p:attrName>style.visibility</p:attrName>
-                                        </p:attrNameLst>
-                                      </p:cBhvr>
-                                      <p:to>
-                                        <p:strVal val="visible"/>
-                                      </p:to>
-                                    </p:set>
-                                    <p:animEffect transition="in" filter="fade">
-                                      <p:cBhvr>
-                                        <p:cTn id="7" dur="500"/>
-                                        <p:tgtEl>
-                                          <p:spTgt spid="5"/>
-                                        </p:tgtEl>
-                                      </p:cBhvr>
-                                    </p:animEffect>
-                                  </p:childTnLst>
-                                </p:cTn>
-                              </p:par>
-                              <p:par>
-                                <p:cTn id="8" presetID="10" presetClass="entr" presetSubtype="0" fill="hold" grpId="0" nodeType="withEffect">
-                                  <p:stCondLst>
-                                    <p:cond delay="0"/>
-                                  </p:stCondLst>
-                                  <p:childTnLst>
-                                    <p:set>
-                                      <p:cBhvr>
-                                        <p:cTn id="9" dur="1" fill="hold">
-                                          <p:stCondLst>
-                                            <p:cond delay="0"/>
-                                          </p:stCondLst>
-                                        </p:cTn>
-                                        <p:tgtEl>
-                                          <p:spTgt spid="4"/>
-                                        </p:tgtEl>
-                                        <p:attrNameLst>
-                                          <p:attrName>style.visibility</p:attrName>
-                                        </p:attrNameLst>
-                                      </p:cBhvr>
-                                      <p:to>
-                                        <p:strVal val="visible"/>
-                                      </p:to>
-                                    </p:set>
-                                    <p:animEffect transition="in" filter="fade">
-                                      <p:cBhvr>
-                                        <p:cTn id="10" dur="500"/>
-                                        <p:tgtEl>
-                                          <p:spTgt spid="4"/>
-                                        </p:tgtEl>
-                                      </p:cBhvr>
-                                    </p:animEffect>
-                                  </p:childTnLst>
-                                </p:cTn>
-                              </p:par>
-                            </p:childTnLst>
-                          </p:cTn>
-                        </p:par>
-                      </p:childTnLst>
-                    </p:cTn>
-                  </p:par>
-                  <p:par>
-                    <p:cTn id="11" fill="hold">
-                      <p:stCondLst>
-                        <p:cond delay="indefinite"/>
-                      </p:stCondLst>
-                      <p:childTnLst>
-                        <p:par>
-                          <p:cTn id="12" fill="hold">
-                            <p:stCondLst>
-                              <p:cond delay="0"/>
-                            </p:stCondLst>
-                            <p:childTnLst>
-                              <p:par>
-                                <p:cTn id="13" presetID="10" presetClass="entr" presetSubtype="0" fill="hold" grpId="0" nodeType="clickEffect">
-                                  <p:stCondLst>
-                                    <p:cond delay="0"/>
-                                  </p:stCondLst>
-                                  <p:childTnLst>
-                                    <p:set>
-                                      <p:cBhvr>
-                                        <p:cTn id="14" dur="1" fill="hold">
-                                          <p:stCondLst>
-                                            <p:cond delay="0"/>
-                                          </p:stCondLst>
-                                        </p:cTn>
-                                        <p:tgtEl>
-                                          <p:spTgt spid="7"/>
-                                        </p:tgtEl>
-                                        <p:attrNameLst>
-                                          <p:attrName>style.visibility</p:attrName>
-                                        </p:attrNameLst>
-                                      </p:cBhvr>
-                                      <p:to>
-                                        <p:strVal val="visible"/>
-                                      </p:to>
-                                    </p:set>
-                                    <p:animEffect transition="in" filter="fade">
-                                      <p:cBhvr>
-                                        <p:cTn id="15" dur="500"/>
-                                        <p:tgtEl>
-                                          <p:spTgt spid="7"/>
-                                        </p:tgtEl>
-                                      </p:cBhvr>
-                                    </p:animEffect>
-                                  </p:childTnLst>
-                                </p:cTn>
-                              </p:par>
-                            </p:childTnLst>
-                          </p:cTn>
-                        </p:par>
-                      </p:childTnLst>
-                    </p:cTn>
-                  </p:par>
-                  <p:par>
-                    <p:cTn id="16" fill="hold">
-                      <p:stCondLst>
-                        <p:cond delay="indefinite"/>
-                      </p:stCondLst>
-                      <p:childTnLst>
-                        <p:par>
-                          <p:cTn id="17" fill="hold">
-                            <p:stCondLst>
-                              <p:cond delay="0"/>
-                            </p:stCondLst>
-                            <p:childTnLst>
-                              <p:par>
-                                <p:cTn id="18" presetID="10" presetClass="entr" presetSubtype="0" fill="hold" grpId="0" nodeType="clickEffect">
-                                  <p:stCondLst>
-                                    <p:cond delay="0"/>
-                                  </p:stCondLst>
-                                  <p:childTnLst>
-                                    <p:set>
-                                      <p:cBhvr>
-                                        <p:cTn id="19" dur="1" fill="hold">
-                                          <p:stCondLst>
-                                            <p:cond delay="0"/>
-                                          </p:stCondLst>
-                                        </p:cTn>
-                                        <p:tgtEl>
-                                          <p:spTgt spid="8"/>
-                                        </p:tgtEl>
-                                        <p:attrNameLst>
-                                          <p:attrName>style.visibility</p:attrName>
-                                        </p:attrNameLst>
-                                      </p:cBhvr>
-                                      <p:to>
-                                        <p:strVal val="visible"/>
-                                      </p:to>
-                                    </p:set>
-                                    <p:animEffect transition="in" filter="fade">
-                                      <p:cBhvr>
-                                        <p:cTn id="20" dur="500"/>
-                                        <p:tgtEl>
-                                          <p:spTgt spid="8"/>
-                                        </p:tgtEl>
-                                      </p:cBhvr>
-                                    </p:animEffect>
-                                  </p:childTnLst>
-                                </p:cTn>
-                              </p:par>
-                            </p:childTnLst>
-                          </p:cTn>
-                        </p:par>
-                      </p:childTnLst>
-                    </p:cTn>
-                  </p:par>
-                  <p:par>
-                    <p:cTn id="21" fill="hold">
-                      <p:stCondLst>
-                        <p:cond delay="indefinite"/>
-                      </p:stCondLst>
-                      <p:childTnLst>
-                        <p:par>
-                          <p:cTn id="22" fill="hold">
-                            <p:stCondLst>
-                              <p:cond delay="0"/>
-                            </p:stCondLst>
-                            <p:childTnLst>
-                              <p:par>
-                                <p:cTn id="23" presetID="10" presetClass="entr" presetSubtype="0" fill="hold" nodeType="clickEffect">
-                                  <p:stCondLst>
-                                    <p:cond delay="0"/>
-                                  </p:stCondLst>
-                                  <p:childTnLst>
-                                    <p:set>
-                                      <p:cBhvr>
-                                        <p:cTn id="24" dur="1" fill="hold">
-                                          <p:stCondLst>
-                                            <p:cond delay="0"/>
-                                          </p:stCondLst>
-                                        </p:cTn>
-                                        <p:tgtEl>
-                                          <p:spTgt spid="9">
-                                            <p:txEl>
-                                              <p:pRg st="0" end="0"/>
-                                            </p:txEl>
-                                          </p:spTgt>
-                                        </p:tgtEl>
-                                        <p:attrNameLst>
-                                          <p:attrName>style.visibility</p:attrName>
-                                        </p:attrNameLst>
-                                      </p:cBhvr>
-                                      <p:to>
-                                        <p:strVal val="visible"/>
-                                      </p:to>
-                                    </p:set>
-                                    <p:animEffect transition="in" filter="fade">
-                                      <p:cBhvr>
-                                        <p:cTn id="25" dur="500"/>
-                                        <p:tgtEl>
-                                          <p:spTgt spid="9">
-                                            <p:txEl>
-                                              <p:pRg st="0" end="0"/>
-                                            </p:txEl>
-                                          </p:spTgt>
-                                        </p:tgtEl>
-                                      </p:cBhvr>
-                                    </p:animEffect>
-                                  </p:childTnLst>
-                                </p:cTn>
-                              </p:par>
-                            </p:childTnLst>
-                          </p:cTn>
-                        </p:par>
-                      </p:childTnLst>
-                    </p:cTn>
-                  </p:par>
-                </p:childTnLst>
-              </p:cTn>
-              <p:prevCondLst>
-                <p:cond evt="onPrev" delay="0">
-                  <p:tgtEl>
-                    <p:sldTgt/>
-                  </p:tgtEl>
-                </p:cond>
-              </p:prevCondLst>
-              <p:nextCondLst>
-                <p:cond evt="onNext" delay="0">
-                  <p:tgtEl>
-                    <p:sldTgt/>
-                  </p:tgtEl>
-                </p:cond>
-              </p:nextCondLst>
-            </p:seq>
-          </p:childTnLst>
-        </p:cTn>
-      </p:par>
-    </p:tnLst>
-    <p:bldLst>
-      <p:bldP spid="4" grpId="0" animBg="1"/>
-      <p:bldP spid="7" grpId="0"/>
-      <p:bldP spid="8" grpId="0"/>
-    </p:bldLst>
-  </p:timing>
-</p:sld>
-</file>
-
-<file path=ppt/slides/slide11.xml><?xml version="1.0" encoding="utf-8"?>
 <p:sld xmlns:a="http://schemas.openxmlformats.org/drawingml/2006/main" xmlns:r="http://schemas.openxmlformats.org/officeDocument/2006/relationships" xmlns:p="http://schemas.openxmlformats.org/presentationml/2006/main">
   <p:cSld>
     <p:spTree>
@@ -5999,7 +5501,7 @@
 </p:sld>
 </file>
 
-<file path=ppt/slides/slide12.xml><?xml version="1.0" encoding="utf-8"?>
+<file path=ppt/slides/slide11.xml><?xml version="1.0" encoding="utf-8"?>
 <p:sld xmlns:a="http://schemas.openxmlformats.org/drawingml/2006/main" xmlns:r="http://schemas.openxmlformats.org/officeDocument/2006/relationships" xmlns:p="http://schemas.openxmlformats.org/presentationml/2006/main">
   <p:cSld>
     <p:spTree>
@@ -6266,7 +5768,7 @@
 </p:sld>
 </file>
 
-<file path=ppt/slides/slide13.xml><?xml version="1.0" encoding="utf-8"?>
+<file path=ppt/slides/slide12.xml><?xml version="1.0" encoding="utf-8"?>
 <p:sld xmlns:a="http://schemas.openxmlformats.org/drawingml/2006/main" xmlns:r="http://schemas.openxmlformats.org/officeDocument/2006/relationships" xmlns:p="http://schemas.openxmlformats.org/presentationml/2006/main">
   <p:cSld>
     <p:spTree>
@@ -7242,7 +6744,7 @@
 </p:sld>
 </file>
 
-<file path=ppt/slides/slide14.xml><?xml version="1.0" encoding="utf-8"?>
+<file path=ppt/slides/slide13.xml><?xml version="1.0" encoding="utf-8"?>
 <p:sld xmlns:a="http://schemas.openxmlformats.org/drawingml/2006/main" xmlns:r="http://schemas.openxmlformats.org/officeDocument/2006/relationships" xmlns:p="http://schemas.openxmlformats.org/presentationml/2006/main">
   <p:cSld>
     <p:spTree>
@@ -7653,7 +7155,7 @@
 </p:sld>
 </file>
 
-<file path=ppt/slides/slide15.xml><?xml version="1.0" encoding="utf-8"?>
+<file path=ppt/slides/slide14.xml><?xml version="1.0" encoding="utf-8"?>
 <p:sld xmlns:a="http://schemas.openxmlformats.org/drawingml/2006/main" xmlns:r="http://schemas.openxmlformats.org/officeDocument/2006/relationships" xmlns:p="http://schemas.openxmlformats.org/presentationml/2006/main">
   <p:cSld>
     <p:spTree>
@@ -8118,7 +7620,7 @@
 </p:sld>
 </file>
 
-<file path=ppt/slides/slide16.xml><?xml version="1.0" encoding="utf-8"?>
+<file path=ppt/slides/slide15.xml><?xml version="1.0" encoding="utf-8"?>
 <p:sld xmlns:a="http://schemas.openxmlformats.org/drawingml/2006/main" xmlns:r="http://schemas.openxmlformats.org/officeDocument/2006/relationships" xmlns:p="http://schemas.openxmlformats.org/presentationml/2006/main">
   <p:cSld>
     <p:spTree>
@@ -8478,7 +7980,7 @@
 </p:sld>
 </file>
 
-<file path=ppt/slides/slide17.xml><?xml version="1.0" encoding="utf-8"?>
+<file path=ppt/slides/slide16.xml><?xml version="1.0" encoding="utf-8"?>
 <p:sld xmlns:a="http://schemas.openxmlformats.org/drawingml/2006/main" xmlns:r="http://schemas.openxmlformats.org/officeDocument/2006/relationships" xmlns:p="http://schemas.openxmlformats.org/presentationml/2006/main">
   <p:cSld>
     <p:spTree>
@@ -9143,7 +8645,7 @@
 </p:sld>
 </file>
 
-<file path=ppt/slides/slide18.xml><?xml version="1.0" encoding="utf-8"?>
+<file path=ppt/slides/slide17.xml><?xml version="1.0" encoding="utf-8"?>
 <p:sld xmlns:a="http://schemas.openxmlformats.org/drawingml/2006/main" xmlns:r="http://schemas.openxmlformats.org/officeDocument/2006/relationships" xmlns:p="http://schemas.openxmlformats.org/presentationml/2006/main">
   <p:cSld>
     <p:spTree>
@@ -9845,7 +9347,7 @@
 </p:sld>
 </file>
 
-<file path=ppt/slides/slide19.xml><?xml version="1.0" encoding="utf-8"?>
+<file path=ppt/slides/slide18.xml><?xml version="1.0" encoding="utf-8"?>
 <p:sld xmlns:a="http://schemas.openxmlformats.org/drawingml/2006/main" xmlns:r="http://schemas.openxmlformats.org/officeDocument/2006/relationships" xmlns:p="http://schemas.openxmlformats.org/presentationml/2006/main">
   <p:cSld>
     <p:spTree>
@@ -10263,6 +9765,723 @@
                                         <p:cTn id="20" dur="500"/>
                                         <p:tgtEl>
                                           <p:spTgt spid="5"/>
+                                        </p:tgtEl>
+                                      </p:cBhvr>
+                                    </p:animEffect>
+                                  </p:childTnLst>
+                                </p:cTn>
+                              </p:par>
+                            </p:childTnLst>
+                          </p:cTn>
+                        </p:par>
+                      </p:childTnLst>
+                    </p:cTn>
+                  </p:par>
+                </p:childTnLst>
+              </p:cTn>
+              <p:prevCondLst>
+                <p:cond evt="onPrev" delay="0">
+                  <p:tgtEl>
+                    <p:sldTgt/>
+                  </p:tgtEl>
+                </p:cond>
+              </p:prevCondLst>
+              <p:nextCondLst>
+                <p:cond evt="onNext" delay="0">
+                  <p:tgtEl>
+                    <p:sldTgt/>
+                  </p:tgtEl>
+                </p:cond>
+              </p:nextCondLst>
+            </p:seq>
+          </p:childTnLst>
+        </p:cTn>
+      </p:par>
+    </p:tnLst>
+    <p:bldLst>
+      <p:bldP spid="5" grpId="0"/>
+    </p:bldLst>
+  </p:timing>
+</p:sld>
+</file>
+
+<file path=ppt/slides/slide19.xml><?xml version="1.0" encoding="utf-8"?>
+<p:sld xmlns:a="http://schemas.openxmlformats.org/drawingml/2006/main" xmlns:r="http://schemas.openxmlformats.org/officeDocument/2006/relationships" xmlns:p="http://schemas.openxmlformats.org/presentationml/2006/main">
+  <p:cSld>
+    <p:spTree>
+      <p:nvGrpSpPr>
+        <p:cNvPr id="1" name=""/>
+        <p:cNvGrpSpPr/>
+        <p:nvPr/>
+      </p:nvGrpSpPr>
+      <p:grpSpPr>
+        <a:xfrm>
+          <a:off x="0" y="0"/>
+          <a:ext cx="0" cy="0"/>
+          <a:chOff x="0" y="0"/>
+          <a:chExt cx="0" cy="0"/>
+        </a:xfrm>
+      </p:grpSpPr>
+      <p:sp>
+        <p:nvSpPr>
+          <p:cNvPr id="2" name="Title 1"/>
+          <p:cNvSpPr>
+            <a:spLocks noGrp="1"/>
+          </p:cNvSpPr>
+          <p:nvPr>
+            <p:ph type="title"/>
+          </p:nvPr>
+        </p:nvSpPr>
+        <p:spPr/>
+        <p:txBody>
+          <a:bodyPr/>
+          <a:lstStyle/>
+          <a:p>
+            <a:r>
+              <a:rPr lang="ro-RO" dirty="0" smtClean="0"/>
+              <a:t>Class components</a:t>
+            </a:r>
+            <a:endParaRPr lang="ro-RO" dirty="0"/>
+          </a:p>
+        </p:txBody>
+      </p:sp>
+      <p:sp>
+        <p:nvSpPr>
+          <p:cNvPr id="3" name="Content Placeholder 2"/>
+          <p:cNvSpPr>
+            <a:spLocks noGrp="1"/>
+          </p:cNvSpPr>
+          <p:nvPr>
+            <p:ph idx="1"/>
+          </p:nvPr>
+        </p:nvSpPr>
+        <p:spPr/>
+        <p:txBody>
+          <a:bodyPr/>
+          <a:lstStyle/>
+          <a:p>
+            <a:pPr marL="749808" lvl="1" indent="-457200">
+              <a:buFont typeface="+mj-lt"/>
+              <a:buAutoNum type="arabicPeriod"/>
+            </a:pPr>
+            <a:r>
+              <a:rPr lang="ro-RO" dirty="0" smtClean="0"/>
+              <a:t>Constructor (implicit with no arguments)</a:t>
+            </a:r>
+          </a:p>
+          <a:p>
+            <a:pPr marL="749808" lvl="1" indent="-457200">
+              <a:buFont typeface="+mj-lt"/>
+              <a:buAutoNum type="arabicPeriod"/>
+            </a:pPr>
+            <a:r>
+              <a:rPr lang="ro-RO" dirty="0" smtClean="0"/>
+              <a:t>Properties </a:t>
+            </a:r>
+          </a:p>
+          <a:p>
+            <a:pPr marL="749808" lvl="1" indent="-457200">
+              <a:buFont typeface="+mj-lt"/>
+              <a:buAutoNum type="arabicPeriod"/>
+            </a:pPr>
+            <a:r>
+              <a:rPr lang="ro-RO" dirty="0" smtClean="0"/>
+              <a:t>Getters + Setters (good practice)</a:t>
+            </a:r>
+          </a:p>
+          <a:p>
+            <a:pPr marL="749808" lvl="1" indent="-457200">
+              <a:buFont typeface="+mj-lt"/>
+              <a:buAutoNum type="arabicPeriod"/>
+            </a:pPr>
+            <a:r>
+              <a:rPr lang="ro-RO" dirty="0" smtClean="0"/>
+              <a:t>Methods</a:t>
+            </a:r>
+          </a:p>
+          <a:p>
+            <a:pPr marL="749808" lvl="1" indent="-457200">
+              <a:buFont typeface="+mj-lt"/>
+              <a:buAutoNum type="arabicPeriod"/>
+            </a:pPr>
+            <a:r>
+              <a:rPr lang="ro-RO" dirty="0" smtClean="0"/>
+              <a:t>Destructor (optional)</a:t>
+            </a:r>
+            <a:endParaRPr lang="ro-RO" dirty="0"/>
+          </a:p>
+        </p:txBody>
+      </p:sp>
+      <p:pic>
+        <p:nvPicPr>
+          <p:cNvPr id="4" name="Picture 3"/>
+          <p:cNvPicPr>
+            <a:picLocks noChangeAspect="1"/>
+          </p:cNvPicPr>
+          <p:nvPr/>
+        </p:nvPicPr>
+        <p:blipFill>
+          <a:blip r:embed="rId2">
+            <a:extLst>
+              <a:ext uri="{28A0092B-C50C-407E-A947-70E740481C1C}">
+                <a14:useLocalDpi xmlns:a14="http://schemas.microsoft.com/office/drawing/2010/main" val="0"/>
+              </a:ext>
+            </a:extLst>
+          </a:blip>
+          <a:stretch>
+            <a:fillRect/>
+          </a:stretch>
+        </p:blipFill>
+        <p:spPr>
+          <a:xfrm>
+            <a:off x="1097280" y="4688995"/>
+            <a:ext cx="1288473" cy="1288473"/>
+          </a:xfrm>
+          <a:prstGeom prst="rect">
+            <a:avLst/>
+          </a:prstGeom>
+        </p:spPr>
+      </p:pic>
+      <p:sp>
+        <p:nvSpPr>
+          <p:cNvPr id="5" name="TextBox 4"/>
+          <p:cNvSpPr txBox="1"/>
+          <p:nvPr/>
+        </p:nvSpPr>
+        <p:spPr>
+          <a:xfrm>
+            <a:off x="2701637" y="4871566"/>
+            <a:ext cx="7800109" cy="646331"/>
+          </a:xfrm>
+          <a:prstGeom prst="rect">
+            <a:avLst/>
+          </a:prstGeom>
+          <a:noFill/>
+        </p:spPr>
+        <p:txBody>
+          <a:bodyPr wrap="square" rtlCol="0">
+            <a:spAutoFit/>
+          </a:bodyPr>
+          <a:lstStyle/>
+          <a:p>
+            <a:r>
+              <a:rPr lang="ro-RO" dirty="0" smtClean="0"/>
+              <a:t>Who is </a:t>
+            </a:r>
+            <a:r>
+              <a:rPr lang="ro-RO" b="1" dirty="0" smtClean="0"/>
+              <a:t>this</a:t>
+            </a:r>
+            <a:r>
+              <a:rPr lang="ro-RO" dirty="0" smtClean="0"/>
+              <a:t> – from inside the methods ?</a:t>
+            </a:r>
+          </a:p>
+          <a:p>
+            <a:endParaRPr lang="ro-RO" dirty="0"/>
+          </a:p>
+        </p:txBody>
+      </p:sp>
+      <p:sp>
+        <p:nvSpPr>
+          <p:cNvPr id="6" name="TextBox 5"/>
+          <p:cNvSpPr txBox="1"/>
+          <p:nvPr/>
+        </p:nvSpPr>
+        <p:spPr>
+          <a:xfrm>
+            <a:off x="2701637" y="5333231"/>
+            <a:ext cx="5361708" cy="646331"/>
+          </a:xfrm>
+          <a:prstGeom prst="rect">
+            <a:avLst/>
+          </a:prstGeom>
+          <a:noFill/>
+        </p:spPr>
+        <p:txBody>
+          <a:bodyPr wrap="square" rtlCol="0">
+            <a:spAutoFit/>
+          </a:bodyPr>
+          <a:lstStyle/>
+          <a:p>
+            <a:r>
+              <a:rPr lang="ro-RO" dirty="0"/>
+              <a:t>It’s the </a:t>
+            </a:r>
+            <a:r>
+              <a:rPr lang="ro-RO" b="1" dirty="0"/>
+              <a:t>refference</a:t>
+            </a:r>
+            <a:r>
+              <a:rPr lang="ro-RO" dirty="0"/>
+              <a:t> to the current  instance of the class!</a:t>
+            </a:r>
+          </a:p>
+          <a:p>
+            <a:endParaRPr lang="ro-RO" dirty="0"/>
+          </a:p>
+        </p:txBody>
+      </p:sp>
+    </p:spTree>
+    <p:extLst>
+      <p:ext uri="{BB962C8B-B14F-4D97-AF65-F5344CB8AC3E}">
+        <p14:creationId xmlns:p14="http://schemas.microsoft.com/office/powerpoint/2010/main" val="3471283481"/>
+      </p:ext>
+    </p:extLst>
+  </p:cSld>
+  <p:clrMapOvr>
+    <a:masterClrMapping/>
+  </p:clrMapOvr>
+  <p:timing>
+    <p:tnLst>
+      <p:par>
+        <p:cTn id="1" dur="indefinite" restart="never" nodeType="tmRoot">
+          <p:childTnLst>
+            <p:seq concurrent="1" nextAc="seek">
+              <p:cTn id="2" dur="indefinite" nodeType="mainSeq">
+                <p:childTnLst>
+                  <p:par>
+                    <p:cTn id="3" fill="hold">
+                      <p:stCondLst>
+                        <p:cond delay="indefinite"/>
+                      </p:stCondLst>
+                      <p:childTnLst>
+                        <p:par>
+                          <p:cTn id="4" fill="hold">
+                            <p:stCondLst>
+                              <p:cond delay="0"/>
+                            </p:stCondLst>
+                            <p:childTnLst>
+                              <p:par>
+                                <p:cTn id="5" presetID="10" presetClass="entr" presetSubtype="0" fill="hold" nodeType="clickEffect">
+                                  <p:stCondLst>
+                                    <p:cond delay="0"/>
+                                  </p:stCondLst>
+                                  <p:childTnLst>
+                                    <p:set>
+                                      <p:cBhvr>
+                                        <p:cTn id="6" dur="1" fill="hold">
+                                          <p:stCondLst>
+                                            <p:cond delay="0"/>
+                                          </p:stCondLst>
+                                        </p:cTn>
+                                        <p:tgtEl>
+                                          <p:spTgt spid="3">
+                                            <p:txEl>
+                                              <p:pRg st="0" end="0"/>
+                                            </p:txEl>
+                                          </p:spTgt>
+                                        </p:tgtEl>
+                                        <p:attrNameLst>
+                                          <p:attrName>style.visibility</p:attrName>
+                                        </p:attrNameLst>
+                                      </p:cBhvr>
+                                      <p:to>
+                                        <p:strVal val="visible"/>
+                                      </p:to>
+                                    </p:set>
+                                    <p:animEffect transition="in" filter="fade">
+                                      <p:cBhvr>
+                                        <p:cTn id="7" dur="500"/>
+                                        <p:tgtEl>
+                                          <p:spTgt spid="3">
+                                            <p:txEl>
+                                              <p:pRg st="0" end="0"/>
+                                            </p:txEl>
+                                          </p:spTgt>
+                                        </p:tgtEl>
+                                      </p:cBhvr>
+                                    </p:animEffect>
+                                  </p:childTnLst>
+                                </p:cTn>
+                              </p:par>
+                            </p:childTnLst>
+                          </p:cTn>
+                        </p:par>
+                      </p:childTnLst>
+                    </p:cTn>
+                  </p:par>
+                  <p:par>
+                    <p:cTn id="8" fill="hold">
+                      <p:stCondLst>
+                        <p:cond delay="indefinite"/>
+                      </p:stCondLst>
+                      <p:childTnLst>
+                        <p:par>
+                          <p:cTn id="9" fill="hold">
+                            <p:stCondLst>
+                              <p:cond delay="0"/>
+                            </p:stCondLst>
+                            <p:childTnLst>
+                              <p:par>
+                                <p:cTn id="10" presetID="10" presetClass="entr" presetSubtype="0" fill="hold" nodeType="clickEffect">
+                                  <p:stCondLst>
+                                    <p:cond delay="0"/>
+                                  </p:stCondLst>
+                                  <p:childTnLst>
+                                    <p:set>
+                                      <p:cBhvr>
+                                        <p:cTn id="11" dur="1" fill="hold">
+                                          <p:stCondLst>
+                                            <p:cond delay="0"/>
+                                          </p:stCondLst>
+                                        </p:cTn>
+                                        <p:tgtEl>
+                                          <p:spTgt spid="3">
+                                            <p:txEl>
+                                              <p:pRg st="1" end="1"/>
+                                            </p:txEl>
+                                          </p:spTgt>
+                                        </p:tgtEl>
+                                        <p:attrNameLst>
+                                          <p:attrName>style.visibility</p:attrName>
+                                        </p:attrNameLst>
+                                      </p:cBhvr>
+                                      <p:to>
+                                        <p:strVal val="visible"/>
+                                      </p:to>
+                                    </p:set>
+                                    <p:animEffect transition="in" filter="fade">
+                                      <p:cBhvr>
+                                        <p:cTn id="12" dur="500"/>
+                                        <p:tgtEl>
+                                          <p:spTgt spid="3">
+                                            <p:txEl>
+                                              <p:pRg st="1" end="1"/>
+                                            </p:txEl>
+                                          </p:spTgt>
+                                        </p:tgtEl>
+                                      </p:cBhvr>
+                                    </p:animEffect>
+                                  </p:childTnLst>
+                                </p:cTn>
+                              </p:par>
+                            </p:childTnLst>
+                          </p:cTn>
+                        </p:par>
+                      </p:childTnLst>
+                    </p:cTn>
+                  </p:par>
+                  <p:par>
+                    <p:cTn id="13" fill="hold">
+                      <p:stCondLst>
+                        <p:cond delay="indefinite"/>
+                      </p:stCondLst>
+                      <p:childTnLst>
+                        <p:par>
+                          <p:cTn id="14" fill="hold">
+                            <p:stCondLst>
+                              <p:cond delay="0"/>
+                            </p:stCondLst>
+                            <p:childTnLst>
+                              <p:par>
+                                <p:cTn id="15" presetID="10" presetClass="entr" presetSubtype="0" fill="hold" nodeType="clickEffect">
+                                  <p:stCondLst>
+                                    <p:cond delay="0"/>
+                                  </p:stCondLst>
+                                  <p:childTnLst>
+                                    <p:set>
+                                      <p:cBhvr>
+                                        <p:cTn id="16" dur="1" fill="hold">
+                                          <p:stCondLst>
+                                            <p:cond delay="0"/>
+                                          </p:stCondLst>
+                                        </p:cTn>
+                                        <p:tgtEl>
+                                          <p:spTgt spid="3">
+                                            <p:txEl>
+                                              <p:pRg st="2" end="2"/>
+                                            </p:txEl>
+                                          </p:spTgt>
+                                        </p:tgtEl>
+                                        <p:attrNameLst>
+                                          <p:attrName>style.visibility</p:attrName>
+                                        </p:attrNameLst>
+                                      </p:cBhvr>
+                                      <p:to>
+                                        <p:strVal val="visible"/>
+                                      </p:to>
+                                    </p:set>
+                                    <p:animEffect transition="in" filter="fade">
+                                      <p:cBhvr>
+                                        <p:cTn id="17" dur="500"/>
+                                        <p:tgtEl>
+                                          <p:spTgt spid="3">
+                                            <p:txEl>
+                                              <p:pRg st="2" end="2"/>
+                                            </p:txEl>
+                                          </p:spTgt>
+                                        </p:tgtEl>
+                                      </p:cBhvr>
+                                    </p:animEffect>
+                                  </p:childTnLst>
+                                </p:cTn>
+                              </p:par>
+                            </p:childTnLst>
+                          </p:cTn>
+                        </p:par>
+                      </p:childTnLst>
+                    </p:cTn>
+                  </p:par>
+                  <p:par>
+                    <p:cTn id="18" fill="hold">
+                      <p:stCondLst>
+                        <p:cond delay="indefinite"/>
+                      </p:stCondLst>
+                      <p:childTnLst>
+                        <p:par>
+                          <p:cTn id="19" fill="hold">
+                            <p:stCondLst>
+                              <p:cond delay="0"/>
+                            </p:stCondLst>
+                            <p:childTnLst>
+                              <p:par>
+                                <p:cTn id="20" presetID="10" presetClass="entr" presetSubtype="0" fill="hold" nodeType="clickEffect">
+                                  <p:stCondLst>
+                                    <p:cond delay="0"/>
+                                  </p:stCondLst>
+                                  <p:childTnLst>
+                                    <p:set>
+                                      <p:cBhvr>
+                                        <p:cTn id="21" dur="1" fill="hold">
+                                          <p:stCondLst>
+                                            <p:cond delay="0"/>
+                                          </p:stCondLst>
+                                        </p:cTn>
+                                        <p:tgtEl>
+                                          <p:spTgt spid="3">
+                                            <p:txEl>
+                                              <p:pRg st="3" end="3"/>
+                                            </p:txEl>
+                                          </p:spTgt>
+                                        </p:tgtEl>
+                                        <p:attrNameLst>
+                                          <p:attrName>style.visibility</p:attrName>
+                                        </p:attrNameLst>
+                                      </p:cBhvr>
+                                      <p:to>
+                                        <p:strVal val="visible"/>
+                                      </p:to>
+                                    </p:set>
+                                    <p:animEffect transition="in" filter="fade">
+                                      <p:cBhvr>
+                                        <p:cTn id="22" dur="500"/>
+                                        <p:tgtEl>
+                                          <p:spTgt spid="3">
+                                            <p:txEl>
+                                              <p:pRg st="3" end="3"/>
+                                            </p:txEl>
+                                          </p:spTgt>
+                                        </p:tgtEl>
+                                      </p:cBhvr>
+                                    </p:animEffect>
+                                  </p:childTnLst>
+                                </p:cTn>
+                              </p:par>
+                            </p:childTnLst>
+                          </p:cTn>
+                        </p:par>
+                      </p:childTnLst>
+                    </p:cTn>
+                  </p:par>
+                  <p:par>
+                    <p:cTn id="23" fill="hold">
+                      <p:stCondLst>
+                        <p:cond delay="indefinite"/>
+                      </p:stCondLst>
+                      <p:childTnLst>
+                        <p:par>
+                          <p:cTn id="24" fill="hold">
+                            <p:stCondLst>
+                              <p:cond delay="0"/>
+                            </p:stCondLst>
+                            <p:childTnLst>
+                              <p:par>
+                                <p:cTn id="25" presetID="10" presetClass="entr" presetSubtype="0" fill="hold" nodeType="clickEffect">
+                                  <p:stCondLst>
+                                    <p:cond delay="0"/>
+                                  </p:stCondLst>
+                                  <p:childTnLst>
+                                    <p:set>
+                                      <p:cBhvr>
+                                        <p:cTn id="26" dur="1" fill="hold">
+                                          <p:stCondLst>
+                                            <p:cond delay="0"/>
+                                          </p:stCondLst>
+                                        </p:cTn>
+                                        <p:tgtEl>
+                                          <p:spTgt spid="3">
+                                            <p:txEl>
+                                              <p:pRg st="4" end="4"/>
+                                            </p:txEl>
+                                          </p:spTgt>
+                                        </p:tgtEl>
+                                        <p:attrNameLst>
+                                          <p:attrName>style.visibility</p:attrName>
+                                        </p:attrNameLst>
+                                      </p:cBhvr>
+                                      <p:to>
+                                        <p:strVal val="visible"/>
+                                      </p:to>
+                                    </p:set>
+                                    <p:animEffect transition="in" filter="fade">
+                                      <p:cBhvr>
+                                        <p:cTn id="27" dur="500"/>
+                                        <p:tgtEl>
+                                          <p:spTgt spid="3">
+                                            <p:txEl>
+                                              <p:pRg st="4" end="4"/>
+                                            </p:txEl>
+                                          </p:spTgt>
+                                        </p:tgtEl>
+                                      </p:cBhvr>
+                                    </p:animEffect>
+                                  </p:childTnLst>
+                                </p:cTn>
+                              </p:par>
+                            </p:childTnLst>
+                          </p:cTn>
+                        </p:par>
+                      </p:childTnLst>
+                    </p:cTn>
+                  </p:par>
+                  <p:par>
+                    <p:cTn id="28" fill="hold">
+                      <p:stCondLst>
+                        <p:cond delay="indefinite"/>
+                      </p:stCondLst>
+                      <p:childTnLst>
+                        <p:par>
+                          <p:cTn id="29" fill="hold">
+                            <p:stCondLst>
+                              <p:cond delay="0"/>
+                            </p:stCondLst>
+                            <p:childTnLst>
+                              <p:par>
+                                <p:cTn id="30" presetID="10" presetClass="entr" presetSubtype="0" fill="hold" nodeType="clickEffect">
+                                  <p:stCondLst>
+                                    <p:cond delay="0"/>
+                                  </p:stCondLst>
+                                  <p:childTnLst>
+                                    <p:set>
+                                      <p:cBhvr>
+                                        <p:cTn id="31" dur="1" fill="hold">
+                                          <p:stCondLst>
+                                            <p:cond delay="0"/>
+                                          </p:stCondLst>
+                                        </p:cTn>
+                                        <p:tgtEl>
+                                          <p:spTgt spid="4"/>
+                                        </p:tgtEl>
+                                        <p:attrNameLst>
+                                          <p:attrName>style.visibility</p:attrName>
+                                        </p:attrNameLst>
+                                      </p:cBhvr>
+                                      <p:to>
+                                        <p:strVal val="visible"/>
+                                      </p:to>
+                                    </p:set>
+                                    <p:animEffect transition="in" filter="fade">
+                                      <p:cBhvr>
+                                        <p:cTn id="32" dur="500"/>
+                                        <p:tgtEl>
+                                          <p:spTgt spid="4"/>
+                                        </p:tgtEl>
+                                      </p:cBhvr>
+                                    </p:animEffect>
+                                  </p:childTnLst>
+                                </p:cTn>
+                              </p:par>
+                              <p:par>
+                                <p:cTn id="33" presetID="10" presetClass="entr" presetSubtype="0" fill="hold" grpId="0" nodeType="withEffect">
+                                  <p:stCondLst>
+                                    <p:cond delay="0"/>
+                                  </p:stCondLst>
+                                  <p:childTnLst>
+                                    <p:set>
+                                      <p:cBhvr>
+                                        <p:cTn id="34" dur="1" fill="hold">
+                                          <p:stCondLst>
+                                            <p:cond delay="0"/>
+                                          </p:stCondLst>
+                                        </p:cTn>
+                                        <p:tgtEl>
+                                          <p:spTgt spid="5"/>
+                                        </p:tgtEl>
+                                        <p:attrNameLst>
+                                          <p:attrName>style.visibility</p:attrName>
+                                        </p:attrNameLst>
+                                      </p:cBhvr>
+                                      <p:to>
+                                        <p:strVal val="visible"/>
+                                      </p:to>
+                                    </p:set>
+                                    <p:animEffect transition="in" filter="fade">
+                                      <p:cBhvr>
+                                        <p:cTn id="35" dur="500"/>
+                                        <p:tgtEl>
+                                          <p:spTgt spid="5"/>
+                                        </p:tgtEl>
+                                      </p:cBhvr>
+                                    </p:animEffect>
+                                  </p:childTnLst>
+                                </p:cTn>
+                              </p:par>
+                            </p:childTnLst>
+                          </p:cTn>
+                        </p:par>
+                      </p:childTnLst>
+                    </p:cTn>
+                  </p:par>
+                  <p:par>
+                    <p:cTn id="36" fill="hold">
+                      <p:stCondLst>
+                        <p:cond delay="indefinite"/>
+                      </p:stCondLst>
+                      <p:childTnLst>
+                        <p:par>
+                          <p:cTn id="37" fill="hold">
+                            <p:stCondLst>
+                              <p:cond delay="0"/>
+                            </p:stCondLst>
+                            <p:childTnLst>
+                              <p:par>
+                                <p:cTn id="38" presetID="10" presetClass="entr" presetSubtype="0" fill="hold" nodeType="clickEffect">
+                                  <p:stCondLst>
+                                    <p:cond delay="0"/>
+                                  </p:stCondLst>
+                                  <p:childTnLst>
+                                    <p:set>
+                                      <p:cBhvr>
+                                        <p:cTn id="39" dur="1" fill="hold">
+                                          <p:stCondLst>
+                                            <p:cond delay="0"/>
+                                          </p:stCondLst>
+                                        </p:cTn>
+                                        <p:tgtEl>
+                                          <p:spTgt spid="6">
+                                            <p:txEl>
+                                              <p:pRg st="0" end="0"/>
+                                            </p:txEl>
+                                          </p:spTgt>
+                                        </p:tgtEl>
+                                        <p:attrNameLst>
+                                          <p:attrName>style.visibility</p:attrName>
+                                        </p:attrNameLst>
+                                      </p:cBhvr>
+                                      <p:to>
+                                        <p:strVal val="visible"/>
+                                      </p:to>
+                                    </p:set>
+                                    <p:animEffect transition="in" filter="fade">
+                                      <p:cBhvr>
+                                        <p:cTn id="40" dur="500"/>
+                                        <p:tgtEl>
+                                          <p:spTgt spid="6">
+                                            <p:txEl>
+                                              <p:pRg st="0" end="0"/>
+                                            </p:txEl>
+                                          </p:spTgt>
                                         </p:tgtEl>
                                       </p:cBhvr>
                                     </p:animEffect>
@@ -10337,7 +10556,23 @@
           <a:p>
             <a:r>
               <a:rPr lang="ro-RO" dirty="0" smtClean="0"/>
-              <a:t>General Structure</a:t>
+              <a:t>Part </a:t>
+            </a:r>
+            <a:r>
+              <a:rPr lang="en-US" dirty="0" smtClean="0"/>
+              <a:t>2</a:t>
+            </a:r>
+            <a:r>
+              <a:rPr lang="ro-RO" dirty="0" smtClean="0"/>
+              <a:t> </a:t>
+            </a:r>
+            <a:r>
+              <a:rPr lang="ro-RO" dirty="0" smtClean="0"/>
+              <a:t>– </a:t>
+            </a:r>
+            <a:r>
+              <a:rPr lang="en-US" dirty="0" err="1" smtClean="0"/>
+              <a:t>Fitnesse</a:t>
             </a:r>
             <a:endParaRPr lang="ro-RO" dirty="0"/>
           </a:p>
@@ -10360,82 +10595,89 @@
           </a:bodyPr>
           <a:lstStyle/>
           <a:p>
-            <a:pPr lvl="2">
+            <a:pPr lvl="1">
               <a:buFont typeface="Wingdings" panose="05000000000000000000" pitchFamily="2" charset="2"/>
               <a:buChar char="q"/>
             </a:pPr>
             <a:r>
-              <a:rPr lang="ro-RO" sz="3200" dirty="0"/>
-              <a:t> </a:t>
-            </a:r>
-            <a:r>
-              <a:rPr lang="ro-RO" sz="3200" dirty="0" smtClean="0"/>
-              <a:t>   Java Introduction</a:t>
-            </a:r>
-          </a:p>
-          <a:p>
-            <a:pPr lvl="2">
+              <a:rPr lang="ro-RO" sz="2800" dirty="0" smtClean="0"/>
+              <a:t>   About </a:t>
+            </a:r>
+            <a:r>
+              <a:rPr lang="en-US" sz="2800" dirty="0" err="1" smtClean="0"/>
+              <a:t>Fitnesse</a:t>
+            </a:r>
+            <a:endParaRPr lang="ro-RO" sz="2800" dirty="0" smtClean="0"/>
+          </a:p>
+          <a:p>
+            <a:pPr lvl="1">
               <a:buFont typeface="Wingdings" panose="05000000000000000000" pitchFamily="2" charset="2"/>
               <a:buChar char="q"/>
             </a:pPr>
             <a:r>
-              <a:rPr lang="ro-RO" sz="3200" dirty="0"/>
+              <a:rPr lang="ro-RO" sz="2800" dirty="0"/>
               <a:t> </a:t>
             </a:r>
             <a:r>
-              <a:rPr lang="ro-RO" sz="3200" dirty="0" smtClean="0"/>
-              <a:t>   Fitnesse Introduction</a:t>
-            </a:r>
-          </a:p>
-          <a:p>
-            <a:pPr lvl="2">
+              <a:rPr lang="ro-RO" sz="2800" dirty="0" smtClean="0"/>
+              <a:t>  </a:t>
+            </a:r>
+            <a:r>
+              <a:rPr lang="en-US" sz="2800" dirty="0" smtClean="0"/>
+              <a:t>FIT &amp; SLIM</a:t>
+            </a:r>
+            <a:endParaRPr lang="ro-RO" sz="2800" dirty="0" smtClean="0"/>
+          </a:p>
+          <a:p>
+            <a:pPr lvl="1">
               <a:buFont typeface="Wingdings" panose="05000000000000000000" pitchFamily="2" charset="2"/>
               <a:buChar char="q"/>
             </a:pPr>
             <a:r>
-              <a:rPr lang="ro-RO" sz="3200" dirty="0"/>
+              <a:rPr lang="ro-RO" sz="2800" dirty="0"/>
               <a:t> </a:t>
             </a:r>
             <a:r>
-              <a:rPr lang="ro-RO" sz="3200" dirty="0" smtClean="0"/>
-              <a:t>   Fitnesse Fixture – Basics</a:t>
-            </a:r>
-          </a:p>
-          <a:p>
-            <a:pPr lvl="2">
+              <a:rPr lang="ro-RO" sz="2800" dirty="0" smtClean="0"/>
+              <a:t>  </a:t>
+            </a:r>
+            <a:r>
+              <a:rPr lang="en-US" sz="2800" dirty="0" smtClean="0"/>
+              <a:t>Writing tests</a:t>
+            </a:r>
+            <a:endParaRPr lang="ro-RO" sz="2800" dirty="0" smtClean="0"/>
+          </a:p>
+          <a:p>
+            <a:pPr lvl="1">
               <a:buFont typeface="Wingdings" panose="05000000000000000000" pitchFamily="2" charset="2"/>
               <a:buChar char="q"/>
             </a:pPr>
             <a:r>
-              <a:rPr lang="ro-RO" sz="3200" dirty="0"/>
+              <a:rPr lang="ro-RO" sz="2800" dirty="0"/>
               <a:t> </a:t>
             </a:r>
             <a:r>
-              <a:rPr lang="ro-RO" sz="3200" dirty="0" smtClean="0"/>
-              <a:t>   Fitnesse Fixture – Write your own</a:t>
-            </a:r>
-          </a:p>
-          <a:p>
-            <a:pPr lvl="2">
-              <a:buFont typeface="Wingdings" panose="05000000000000000000" pitchFamily="2" charset="2"/>
-              <a:buChar char="q"/>
+              <a:rPr lang="ro-RO" sz="2800" dirty="0" smtClean="0"/>
+              <a:t>  </a:t>
+            </a:r>
+            <a:r>
+              <a:rPr lang="en-US" sz="2800" dirty="0" smtClean="0"/>
+              <a:t>Writing fixtures</a:t>
+            </a:r>
+            <a:endParaRPr lang="ro-RO" sz="2800" dirty="0" smtClean="0"/>
+          </a:p>
+          <a:p>
+            <a:pPr marL="201168" lvl="1" indent="0">
+              <a:buNone/>
             </a:pPr>
-            <a:r>
-              <a:rPr lang="ro-RO" sz="3200" dirty="0"/>
-              <a:t> </a:t>
-            </a:r>
-            <a:r>
-              <a:rPr lang="ro-RO" sz="3200" dirty="0" smtClean="0"/>
-              <a:t>   Selenium – Automated Front-End Testing</a:t>
-            </a:r>
-            <a:endParaRPr lang="ro-RO" sz="3200" dirty="0"/>
+            <a:endParaRPr lang="ro-RO" sz="2800" dirty="0" smtClean="0"/>
           </a:p>
         </p:txBody>
       </p:sp>
     </p:spTree>
     <p:extLst>
       <p:ext uri="{BB962C8B-B14F-4D97-AF65-F5344CB8AC3E}">
-        <p14:creationId xmlns:p14="http://schemas.microsoft.com/office/powerpoint/2010/main" val="2731503842"/>
+        <p14:creationId xmlns:p14="http://schemas.microsoft.com/office/powerpoint/2010/main" val="480539234"/>
       </p:ext>
     </p:extLst>
   </p:cSld>
@@ -10680,67 +10922,6 @@
                                           <p:spTgt spid="3">
                                             <p:txEl>
                                               <p:pRg st="3" end="3"/>
-                                            </p:txEl>
-                                          </p:spTgt>
-                                        </p:tgtEl>
-                                      </p:cBhvr>
-                                    </p:animEffect>
-                                  </p:childTnLst>
-                                </p:cTn>
-                              </p:par>
-                            </p:childTnLst>
-                          </p:cTn>
-                        </p:par>
-                      </p:childTnLst>
-                    </p:cTn>
-                  </p:par>
-                  <p:par>
-                    <p:cTn id="23" fill="hold">
-                      <p:stCondLst>
-                        <p:cond delay="indefinite"/>
-                      </p:stCondLst>
-                      <p:childTnLst>
-                        <p:par>
-                          <p:cTn id="24" fill="hold">
-                            <p:stCondLst>
-                              <p:cond delay="0"/>
-                            </p:stCondLst>
-                            <p:childTnLst>
-                              <p:par>
-                                <p:cTn id="25" presetID="10" presetClass="entr" presetSubtype="0" fill="hold" nodeType="clickEffect">
-                                  <p:stCondLst>
-                                    <p:cond delay="0"/>
-                                  </p:stCondLst>
-                                  <p:childTnLst>
-                                    <p:set>
-                                      <p:cBhvr>
-                                        <p:cTn id="26" dur="1" fill="hold">
-                                          <p:stCondLst>
-                                            <p:cond delay="0"/>
-                                          </p:stCondLst>
-                                        </p:cTn>
-                                        <p:tgtEl>
-                                          <p:spTgt spid="3">
-                                            <p:txEl>
-                                              <p:pRg st="4" end="4"/>
-                                            </p:txEl>
-                                          </p:spTgt>
-                                        </p:tgtEl>
-                                        <p:attrNameLst>
-                                          <p:attrName>style.visibility</p:attrName>
-                                        </p:attrNameLst>
-                                      </p:cBhvr>
-                                      <p:to>
-                                        <p:strVal val="visible"/>
-                                      </p:to>
-                                    </p:set>
-                                    <p:animEffect transition="in" filter="fade">
-                                      <p:cBhvr>
-                                        <p:cTn id="27" dur="500"/>
-                                        <p:tgtEl>
-                                          <p:spTgt spid="3">
-                                            <p:txEl>
-                                              <p:pRg st="4" end="4"/>
                                             </p:txEl>
                                           </p:spTgt>
                                         </p:tgtEl>
@@ -10781,723 +10962,6 @@
 </file>
 
 <file path=ppt/slides/slide20.xml><?xml version="1.0" encoding="utf-8"?>
-<p:sld xmlns:a="http://schemas.openxmlformats.org/drawingml/2006/main" xmlns:r="http://schemas.openxmlformats.org/officeDocument/2006/relationships" xmlns:p="http://schemas.openxmlformats.org/presentationml/2006/main">
-  <p:cSld>
-    <p:spTree>
-      <p:nvGrpSpPr>
-        <p:cNvPr id="1" name=""/>
-        <p:cNvGrpSpPr/>
-        <p:nvPr/>
-      </p:nvGrpSpPr>
-      <p:grpSpPr>
-        <a:xfrm>
-          <a:off x="0" y="0"/>
-          <a:ext cx="0" cy="0"/>
-          <a:chOff x="0" y="0"/>
-          <a:chExt cx="0" cy="0"/>
-        </a:xfrm>
-      </p:grpSpPr>
-      <p:sp>
-        <p:nvSpPr>
-          <p:cNvPr id="2" name="Title 1"/>
-          <p:cNvSpPr>
-            <a:spLocks noGrp="1"/>
-          </p:cNvSpPr>
-          <p:nvPr>
-            <p:ph type="title"/>
-          </p:nvPr>
-        </p:nvSpPr>
-        <p:spPr/>
-        <p:txBody>
-          <a:bodyPr/>
-          <a:lstStyle/>
-          <a:p>
-            <a:r>
-              <a:rPr lang="ro-RO" dirty="0" smtClean="0"/>
-              <a:t>Class components</a:t>
-            </a:r>
-            <a:endParaRPr lang="ro-RO" dirty="0"/>
-          </a:p>
-        </p:txBody>
-      </p:sp>
-      <p:sp>
-        <p:nvSpPr>
-          <p:cNvPr id="3" name="Content Placeholder 2"/>
-          <p:cNvSpPr>
-            <a:spLocks noGrp="1"/>
-          </p:cNvSpPr>
-          <p:nvPr>
-            <p:ph idx="1"/>
-          </p:nvPr>
-        </p:nvSpPr>
-        <p:spPr/>
-        <p:txBody>
-          <a:bodyPr/>
-          <a:lstStyle/>
-          <a:p>
-            <a:pPr marL="749808" lvl="1" indent="-457200">
-              <a:buFont typeface="+mj-lt"/>
-              <a:buAutoNum type="arabicPeriod"/>
-            </a:pPr>
-            <a:r>
-              <a:rPr lang="ro-RO" dirty="0" smtClean="0"/>
-              <a:t>Constructor (implicit with no arguments)</a:t>
-            </a:r>
-          </a:p>
-          <a:p>
-            <a:pPr marL="749808" lvl="1" indent="-457200">
-              <a:buFont typeface="+mj-lt"/>
-              <a:buAutoNum type="arabicPeriod"/>
-            </a:pPr>
-            <a:r>
-              <a:rPr lang="ro-RO" dirty="0" smtClean="0"/>
-              <a:t>Properties </a:t>
-            </a:r>
-          </a:p>
-          <a:p>
-            <a:pPr marL="749808" lvl="1" indent="-457200">
-              <a:buFont typeface="+mj-lt"/>
-              <a:buAutoNum type="arabicPeriod"/>
-            </a:pPr>
-            <a:r>
-              <a:rPr lang="ro-RO" dirty="0" smtClean="0"/>
-              <a:t>Getters + Setters (good practice)</a:t>
-            </a:r>
-          </a:p>
-          <a:p>
-            <a:pPr marL="749808" lvl="1" indent="-457200">
-              <a:buFont typeface="+mj-lt"/>
-              <a:buAutoNum type="arabicPeriod"/>
-            </a:pPr>
-            <a:r>
-              <a:rPr lang="ro-RO" dirty="0" smtClean="0"/>
-              <a:t>Methods</a:t>
-            </a:r>
-          </a:p>
-          <a:p>
-            <a:pPr marL="749808" lvl="1" indent="-457200">
-              <a:buFont typeface="+mj-lt"/>
-              <a:buAutoNum type="arabicPeriod"/>
-            </a:pPr>
-            <a:r>
-              <a:rPr lang="ro-RO" dirty="0" smtClean="0"/>
-              <a:t>Destructor (optional)</a:t>
-            </a:r>
-            <a:endParaRPr lang="ro-RO" dirty="0"/>
-          </a:p>
-        </p:txBody>
-      </p:sp>
-      <p:pic>
-        <p:nvPicPr>
-          <p:cNvPr id="4" name="Picture 3"/>
-          <p:cNvPicPr>
-            <a:picLocks noChangeAspect="1"/>
-          </p:cNvPicPr>
-          <p:nvPr/>
-        </p:nvPicPr>
-        <p:blipFill>
-          <a:blip r:embed="rId2">
-            <a:extLst>
-              <a:ext uri="{28A0092B-C50C-407E-A947-70E740481C1C}">
-                <a14:useLocalDpi xmlns:a14="http://schemas.microsoft.com/office/drawing/2010/main" val="0"/>
-              </a:ext>
-            </a:extLst>
-          </a:blip>
-          <a:stretch>
-            <a:fillRect/>
-          </a:stretch>
-        </p:blipFill>
-        <p:spPr>
-          <a:xfrm>
-            <a:off x="1097280" y="4688995"/>
-            <a:ext cx="1288473" cy="1288473"/>
-          </a:xfrm>
-          <a:prstGeom prst="rect">
-            <a:avLst/>
-          </a:prstGeom>
-        </p:spPr>
-      </p:pic>
-      <p:sp>
-        <p:nvSpPr>
-          <p:cNvPr id="5" name="TextBox 4"/>
-          <p:cNvSpPr txBox="1"/>
-          <p:nvPr/>
-        </p:nvSpPr>
-        <p:spPr>
-          <a:xfrm>
-            <a:off x="2701637" y="4871566"/>
-            <a:ext cx="7800109" cy="646331"/>
-          </a:xfrm>
-          <a:prstGeom prst="rect">
-            <a:avLst/>
-          </a:prstGeom>
-          <a:noFill/>
-        </p:spPr>
-        <p:txBody>
-          <a:bodyPr wrap="square" rtlCol="0">
-            <a:spAutoFit/>
-          </a:bodyPr>
-          <a:lstStyle/>
-          <a:p>
-            <a:r>
-              <a:rPr lang="ro-RO" dirty="0" smtClean="0"/>
-              <a:t>Who is </a:t>
-            </a:r>
-            <a:r>
-              <a:rPr lang="ro-RO" b="1" dirty="0" smtClean="0"/>
-              <a:t>this</a:t>
-            </a:r>
-            <a:r>
-              <a:rPr lang="ro-RO" dirty="0" smtClean="0"/>
-              <a:t> – from inside the methods ?</a:t>
-            </a:r>
-          </a:p>
-          <a:p>
-            <a:endParaRPr lang="ro-RO" dirty="0"/>
-          </a:p>
-        </p:txBody>
-      </p:sp>
-      <p:sp>
-        <p:nvSpPr>
-          <p:cNvPr id="6" name="TextBox 5"/>
-          <p:cNvSpPr txBox="1"/>
-          <p:nvPr/>
-        </p:nvSpPr>
-        <p:spPr>
-          <a:xfrm>
-            <a:off x="2701637" y="5333231"/>
-            <a:ext cx="5361708" cy="646331"/>
-          </a:xfrm>
-          <a:prstGeom prst="rect">
-            <a:avLst/>
-          </a:prstGeom>
-          <a:noFill/>
-        </p:spPr>
-        <p:txBody>
-          <a:bodyPr wrap="square" rtlCol="0">
-            <a:spAutoFit/>
-          </a:bodyPr>
-          <a:lstStyle/>
-          <a:p>
-            <a:r>
-              <a:rPr lang="ro-RO" dirty="0"/>
-              <a:t>It’s the </a:t>
-            </a:r>
-            <a:r>
-              <a:rPr lang="ro-RO" b="1" dirty="0"/>
-              <a:t>refference</a:t>
-            </a:r>
-            <a:r>
-              <a:rPr lang="ro-RO" dirty="0"/>
-              <a:t> to the current  instance of the class!</a:t>
-            </a:r>
-          </a:p>
-          <a:p>
-            <a:endParaRPr lang="ro-RO" dirty="0"/>
-          </a:p>
-        </p:txBody>
-      </p:sp>
-    </p:spTree>
-    <p:extLst>
-      <p:ext uri="{BB962C8B-B14F-4D97-AF65-F5344CB8AC3E}">
-        <p14:creationId xmlns:p14="http://schemas.microsoft.com/office/powerpoint/2010/main" val="3471283481"/>
-      </p:ext>
-    </p:extLst>
-  </p:cSld>
-  <p:clrMapOvr>
-    <a:masterClrMapping/>
-  </p:clrMapOvr>
-  <p:timing>
-    <p:tnLst>
-      <p:par>
-        <p:cTn id="1" dur="indefinite" restart="never" nodeType="tmRoot">
-          <p:childTnLst>
-            <p:seq concurrent="1" nextAc="seek">
-              <p:cTn id="2" dur="indefinite" nodeType="mainSeq">
-                <p:childTnLst>
-                  <p:par>
-                    <p:cTn id="3" fill="hold">
-                      <p:stCondLst>
-                        <p:cond delay="indefinite"/>
-                      </p:stCondLst>
-                      <p:childTnLst>
-                        <p:par>
-                          <p:cTn id="4" fill="hold">
-                            <p:stCondLst>
-                              <p:cond delay="0"/>
-                            </p:stCondLst>
-                            <p:childTnLst>
-                              <p:par>
-                                <p:cTn id="5" presetID="10" presetClass="entr" presetSubtype="0" fill="hold" nodeType="clickEffect">
-                                  <p:stCondLst>
-                                    <p:cond delay="0"/>
-                                  </p:stCondLst>
-                                  <p:childTnLst>
-                                    <p:set>
-                                      <p:cBhvr>
-                                        <p:cTn id="6" dur="1" fill="hold">
-                                          <p:stCondLst>
-                                            <p:cond delay="0"/>
-                                          </p:stCondLst>
-                                        </p:cTn>
-                                        <p:tgtEl>
-                                          <p:spTgt spid="3">
-                                            <p:txEl>
-                                              <p:pRg st="0" end="0"/>
-                                            </p:txEl>
-                                          </p:spTgt>
-                                        </p:tgtEl>
-                                        <p:attrNameLst>
-                                          <p:attrName>style.visibility</p:attrName>
-                                        </p:attrNameLst>
-                                      </p:cBhvr>
-                                      <p:to>
-                                        <p:strVal val="visible"/>
-                                      </p:to>
-                                    </p:set>
-                                    <p:animEffect transition="in" filter="fade">
-                                      <p:cBhvr>
-                                        <p:cTn id="7" dur="500"/>
-                                        <p:tgtEl>
-                                          <p:spTgt spid="3">
-                                            <p:txEl>
-                                              <p:pRg st="0" end="0"/>
-                                            </p:txEl>
-                                          </p:spTgt>
-                                        </p:tgtEl>
-                                      </p:cBhvr>
-                                    </p:animEffect>
-                                  </p:childTnLst>
-                                </p:cTn>
-                              </p:par>
-                            </p:childTnLst>
-                          </p:cTn>
-                        </p:par>
-                      </p:childTnLst>
-                    </p:cTn>
-                  </p:par>
-                  <p:par>
-                    <p:cTn id="8" fill="hold">
-                      <p:stCondLst>
-                        <p:cond delay="indefinite"/>
-                      </p:stCondLst>
-                      <p:childTnLst>
-                        <p:par>
-                          <p:cTn id="9" fill="hold">
-                            <p:stCondLst>
-                              <p:cond delay="0"/>
-                            </p:stCondLst>
-                            <p:childTnLst>
-                              <p:par>
-                                <p:cTn id="10" presetID="10" presetClass="entr" presetSubtype="0" fill="hold" nodeType="clickEffect">
-                                  <p:stCondLst>
-                                    <p:cond delay="0"/>
-                                  </p:stCondLst>
-                                  <p:childTnLst>
-                                    <p:set>
-                                      <p:cBhvr>
-                                        <p:cTn id="11" dur="1" fill="hold">
-                                          <p:stCondLst>
-                                            <p:cond delay="0"/>
-                                          </p:stCondLst>
-                                        </p:cTn>
-                                        <p:tgtEl>
-                                          <p:spTgt spid="3">
-                                            <p:txEl>
-                                              <p:pRg st="1" end="1"/>
-                                            </p:txEl>
-                                          </p:spTgt>
-                                        </p:tgtEl>
-                                        <p:attrNameLst>
-                                          <p:attrName>style.visibility</p:attrName>
-                                        </p:attrNameLst>
-                                      </p:cBhvr>
-                                      <p:to>
-                                        <p:strVal val="visible"/>
-                                      </p:to>
-                                    </p:set>
-                                    <p:animEffect transition="in" filter="fade">
-                                      <p:cBhvr>
-                                        <p:cTn id="12" dur="500"/>
-                                        <p:tgtEl>
-                                          <p:spTgt spid="3">
-                                            <p:txEl>
-                                              <p:pRg st="1" end="1"/>
-                                            </p:txEl>
-                                          </p:spTgt>
-                                        </p:tgtEl>
-                                      </p:cBhvr>
-                                    </p:animEffect>
-                                  </p:childTnLst>
-                                </p:cTn>
-                              </p:par>
-                            </p:childTnLst>
-                          </p:cTn>
-                        </p:par>
-                      </p:childTnLst>
-                    </p:cTn>
-                  </p:par>
-                  <p:par>
-                    <p:cTn id="13" fill="hold">
-                      <p:stCondLst>
-                        <p:cond delay="indefinite"/>
-                      </p:stCondLst>
-                      <p:childTnLst>
-                        <p:par>
-                          <p:cTn id="14" fill="hold">
-                            <p:stCondLst>
-                              <p:cond delay="0"/>
-                            </p:stCondLst>
-                            <p:childTnLst>
-                              <p:par>
-                                <p:cTn id="15" presetID="10" presetClass="entr" presetSubtype="0" fill="hold" nodeType="clickEffect">
-                                  <p:stCondLst>
-                                    <p:cond delay="0"/>
-                                  </p:stCondLst>
-                                  <p:childTnLst>
-                                    <p:set>
-                                      <p:cBhvr>
-                                        <p:cTn id="16" dur="1" fill="hold">
-                                          <p:stCondLst>
-                                            <p:cond delay="0"/>
-                                          </p:stCondLst>
-                                        </p:cTn>
-                                        <p:tgtEl>
-                                          <p:spTgt spid="3">
-                                            <p:txEl>
-                                              <p:pRg st="2" end="2"/>
-                                            </p:txEl>
-                                          </p:spTgt>
-                                        </p:tgtEl>
-                                        <p:attrNameLst>
-                                          <p:attrName>style.visibility</p:attrName>
-                                        </p:attrNameLst>
-                                      </p:cBhvr>
-                                      <p:to>
-                                        <p:strVal val="visible"/>
-                                      </p:to>
-                                    </p:set>
-                                    <p:animEffect transition="in" filter="fade">
-                                      <p:cBhvr>
-                                        <p:cTn id="17" dur="500"/>
-                                        <p:tgtEl>
-                                          <p:spTgt spid="3">
-                                            <p:txEl>
-                                              <p:pRg st="2" end="2"/>
-                                            </p:txEl>
-                                          </p:spTgt>
-                                        </p:tgtEl>
-                                      </p:cBhvr>
-                                    </p:animEffect>
-                                  </p:childTnLst>
-                                </p:cTn>
-                              </p:par>
-                            </p:childTnLst>
-                          </p:cTn>
-                        </p:par>
-                      </p:childTnLst>
-                    </p:cTn>
-                  </p:par>
-                  <p:par>
-                    <p:cTn id="18" fill="hold">
-                      <p:stCondLst>
-                        <p:cond delay="indefinite"/>
-                      </p:stCondLst>
-                      <p:childTnLst>
-                        <p:par>
-                          <p:cTn id="19" fill="hold">
-                            <p:stCondLst>
-                              <p:cond delay="0"/>
-                            </p:stCondLst>
-                            <p:childTnLst>
-                              <p:par>
-                                <p:cTn id="20" presetID="10" presetClass="entr" presetSubtype="0" fill="hold" nodeType="clickEffect">
-                                  <p:stCondLst>
-                                    <p:cond delay="0"/>
-                                  </p:stCondLst>
-                                  <p:childTnLst>
-                                    <p:set>
-                                      <p:cBhvr>
-                                        <p:cTn id="21" dur="1" fill="hold">
-                                          <p:stCondLst>
-                                            <p:cond delay="0"/>
-                                          </p:stCondLst>
-                                        </p:cTn>
-                                        <p:tgtEl>
-                                          <p:spTgt spid="3">
-                                            <p:txEl>
-                                              <p:pRg st="3" end="3"/>
-                                            </p:txEl>
-                                          </p:spTgt>
-                                        </p:tgtEl>
-                                        <p:attrNameLst>
-                                          <p:attrName>style.visibility</p:attrName>
-                                        </p:attrNameLst>
-                                      </p:cBhvr>
-                                      <p:to>
-                                        <p:strVal val="visible"/>
-                                      </p:to>
-                                    </p:set>
-                                    <p:animEffect transition="in" filter="fade">
-                                      <p:cBhvr>
-                                        <p:cTn id="22" dur="500"/>
-                                        <p:tgtEl>
-                                          <p:spTgt spid="3">
-                                            <p:txEl>
-                                              <p:pRg st="3" end="3"/>
-                                            </p:txEl>
-                                          </p:spTgt>
-                                        </p:tgtEl>
-                                      </p:cBhvr>
-                                    </p:animEffect>
-                                  </p:childTnLst>
-                                </p:cTn>
-                              </p:par>
-                            </p:childTnLst>
-                          </p:cTn>
-                        </p:par>
-                      </p:childTnLst>
-                    </p:cTn>
-                  </p:par>
-                  <p:par>
-                    <p:cTn id="23" fill="hold">
-                      <p:stCondLst>
-                        <p:cond delay="indefinite"/>
-                      </p:stCondLst>
-                      <p:childTnLst>
-                        <p:par>
-                          <p:cTn id="24" fill="hold">
-                            <p:stCondLst>
-                              <p:cond delay="0"/>
-                            </p:stCondLst>
-                            <p:childTnLst>
-                              <p:par>
-                                <p:cTn id="25" presetID="10" presetClass="entr" presetSubtype="0" fill="hold" nodeType="clickEffect">
-                                  <p:stCondLst>
-                                    <p:cond delay="0"/>
-                                  </p:stCondLst>
-                                  <p:childTnLst>
-                                    <p:set>
-                                      <p:cBhvr>
-                                        <p:cTn id="26" dur="1" fill="hold">
-                                          <p:stCondLst>
-                                            <p:cond delay="0"/>
-                                          </p:stCondLst>
-                                        </p:cTn>
-                                        <p:tgtEl>
-                                          <p:spTgt spid="3">
-                                            <p:txEl>
-                                              <p:pRg st="4" end="4"/>
-                                            </p:txEl>
-                                          </p:spTgt>
-                                        </p:tgtEl>
-                                        <p:attrNameLst>
-                                          <p:attrName>style.visibility</p:attrName>
-                                        </p:attrNameLst>
-                                      </p:cBhvr>
-                                      <p:to>
-                                        <p:strVal val="visible"/>
-                                      </p:to>
-                                    </p:set>
-                                    <p:animEffect transition="in" filter="fade">
-                                      <p:cBhvr>
-                                        <p:cTn id="27" dur="500"/>
-                                        <p:tgtEl>
-                                          <p:spTgt spid="3">
-                                            <p:txEl>
-                                              <p:pRg st="4" end="4"/>
-                                            </p:txEl>
-                                          </p:spTgt>
-                                        </p:tgtEl>
-                                      </p:cBhvr>
-                                    </p:animEffect>
-                                  </p:childTnLst>
-                                </p:cTn>
-                              </p:par>
-                            </p:childTnLst>
-                          </p:cTn>
-                        </p:par>
-                      </p:childTnLst>
-                    </p:cTn>
-                  </p:par>
-                  <p:par>
-                    <p:cTn id="28" fill="hold">
-                      <p:stCondLst>
-                        <p:cond delay="indefinite"/>
-                      </p:stCondLst>
-                      <p:childTnLst>
-                        <p:par>
-                          <p:cTn id="29" fill="hold">
-                            <p:stCondLst>
-                              <p:cond delay="0"/>
-                            </p:stCondLst>
-                            <p:childTnLst>
-                              <p:par>
-                                <p:cTn id="30" presetID="10" presetClass="entr" presetSubtype="0" fill="hold" nodeType="clickEffect">
-                                  <p:stCondLst>
-                                    <p:cond delay="0"/>
-                                  </p:stCondLst>
-                                  <p:childTnLst>
-                                    <p:set>
-                                      <p:cBhvr>
-                                        <p:cTn id="31" dur="1" fill="hold">
-                                          <p:stCondLst>
-                                            <p:cond delay="0"/>
-                                          </p:stCondLst>
-                                        </p:cTn>
-                                        <p:tgtEl>
-                                          <p:spTgt spid="4"/>
-                                        </p:tgtEl>
-                                        <p:attrNameLst>
-                                          <p:attrName>style.visibility</p:attrName>
-                                        </p:attrNameLst>
-                                      </p:cBhvr>
-                                      <p:to>
-                                        <p:strVal val="visible"/>
-                                      </p:to>
-                                    </p:set>
-                                    <p:animEffect transition="in" filter="fade">
-                                      <p:cBhvr>
-                                        <p:cTn id="32" dur="500"/>
-                                        <p:tgtEl>
-                                          <p:spTgt spid="4"/>
-                                        </p:tgtEl>
-                                      </p:cBhvr>
-                                    </p:animEffect>
-                                  </p:childTnLst>
-                                </p:cTn>
-                              </p:par>
-                              <p:par>
-                                <p:cTn id="33" presetID="10" presetClass="entr" presetSubtype="0" fill="hold" grpId="0" nodeType="withEffect">
-                                  <p:stCondLst>
-                                    <p:cond delay="0"/>
-                                  </p:stCondLst>
-                                  <p:childTnLst>
-                                    <p:set>
-                                      <p:cBhvr>
-                                        <p:cTn id="34" dur="1" fill="hold">
-                                          <p:stCondLst>
-                                            <p:cond delay="0"/>
-                                          </p:stCondLst>
-                                        </p:cTn>
-                                        <p:tgtEl>
-                                          <p:spTgt spid="5"/>
-                                        </p:tgtEl>
-                                        <p:attrNameLst>
-                                          <p:attrName>style.visibility</p:attrName>
-                                        </p:attrNameLst>
-                                      </p:cBhvr>
-                                      <p:to>
-                                        <p:strVal val="visible"/>
-                                      </p:to>
-                                    </p:set>
-                                    <p:animEffect transition="in" filter="fade">
-                                      <p:cBhvr>
-                                        <p:cTn id="35" dur="500"/>
-                                        <p:tgtEl>
-                                          <p:spTgt spid="5"/>
-                                        </p:tgtEl>
-                                      </p:cBhvr>
-                                    </p:animEffect>
-                                  </p:childTnLst>
-                                </p:cTn>
-                              </p:par>
-                            </p:childTnLst>
-                          </p:cTn>
-                        </p:par>
-                      </p:childTnLst>
-                    </p:cTn>
-                  </p:par>
-                  <p:par>
-                    <p:cTn id="36" fill="hold">
-                      <p:stCondLst>
-                        <p:cond delay="indefinite"/>
-                      </p:stCondLst>
-                      <p:childTnLst>
-                        <p:par>
-                          <p:cTn id="37" fill="hold">
-                            <p:stCondLst>
-                              <p:cond delay="0"/>
-                            </p:stCondLst>
-                            <p:childTnLst>
-                              <p:par>
-                                <p:cTn id="38" presetID="10" presetClass="entr" presetSubtype="0" fill="hold" nodeType="clickEffect">
-                                  <p:stCondLst>
-                                    <p:cond delay="0"/>
-                                  </p:stCondLst>
-                                  <p:childTnLst>
-                                    <p:set>
-                                      <p:cBhvr>
-                                        <p:cTn id="39" dur="1" fill="hold">
-                                          <p:stCondLst>
-                                            <p:cond delay="0"/>
-                                          </p:stCondLst>
-                                        </p:cTn>
-                                        <p:tgtEl>
-                                          <p:spTgt spid="6">
-                                            <p:txEl>
-                                              <p:pRg st="0" end="0"/>
-                                            </p:txEl>
-                                          </p:spTgt>
-                                        </p:tgtEl>
-                                        <p:attrNameLst>
-                                          <p:attrName>style.visibility</p:attrName>
-                                        </p:attrNameLst>
-                                      </p:cBhvr>
-                                      <p:to>
-                                        <p:strVal val="visible"/>
-                                      </p:to>
-                                    </p:set>
-                                    <p:animEffect transition="in" filter="fade">
-                                      <p:cBhvr>
-                                        <p:cTn id="40" dur="500"/>
-                                        <p:tgtEl>
-                                          <p:spTgt spid="6">
-                                            <p:txEl>
-                                              <p:pRg st="0" end="0"/>
-                                            </p:txEl>
-                                          </p:spTgt>
-                                        </p:tgtEl>
-                                      </p:cBhvr>
-                                    </p:animEffect>
-                                  </p:childTnLst>
-                                </p:cTn>
-                              </p:par>
-                            </p:childTnLst>
-                          </p:cTn>
-                        </p:par>
-                      </p:childTnLst>
-                    </p:cTn>
-                  </p:par>
-                </p:childTnLst>
-              </p:cTn>
-              <p:prevCondLst>
-                <p:cond evt="onPrev" delay="0">
-                  <p:tgtEl>
-                    <p:sldTgt/>
-                  </p:tgtEl>
-                </p:cond>
-              </p:prevCondLst>
-              <p:nextCondLst>
-                <p:cond evt="onNext" delay="0">
-                  <p:tgtEl>
-                    <p:sldTgt/>
-                  </p:tgtEl>
-                </p:cond>
-              </p:nextCondLst>
-            </p:seq>
-          </p:childTnLst>
-        </p:cTn>
-      </p:par>
-    </p:tnLst>
-    <p:bldLst>
-      <p:bldP spid="5" grpId="0"/>
-    </p:bldLst>
-  </p:timing>
-</p:sld>
-</file>
-
-<file path=ppt/slides/slide21.xml><?xml version="1.0" encoding="utf-8"?>
 <p:sld xmlns:a="http://schemas.openxmlformats.org/drawingml/2006/main" xmlns:r="http://schemas.openxmlformats.org/officeDocument/2006/relationships" xmlns:p="http://schemas.openxmlformats.org/presentationml/2006/main">
   <p:cSld>
     <p:spTree>
@@ -13098,7 +12562,7 @@
 </p:sld>
 </file>
 
-<file path=ppt/slides/slide22.xml><?xml version="1.0" encoding="utf-8"?>
+<file path=ppt/slides/slide21.xml><?xml version="1.0" encoding="utf-8"?>
 <p:sld xmlns:a="http://schemas.openxmlformats.org/drawingml/2006/main" xmlns:r="http://schemas.openxmlformats.org/officeDocument/2006/relationships" xmlns:p="http://schemas.openxmlformats.org/presentationml/2006/main">
   <p:cSld>
     <p:spTree>
@@ -13761,7 +13225,7 @@
 </p:sld>
 </file>
 
-<file path=ppt/slides/slide23.xml><?xml version="1.0" encoding="utf-8"?>
+<file path=ppt/slides/slide22.xml><?xml version="1.0" encoding="utf-8"?>
 <p:sld xmlns:a="http://schemas.openxmlformats.org/drawingml/2006/main" xmlns:r="http://schemas.openxmlformats.org/officeDocument/2006/relationships" xmlns:p="http://schemas.openxmlformats.org/presentationml/2006/main">
   <p:cSld>
     <p:spTree>
@@ -13880,7 +13344,7 @@
 </p:sld>
 </file>
 
-<file path=ppt/slides/slide24.xml><?xml version="1.0" encoding="utf-8"?>
+<file path=ppt/slides/slide23.xml><?xml version="1.0" encoding="utf-8"?>
 <p:sld xmlns:a="http://schemas.openxmlformats.org/drawingml/2006/main" xmlns:r="http://schemas.openxmlformats.org/officeDocument/2006/relationships" xmlns:p="http://schemas.openxmlformats.org/presentationml/2006/main">
   <p:cSld>
     <p:spTree>
@@ -14218,7 +13682,7 @@
 </p:sld>
 </file>
 
-<file path=ppt/slides/slide25.xml><?xml version="1.0" encoding="utf-8"?>
+<file path=ppt/slides/slide24.xml><?xml version="1.0" encoding="utf-8"?>
 <p:sld xmlns:a="http://schemas.openxmlformats.org/drawingml/2006/main" xmlns:r="http://schemas.openxmlformats.org/officeDocument/2006/relationships" xmlns:p="http://schemas.openxmlformats.org/presentationml/2006/main">
   <p:cSld>
     <p:spTree>
@@ -14467,7 +13931,7 @@
 </p:sld>
 </file>
 
-<file path=ppt/slides/slide26.xml><?xml version="1.0" encoding="utf-8"?>
+<file path=ppt/slides/slide25.xml><?xml version="1.0" encoding="utf-8"?>
 <p:sld xmlns:a="http://schemas.openxmlformats.org/drawingml/2006/main" xmlns:r="http://schemas.openxmlformats.org/officeDocument/2006/relationships" xmlns:p="http://schemas.openxmlformats.org/presentationml/2006/main">
   <p:cSld>
     <p:spTree>
@@ -14900,7 +14364,7 @@
 </p:sld>
 </file>
 
-<file path=ppt/slides/slide27.xml><?xml version="1.0" encoding="utf-8"?>
+<file path=ppt/slides/slide26.xml><?xml version="1.0" encoding="utf-8"?>
 <p:sld xmlns:a="http://schemas.openxmlformats.org/drawingml/2006/main" xmlns:r="http://schemas.openxmlformats.org/officeDocument/2006/relationships" xmlns:p="http://schemas.openxmlformats.org/presentationml/2006/main">
   <p:cSld>
     <p:spTree>
@@ -15580,7 +15044,7 @@
 </p:sld>
 </file>
 
-<file path=ppt/slides/slide28.xml><?xml version="1.0" encoding="utf-8"?>
+<file path=ppt/slides/slide27.xml><?xml version="1.0" encoding="utf-8"?>
 <p:sld xmlns:a="http://schemas.openxmlformats.org/drawingml/2006/main" xmlns:r="http://schemas.openxmlformats.org/officeDocument/2006/relationships" xmlns:p="http://schemas.openxmlformats.org/presentationml/2006/main">
   <p:cSld>
     <p:spTree>
@@ -16337,7 +15801,7 @@
 </p:sld>
 </file>
 
-<file path=ppt/slides/slide29.xml><?xml version="1.0" encoding="utf-8"?>
+<file path=ppt/slides/slide28.xml><?xml version="1.0" encoding="utf-8"?>
 <p:sld xmlns:a="http://schemas.openxmlformats.org/drawingml/2006/main" xmlns:r="http://schemas.openxmlformats.org/officeDocument/2006/relationships" xmlns:p="http://schemas.openxmlformats.org/presentationml/2006/main">
   <p:cSld>
     <p:spTree>
@@ -16845,555 +16309,7 @@
 </p:sld>
 </file>
 
-<file path=ppt/slides/slide3.xml><?xml version="1.0" encoding="utf-8"?>
-<p:sld xmlns:a="http://schemas.openxmlformats.org/drawingml/2006/main" xmlns:r="http://schemas.openxmlformats.org/officeDocument/2006/relationships" xmlns:p="http://schemas.openxmlformats.org/presentationml/2006/main">
-  <p:cSld>
-    <p:spTree>
-      <p:nvGrpSpPr>
-        <p:cNvPr id="1" name=""/>
-        <p:cNvGrpSpPr/>
-        <p:nvPr/>
-      </p:nvGrpSpPr>
-      <p:grpSpPr>
-        <a:xfrm>
-          <a:off x="0" y="0"/>
-          <a:ext cx="0" cy="0"/>
-          <a:chOff x="0" y="0"/>
-          <a:chExt cx="0" cy="0"/>
-        </a:xfrm>
-      </p:grpSpPr>
-      <p:sp>
-        <p:nvSpPr>
-          <p:cNvPr id="2" name="Title 1"/>
-          <p:cNvSpPr>
-            <a:spLocks noGrp="1"/>
-          </p:cNvSpPr>
-          <p:nvPr>
-            <p:ph type="title"/>
-          </p:nvPr>
-        </p:nvSpPr>
-        <p:spPr/>
-        <p:txBody>
-          <a:bodyPr/>
-          <a:lstStyle/>
-          <a:p>
-            <a:r>
-              <a:rPr lang="ro-RO" dirty="0" smtClean="0"/>
-              <a:t>Part 1 – Java Introduction</a:t>
-            </a:r>
-            <a:endParaRPr lang="ro-RO" dirty="0"/>
-          </a:p>
-        </p:txBody>
-      </p:sp>
-      <p:sp>
-        <p:nvSpPr>
-          <p:cNvPr id="3" name="Content Placeholder 2"/>
-          <p:cNvSpPr>
-            <a:spLocks noGrp="1"/>
-          </p:cNvSpPr>
-          <p:nvPr>
-            <p:ph idx="1"/>
-          </p:nvPr>
-        </p:nvSpPr>
-        <p:spPr/>
-        <p:txBody>
-          <a:bodyPr>
-            <a:normAutofit/>
-          </a:bodyPr>
-          <a:lstStyle/>
-          <a:p>
-            <a:pPr lvl="1">
-              <a:buFont typeface="Wingdings" panose="05000000000000000000" pitchFamily="2" charset="2"/>
-              <a:buChar char="q"/>
-            </a:pPr>
-            <a:r>
-              <a:rPr lang="ro-RO" sz="2800" dirty="0" smtClean="0"/>
-              <a:t>   About Java</a:t>
-            </a:r>
-          </a:p>
-          <a:p>
-            <a:pPr lvl="1">
-              <a:buFont typeface="Wingdings" panose="05000000000000000000" pitchFamily="2" charset="2"/>
-              <a:buChar char="q"/>
-            </a:pPr>
-            <a:r>
-              <a:rPr lang="ro-RO" sz="2800" dirty="0"/>
-              <a:t> </a:t>
-            </a:r>
-            <a:r>
-              <a:rPr lang="ro-RO" sz="2800" dirty="0" smtClean="0"/>
-              <a:t>  Object Oriented Programming</a:t>
-            </a:r>
-          </a:p>
-          <a:p>
-            <a:pPr lvl="1">
-              <a:buFont typeface="Wingdings" panose="05000000000000000000" pitchFamily="2" charset="2"/>
-              <a:buChar char="q"/>
-            </a:pPr>
-            <a:r>
-              <a:rPr lang="ro-RO" sz="2800" dirty="0"/>
-              <a:t> </a:t>
-            </a:r>
-            <a:r>
-              <a:rPr lang="ro-RO" sz="2800" dirty="0" smtClean="0"/>
-              <a:t>  Collections</a:t>
-            </a:r>
-          </a:p>
-          <a:p>
-            <a:pPr lvl="1">
-              <a:buFont typeface="Wingdings" panose="05000000000000000000" pitchFamily="2" charset="2"/>
-              <a:buChar char="q"/>
-            </a:pPr>
-            <a:r>
-              <a:rPr lang="ro-RO" sz="2800" dirty="0"/>
-              <a:t> </a:t>
-            </a:r>
-            <a:r>
-              <a:rPr lang="ro-RO" sz="2800" dirty="0" smtClean="0"/>
-              <a:t>  Maven – Build Manager</a:t>
-            </a:r>
-          </a:p>
-          <a:p>
-            <a:pPr lvl="1">
-              <a:buFont typeface="Wingdings" panose="05000000000000000000" pitchFamily="2" charset="2"/>
-              <a:buChar char="q"/>
-            </a:pPr>
-            <a:r>
-              <a:rPr lang="ro-RO" sz="2800" dirty="0"/>
-              <a:t> </a:t>
-            </a:r>
-            <a:r>
-              <a:rPr lang="ro-RO" sz="2800" dirty="0" smtClean="0"/>
-              <a:t>  Communication Protocols (REST/SOAP/WS)</a:t>
-            </a:r>
-          </a:p>
-          <a:p>
-            <a:pPr lvl="1">
-              <a:buFont typeface="Wingdings" panose="05000000000000000000" pitchFamily="2" charset="2"/>
-              <a:buChar char="q"/>
-            </a:pPr>
-            <a:r>
-              <a:rPr lang="ro-RO" sz="2800" dirty="0"/>
-              <a:t> </a:t>
-            </a:r>
-            <a:r>
-              <a:rPr lang="ro-RO" sz="2800" dirty="0" smtClean="0"/>
-              <a:t>  Live Coding - application</a:t>
-            </a:r>
-            <a:endParaRPr lang="ro-RO" sz="2800" dirty="0"/>
-          </a:p>
-        </p:txBody>
-      </p:sp>
-    </p:spTree>
-    <p:extLst>
-      <p:ext uri="{BB962C8B-B14F-4D97-AF65-F5344CB8AC3E}">
-        <p14:creationId xmlns:p14="http://schemas.microsoft.com/office/powerpoint/2010/main" val="480539234"/>
-      </p:ext>
-    </p:extLst>
-  </p:cSld>
-  <p:clrMapOvr>
-    <a:masterClrMapping/>
-  </p:clrMapOvr>
-  <p:timing>
-    <p:tnLst>
-      <p:par>
-        <p:cTn id="1" dur="indefinite" restart="never" nodeType="tmRoot">
-          <p:childTnLst>
-            <p:seq concurrent="1" nextAc="seek">
-              <p:cTn id="2" dur="indefinite" nodeType="mainSeq">
-                <p:childTnLst>
-                  <p:par>
-                    <p:cTn id="3" fill="hold">
-                      <p:stCondLst>
-                        <p:cond delay="indefinite"/>
-                      </p:stCondLst>
-                      <p:childTnLst>
-                        <p:par>
-                          <p:cTn id="4" fill="hold">
-                            <p:stCondLst>
-                              <p:cond delay="0"/>
-                            </p:stCondLst>
-                            <p:childTnLst>
-                              <p:par>
-                                <p:cTn id="5" presetID="10" presetClass="entr" presetSubtype="0" fill="hold" nodeType="clickEffect">
-                                  <p:stCondLst>
-                                    <p:cond delay="0"/>
-                                  </p:stCondLst>
-                                  <p:childTnLst>
-                                    <p:set>
-                                      <p:cBhvr>
-                                        <p:cTn id="6" dur="1" fill="hold">
-                                          <p:stCondLst>
-                                            <p:cond delay="0"/>
-                                          </p:stCondLst>
-                                        </p:cTn>
-                                        <p:tgtEl>
-                                          <p:spTgt spid="3">
-                                            <p:txEl>
-                                              <p:pRg st="0" end="0"/>
-                                            </p:txEl>
-                                          </p:spTgt>
-                                        </p:tgtEl>
-                                        <p:attrNameLst>
-                                          <p:attrName>style.visibility</p:attrName>
-                                        </p:attrNameLst>
-                                      </p:cBhvr>
-                                      <p:to>
-                                        <p:strVal val="visible"/>
-                                      </p:to>
-                                    </p:set>
-                                    <p:animEffect transition="in" filter="fade">
-                                      <p:cBhvr>
-                                        <p:cTn id="7" dur="500"/>
-                                        <p:tgtEl>
-                                          <p:spTgt spid="3">
-                                            <p:txEl>
-                                              <p:pRg st="0" end="0"/>
-                                            </p:txEl>
-                                          </p:spTgt>
-                                        </p:tgtEl>
-                                      </p:cBhvr>
-                                    </p:animEffect>
-                                  </p:childTnLst>
-                                </p:cTn>
-                              </p:par>
-                            </p:childTnLst>
-                          </p:cTn>
-                        </p:par>
-                      </p:childTnLst>
-                    </p:cTn>
-                  </p:par>
-                  <p:par>
-                    <p:cTn id="8" fill="hold">
-                      <p:stCondLst>
-                        <p:cond delay="indefinite"/>
-                      </p:stCondLst>
-                      <p:childTnLst>
-                        <p:par>
-                          <p:cTn id="9" fill="hold">
-                            <p:stCondLst>
-                              <p:cond delay="0"/>
-                            </p:stCondLst>
-                            <p:childTnLst>
-                              <p:par>
-                                <p:cTn id="10" presetID="10" presetClass="entr" presetSubtype="0" fill="hold" nodeType="clickEffect">
-                                  <p:stCondLst>
-                                    <p:cond delay="0"/>
-                                  </p:stCondLst>
-                                  <p:childTnLst>
-                                    <p:set>
-                                      <p:cBhvr>
-                                        <p:cTn id="11" dur="1" fill="hold">
-                                          <p:stCondLst>
-                                            <p:cond delay="0"/>
-                                          </p:stCondLst>
-                                        </p:cTn>
-                                        <p:tgtEl>
-                                          <p:spTgt spid="3">
-                                            <p:txEl>
-                                              <p:pRg st="1" end="1"/>
-                                            </p:txEl>
-                                          </p:spTgt>
-                                        </p:tgtEl>
-                                        <p:attrNameLst>
-                                          <p:attrName>style.visibility</p:attrName>
-                                        </p:attrNameLst>
-                                      </p:cBhvr>
-                                      <p:to>
-                                        <p:strVal val="visible"/>
-                                      </p:to>
-                                    </p:set>
-                                    <p:animEffect transition="in" filter="fade">
-                                      <p:cBhvr>
-                                        <p:cTn id="12" dur="500"/>
-                                        <p:tgtEl>
-                                          <p:spTgt spid="3">
-                                            <p:txEl>
-                                              <p:pRg st="1" end="1"/>
-                                            </p:txEl>
-                                          </p:spTgt>
-                                        </p:tgtEl>
-                                      </p:cBhvr>
-                                    </p:animEffect>
-                                  </p:childTnLst>
-                                </p:cTn>
-                              </p:par>
-                            </p:childTnLst>
-                          </p:cTn>
-                        </p:par>
-                      </p:childTnLst>
-                    </p:cTn>
-                  </p:par>
-                  <p:par>
-                    <p:cTn id="13" fill="hold">
-                      <p:stCondLst>
-                        <p:cond delay="indefinite"/>
-                      </p:stCondLst>
-                      <p:childTnLst>
-                        <p:par>
-                          <p:cTn id="14" fill="hold">
-                            <p:stCondLst>
-                              <p:cond delay="0"/>
-                            </p:stCondLst>
-                            <p:childTnLst>
-                              <p:par>
-                                <p:cTn id="15" presetID="10" presetClass="entr" presetSubtype="0" fill="hold" nodeType="clickEffect">
-                                  <p:stCondLst>
-                                    <p:cond delay="0"/>
-                                  </p:stCondLst>
-                                  <p:childTnLst>
-                                    <p:set>
-                                      <p:cBhvr>
-                                        <p:cTn id="16" dur="1" fill="hold">
-                                          <p:stCondLst>
-                                            <p:cond delay="0"/>
-                                          </p:stCondLst>
-                                        </p:cTn>
-                                        <p:tgtEl>
-                                          <p:spTgt spid="3">
-                                            <p:txEl>
-                                              <p:pRg st="2" end="2"/>
-                                            </p:txEl>
-                                          </p:spTgt>
-                                        </p:tgtEl>
-                                        <p:attrNameLst>
-                                          <p:attrName>style.visibility</p:attrName>
-                                        </p:attrNameLst>
-                                      </p:cBhvr>
-                                      <p:to>
-                                        <p:strVal val="visible"/>
-                                      </p:to>
-                                    </p:set>
-                                    <p:animEffect transition="in" filter="fade">
-                                      <p:cBhvr>
-                                        <p:cTn id="17" dur="500"/>
-                                        <p:tgtEl>
-                                          <p:spTgt spid="3">
-                                            <p:txEl>
-                                              <p:pRg st="2" end="2"/>
-                                            </p:txEl>
-                                          </p:spTgt>
-                                        </p:tgtEl>
-                                      </p:cBhvr>
-                                    </p:animEffect>
-                                  </p:childTnLst>
-                                </p:cTn>
-                              </p:par>
-                            </p:childTnLst>
-                          </p:cTn>
-                        </p:par>
-                      </p:childTnLst>
-                    </p:cTn>
-                  </p:par>
-                  <p:par>
-                    <p:cTn id="18" fill="hold">
-                      <p:stCondLst>
-                        <p:cond delay="indefinite"/>
-                      </p:stCondLst>
-                      <p:childTnLst>
-                        <p:par>
-                          <p:cTn id="19" fill="hold">
-                            <p:stCondLst>
-                              <p:cond delay="0"/>
-                            </p:stCondLst>
-                            <p:childTnLst>
-                              <p:par>
-                                <p:cTn id="20" presetID="10" presetClass="entr" presetSubtype="0" fill="hold" nodeType="clickEffect">
-                                  <p:stCondLst>
-                                    <p:cond delay="0"/>
-                                  </p:stCondLst>
-                                  <p:childTnLst>
-                                    <p:set>
-                                      <p:cBhvr>
-                                        <p:cTn id="21" dur="1" fill="hold">
-                                          <p:stCondLst>
-                                            <p:cond delay="0"/>
-                                          </p:stCondLst>
-                                        </p:cTn>
-                                        <p:tgtEl>
-                                          <p:spTgt spid="3">
-                                            <p:txEl>
-                                              <p:pRg st="3" end="3"/>
-                                            </p:txEl>
-                                          </p:spTgt>
-                                        </p:tgtEl>
-                                        <p:attrNameLst>
-                                          <p:attrName>style.visibility</p:attrName>
-                                        </p:attrNameLst>
-                                      </p:cBhvr>
-                                      <p:to>
-                                        <p:strVal val="visible"/>
-                                      </p:to>
-                                    </p:set>
-                                    <p:animEffect transition="in" filter="fade">
-                                      <p:cBhvr>
-                                        <p:cTn id="22" dur="500"/>
-                                        <p:tgtEl>
-                                          <p:spTgt spid="3">
-                                            <p:txEl>
-                                              <p:pRg st="3" end="3"/>
-                                            </p:txEl>
-                                          </p:spTgt>
-                                        </p:tgtEl>
-                                      </p:cBhvr>
-                                    </p:animEffect>
-                                  </p:childTnLst>
-                                </p:cTn>
-                              </p:par>
-                            </p:childTnLst>
-                          </p:cTn>
-                        </p:par>
-                      </p:childTnLst>
-                    </p:cTn>
-                  </p:par>
-                  <p:par>
-                    <p:cTn id="23" fill="hold">
-                      <p:stCondLst>
-                        <p:cond delay="indefinite"/>
-                      </p:stCondLst>
-                      <p:childTnLst>
-                        <p:par>
-                          <p:cTn id="24" fill="hold">
-                            <p:stCondLst>
-                              <p:cond delay="0"/>
-                            </p:stCondLst>
-                            <p:childTnLst>
-                              <p:par>
-                                <p:cTn id="25" presetID="10" presetClass="entr" presetSubtype="0" fill="hold" nodeType="clickEffect">
-                                  <p:stCondLst>
-                                    <p:cond delay="0"/>
-                                  </p:stCondLst>
-                                  <p:childTnLst>
-                                    <p:set>
-                                      <p:cBhvr>
-                                        <p:cTn id="26" dur="1" fill="hold">
-                                          <p:stCondLst>
-                                            <p:cond delay="0"/>
-                                          </p:stCondLst>
-                                        </p:cTn>
-                                        <p:tgtEl>
-                                          <p:spTgt spid="3">
-                                            <p:txEl>
-                                              <p:pRg st="4" end="4"/>
-                                            </p:txEl>
-                                          </p:spTgt>
-                                        </p:tgtEl>
-                                        <p:attrNameLst>
-                                          <p:attrName>style.visibility</p:attrName>
-                                        </p:attrNameLst>
-                                      </p:cBhvr>
-                                      <p:to>
-                                        <p:strVal val="visible"/>
-                                      </p:to>
-                                    </p:set>
-                                    <p:animEffect transition="in" filter="fade">
-                                      <p:cBhvr>
-                                        <p:cTn id="27" dur="500"/>
-                                        <p:tgtEl>
-                                          <p:spTgt spid="3">
-                                            <p:txEl>
-                                              <p:pRg st="4" end="4"/>
-                                            </p:txEl>
-                                          </p:spTgt>
-                                        </p:tgtEl>
-                                      </p:cBhvr>
-                                    </p:animEffect>
-                                  </p:childTnLst>
-                                </p:cTn>
-                              </p:par>
-                            </p:childTnLst>
-                          </p:cTn>
-                        </p:par>
-                      </p:childTnLst>
-                    </p:cTn>
-                  </p:par>
-                  <p:par>
-                    <p:cTn id="28" fill="hold">
-                      <p:stCondLst>
-                        <p:cond delay="indefinite"/>
-                      </p:stCondLst>
-                      <p:childTnLst>
-                        <p:par>
-                          <p:cTn id="29" fill="hold">
-                            <p:stCondLst>
-                              <p:cond delay="0"/>
-                            </p:stCondLst>
-                            <p:childTnLst>
-                              <p:par>
-                                <p:cTn id="30" presetID="10" presetClass="entr" presetSubtype="0" fill="hold" nodeType="clickEffect">
-                                  <p:stCondLst>
-                                    <p:cond delay="0"/>
-                                  </p:stCondLst>
-                                  <p:childTnLst>
-                                    <p:set>
-                                      <p:cBhvr>
-                                        <p:cTn id="31" dur="1" fill="hold">
-                                          <p:stCondLst>
-                                            <p:cond delay="0"/>
-                                          </p:stCondLst>
-                                        </p:cTn>
-                                        <p:tgtEl>
-                                          <p:spTgt spid="3">
-                                            <p:txEl>
-                                              <p:pRg st="5" end="5"/>
-                                            </p:txEl>
-                                          </p:spTgt>
-                                        </p:tgtEl>
-                                        <p:attrNameLst>
-                                          <p:attrName>style.visibility</p:attrName>
-                                        </p:attrNameLst>
-                                      </p:cBhvr>
-                                      <p:to>
-                                        <p:strVal val="visible"/>
-                                      </p:to>
-                                    </p:set>
-                                    <p:animEffect transition="in" filter="fade">
-                                      <p:cBhvr>
-                                        <p:cTn id="32" dur="500"/>
-                                        <p:tgtEl>
-                                          <p:spTgt spid="3">
-                                            <p:txEl>
-                                              <p:pRg st="5" end="5"/>
-                                            </p:txEl>
-                                          </p:spTgt>
-                                        </p:tgtEl>
-                                      </p:cBhvr>
-                                    </p:animEffect>
-                                  </p:childTnLst>
-                                </p:cTn>
-                              </p:par>
-                            </p:childTnLst>
-                          </p:cTn>
-                        </p:par>
-                      </p:childTnLst>
-                    </p:cTn>
-                  </p:par>
-                </p:childTnLst>
-              </p:cTn>
-              <p:prevCondLst>
-                <p:cond evt="onPrev" delay="0">
-                  <p:tgtEl>
-                    <p:sldTgt/>
-                  </p:tgtEl>
-                </p:cond>
-              </p:prevCondLst>
-              <p:nextCondLst>
-                <p:cond evt="onNext" delay="0">
-                  <p:tgtEl>
-                    <p:sldTgt/>
-                  </p:tgtEl>
-                </p:cond>
-              </p:nextCondLst>
-            </p:seq>
-          </p:childTnLst>
-        </p:cTn>
-      </p:par>
-    </p:tnLst>
-  </p:timing>
-</p:sld>
-</file>
-
-<file path=ppt/slides/slide30.xml><?xml version="1.0" encoding="utf-8"?>
+<file path=ppt/slides/slide29.xml><?xml version="1.0" encoding="utf-8"?>
 <p:sld xmlns:a="http://schemas.openxmlformats.org/drawingml/2006/main" xmlns:r="http://schemas.openxmlformats.org/officeDocument/2006/relationships" xmlns:p="http://schemas.openxmlformats.org/presentationml/2006/main">
   <p:cSld>
     <p:spTree>
@@ -17737,7 +16653,127 @@
 </p:sld>
 </file>
 
-<file path=ppt/slides/slide31.xml><?xml version="1.0" encoding="utf-8"?>
+<file path=ppt/slides/slide3.xml><?xml version="1.0" encoding="utf-8"?>
+<p:sld xmlns:a="http://schemas.openxmlformats.org/drawingml/2006/main" xmlns:r="http://schemas.openxmlformats.org/officeDocument/2006/relationships" xmlns:p="http://schemas.openxmlformats.org/presentationml/2006/main">
+  <p:cSld>
+    <p:spTree>
+      <p:nvGrpSpPr>
+        <p:cNvPr id="1" name=""/>
+        <p:cNvGrpSpPr/>
+        <p:nvPr/>
+      </p:nvGrpSpPr>
+      <p:grpSpPr>
+        <a:xfrm>
+          <a:off x="0" y="0"/>
+          <a:ext cx="0" cy="0"/>
+          <a:chOff x="0" y="0"/>
+          <a:chExt cx="0" cy="0"/>
+        </a:xfrm>
+      </p:grpSpPr>
+      <p:sp>
+        <p:nvSpPr>
+          <p:cNvPr id="2" name="Title 1"/>
+          <p:cNvSpPr>
+            <a:spLocks noGrp="1"/>
+          </p:cNvSpPr>
+          <p:nvPr>
+            <p:ph type="title"/>
+          </p:nvPr>
+        </p:nvSpPr>
+        <p:spPr/>
+        <p:txBody>
+          <a:bodyPr/>
+          <a:lstStyle/>
+          <a:p>
+            <a:r>
+              <a:rPr lang="ro-RO" dirty="0" smtClean="0"/>
+              <a:t>Before we start</a:t>
+            </a:r>
+            <a:endParaRPr lang="ro-RO" dirty="0"/>
+          </a:p>
+        </p:txBody>
+      </p:sp>
+      <p:sp>
+        <p:nvSpPr>
+          <p:cNvPr id="3" name="Content Placeholder 2"/>
+          <p:cNvSpPr>
+            <a:spLocks noGrp="1"/>
+          </p:cNvSpPr>
+          <p:nvPr>
+            <p:ph idx="1"/>
+          </p:nvPr>
+        </p:nvSpPr>
+        <p:spPr/>
+        <p:txBody>
+          <a:bodyPr/>
+          <a:lstStyle/>
+          <a:p>
+            <a:pPr marL="0" indent="0" algn="ctr">
+              <a:buNone/>
+            </a:pPr>
+            <a:endParaRPr lang="ro-RO" dirty="0"/>
+          </a:p>
+          <a:p>
+            <a:pPr algn="ctr"/>
+            <a:r>
+              <a:rPr lang="ro-RO" sz="3600" dirty="0" smtClean="0"/>
+              <a:t>CODING EXPERIENCE?</a:t>
+            </a:r>
+            <a:endParaRPr lang="ro-RO" sz="3600" dirty="0"/>
+          </a:p>
+        </p:txBody>
+      </p:sp>
+      <p:pic>
+        <p:nvPicPr>
+          <p:cNvPr id="4" name="Picture 3"/>
+          <p:cNvPicPr>
+            <a:picLocks noChangeAspect="1"/>
+          </p:cNvPicPr>
+          <p:nvPr/>
+        </p:nvPicPr>
+        <p:blipFill>
+          <a:blip r:embed="rId2">
+            <a:extLst>
+              <a:ext uri="{28A0092B-C50C-407E-A947-70E740481C1C}">
+                <a14:useLocalDpi xmlns:a14="http://schemas.microsoft.com/office/drawing/2010/main" val="0"/>
+              </a:ext>
+            </a:extLst>
+          </a:blip>
+          <a:stretch>
+            <a:fillRect/>
+          </a:stretch>
+        </p:blipFill>
+        <p:spPr>
+          <a:xfrm>
+            <a:off x="4040505" y="3118900"/>
+            <a:ext cx="4171950" cy="2371725"/>
+          </a:xfrm>
+          <a:prstGeom prst="rect">
+            <a:avLst/>
+          </a:prstGeom>
+        </p:spPr>
+      </p:pic>
+    </p:spTree>
+    <p:extLst>
+      <p:ext uri="{BB962C8B-B14F-4D97-AF65-F5344CB8AC3E}">
+        <p14:creationId xmlns:p14="http://schemas.microsoft.com/office/powerpoint/2010/main" val="1821553918"/>
+      </p:ext>
+    </p:extLst>
+  </p:cSld>
+  <p:clrMapOvr>
+    <a:masterClrMapping/>
+  </p:clrMapOvr>
+  <p:timing>
+    <p:tnLst>
+      <p:par>
+        <p:cTn id="1" dur="indefinite" restart="never" nodeType="tmRoot"/>
+      </p:par>
+    </p:tnLst>
+  </p:timing>
+</p:sld>
+</file>
+
+<file path=ppt/slides/slide30.xml><?xml version="1.0" encoding="utf-8"?>
 <p:sld xmlns:a="http://schemas.openxmlformats.org/drawingml/2006/main" xmlns:r="http://schemas.openxmlformats.org/officeDocument/2006/relationships" xmlns:p="http://schemas.openxmlformats.org/presentationml/2006/main">
   <p:cSld>
     <p:spTree>
@@ -17903,7 +16939,7 @@
 </p:sld>
 </file>
 
-<file path=ppt/slides/slide32.xml><?xml version="1.0" encoding="utf-8"?>
+<file path=ppt/slides/slide31.xml><?xml version="1.0" encoding="utf-8"?>
 <p:sld xmlns:a="http://schemas.openxmlformats.org/drawingml/2006/main" xmlns:r="http://schemas.openxmlformats.org/officeDocument/2006/relationships" xmlns:p="http://schemas.openxmlformats.org/presentationml/2006/main">
   <p:cSld>
     <p:spTree>
@@ -18144,7 +17180,7 @@
 </p:sld>
 </file>
 
-<file path=ppt/slides/slide33.xml><?xml version="1.0" encoding="utf-8"?>
+<file path=ppt/slides/slide32.xml><?xml version="1.0" encoding="utf-8"?>
 <p:sld xmlns:a="http://schemas.openxmlformats.org/drawingml/2006/main" xmlns:r="http://schemas.openxmlformats.org/officeDocument/2006/relationships" xmlns:p="http://schemas.openxmlformats.org/presentationml/2006/main">
   <p:cSld>
     <p:spTree>
@@ -18375,7 +17411,7 @@
 </p:sld>
 </file>
 
-<file path=ppt/slides/slide34.xml><?xml version="1.0" encoding="utf-8"?>
+<file path=ppt/slides/slide33.xml><?xml version="1.0" encoding="utf-8"?>
 <p:sld xmlns:a="http://schemas.openxmlformats.org/drawingml/2006/main" xmlns:r="http://schemas.openxmlformats.org/officeDocument/2006/relationships" xmlns:p="http://schemas.openxmlformats.org/presentationml/2006/main">
   <p:cSld>
     <p:spTree>
@@ -18758,7 +17794,7 @@
 </p:sld>
 </file>
 
-<file path=ppt/slides/slide35.xml><?xml version="1.0" encoding="utf-8"?>
+<file path=ppt/slides/slide34.xml><?xml version="1.0" encoding="utf-8"?>
 <p:sld xmlns:a="http://schemas.openxmlformats.org/drawingml/2006/main" xmlns:r="http://schemas.openxmlformats.org/officeDocument/2006/relationships" xmlns:p="http://schemas.openxmlformats.org/presentationml/2006/main">
   <p:cSld>
     <p:spTree>
@@ -19029,7 +18065,7 @@
 </p:sld>
 </file>
 
-<file path=ppt/slides/slide36.xml><?xml version="1.0" encoding="utf-8"?>
+<file path=ppt/slides/slide35.xml><?xml version="1.0" encoding="utf-8"?>
 <p:sld xmlns:a="http://schemas.openxmlformats.org/drawingml/2006/main" xmlns:r="http://schemas.openxmlformats.org/officeDocument/2006/relationships" xmlns:p="http://schemas.openxmlformats.org/presentationml/2006/main">
   <p:cSld>
     <p:spTree>
@@ -19195,7 +18231,7 @@
 </p:sld>
 </file>
 
-<file path=ppt/slides/slide37.xml><?xml version="1.0" encoding="utf-8"?>
+<file path=ppt/slides/slide36.xml><?xml version="1.0" encoding="utf-8"?>
 <p:sld xmlns:a="http://schemas.openxmlformats.org/drawingml/2006/main" xmlns:r="http://schemas.openxmlformats.org/officeDocument/2006/relationships" xmlns:p="http://schemas.openxmlformats.org/presentationml/2006/main">
   <p:cSld>
     <p:spTree>
@@ -19407,126 +18443,6 @@
           <a:p>
             <a:r>
               <a:rPr lang="ro-RO" dirty="0" smtClean="0"/>
-              <a:t>Before we start</a:t>
-            </a:r>
-            <a:endParaRPr lang="ro-RO" dirty="0"/>
-          </a:p>
-        </p:txBody>
-      </p:sp>
-      <p:sp>
-        <p:nvSpPr>
-          <p:cNvPr id="3" name="Content Placeholder 2"/>
-          <p:cNvSpPr>
-            <a:spLocks noGrp="1"/>
-          </p:cNvSpPr>
-          <p:nvPr>
-            <p:ph idx="1"/>
-          </p:nvPr>
-        </p:nvSpPr>
-        <p:spPr/>
-        <p:txBody>
-          <a:bodyPr/>
-          <a:lstStyle/>
-          <a:p>
-            <a:pPr marL="0" indent="0" algn="ctr">
-              <a:buNone/>
-            </a:pPr>
-            <a:endParaRPr lang="ro-RO" dirty="0"/>
-          </a:p>
-          <a:p>
-            <a:pPr algn="ctr"/>
-            <a:r>
-              <a:rPr lang="ro-RO" sz="3600" dirty="0" smtClean="0"/>
-              <a:t>CODING EXPERIENCE?</a:t>
-            </a:r>
-            <a:endParaRPr lang="ro-RO" sz="3600" dirty="0"/>
-          </a:p>
-        </p:txBody>
-      </p:sp>
-      <p:pic>
-        <p:nvPicPr>
-          <p:cNvPr id="4" name="Picture 3"/>
-          <p:cNvPicPr>
-            <a:picLocks noChangeAspect="1"/>
-          </p:cNvPicPr>
-          <p:nvPr/>
-        </p:nvPicPr>
-        <p:blipFill>
-          <a:blip r:embed="rId2">
-            <a:extLst>
-              <a:ext uri="{28A0092B-C50C-407E-A947-70E740481C1C}">
-                <a14:useLocalDpi xmlns:a14="http://schemas.microsoft.com/office/drawing/2010/main" val="0"/>
-              </a:ext>
-            </a:extLst>
-          </a:blip>
-          <a:stretch>
-            <a:fillRect/>
-          </a:stretch>
-        </p:blipFill>
-        <p:spPr>
-          <a:xfrm>
-            <a:off x="4040505" y="3118900"/>
-            <a:ext cx="4171950" cy="2371725"/>
-          </a:xfrm>
-          <a:prstGeom prst="rect">
-            <a:avLst/>
-          </a:prstGeom>
-        </p:spPr>
-      </p:pic>
-    </p:spTree>
-    <p:extLst>
-      <p:ext uri="{BB962C8B-B14F-4D97-AF65-F5344CB8AC3E}">
-        <p14:creationId xmlns:p14="http://schemas.microsoft.com/office/powerpoint/2010/main" val="1821553918"/>
-      </p:ext>
-    </p:extLst>
-  </p:cSld>
-  <p:clrMapOvr>
-    <a:masterClrMapping/>
-  </p:clrMapOvr>
-  <p:timing>
-    <p:tnLst>
-      <p:par>
-        <p:cTn id="1" dur="indefinite" restart="never" nodeType="tmRoot"/>
-      </p:par>
-    </p:tnLst>
-  </p:timing>
-</p:sld>
-</file>
-
-<file path=ppt/slides/slide5.xml><?xml version="1.0" encoding="utf-8"?>
-<p:sld xmlns:a="http://schemas.openxmlformats.org/drawingml/2006/main" xmlns:r="http://schemas.openxmlformats.org/officeDocument/2006/relationships" xmlns:p="http://schemas.openxmlformats.org/presentationml/2006/main">
-  <p:cSld>
-    <p:spTree>
-      <p:nvGrpSpPr>
-        <p:cNvPr id="1" name=""/>
-        <p:cNvGrpSpPr/>
-        <p:nvPr/>
-      </p:nvGrpSpPr>
-      <p:grpSpPr>
-        <a:xfrm>
-          <a:off x="0" y="0"/>
-          <a:ext cx="0" cy="0"/>
-          <a:chOff x="0" y="0"/>
-          <a:chExt cx="0" cy="0"/>
-        </a:xfrm>
-      </p:grpSpPr>
-      <p:sp>
-        <p:nvSpPr>
-          <p:cNvPr id="2" name="Title 1"/>
-          <p:cNvSpPr>
-            <a:spLocks noGrp="1"/>
-          </p:cNvSpPr>
-          <p:nvPr>
-            <p:ph type="title"/>
-          </p:nvPr>
-        </p:nvSpPr>
-        <p:spPr/>
-        <p:txBody>
-          <a:bodyPr/>
-          <a:lstStyle/>
-          <a:p>
-            <a:r>
-              <a:rPr lang="ro-RO" dirty="0" smtClean="0"/>
               <a:t>Java Introduction</a:t>
             </a:r>
             <a:endParaRPr lang="ro-RO" dirty="0"/>
@@ -20242,7 +19158,7 @@
 </p:sld>
 </file>
 
-<file path=ppt/slides/slide6.xml><?xml version="1.0" encoding="utf-8"?>
+<file path=ppt/slides/slide5.xml><?xml version="1.0" encoding="utf-8"?>
 <p:sld xmlns:a="http://schemas.openxmlformats.org/drawingml/2006/main" xmlns:r="http://schemas.openxmlformats.org/officeDocument/2006/relationships" xmlns:p="http://schemas.openxmlformats.org/presentationml/2006/main">
   <p:cSld>
     <p:spTree>
@@ -20860,7 +19776,7 @@
 </p:sld>
 </file>
 
-<file path=ppt/slides/slide7.xml><?xml version="1.0" encoding="utf-8"?>
+<file path=ppt/slides/slide6.xml><?xml version="1.0" encoding="utf-8"?>
 <p:sld xmlns:a="http://schemas.openxmlformats.org/drawingml/2006/main" xmlns:r="http://schemas.openxmlformats.org/officeDocument/2006/relationships" xmlns:p="http://schemas.openxmlformats.org/presentationml/2006/main">
   <p:cSld>
     <p:spTree>
@@ -21560,7 +20476,7 @@
 </p:sld>
 </file>
 
-<file path=ppt/slides/slide8.xml><?xml version="1.0" encoding="utf-8"?>
+<file path=ppt/slides/slide7.xml><?xml version="1.0" encoding="utf-8"?>
 <p:sld xmlns:a="http://schemas.openxmlformats.org/drawingml/2006/main" xmlns:r="http://schemas.openxmlformats.org/officeDocument/2006/relationships" xmlns:p="http://schemas.openxmlformats.org/presentationml/2006/main">
   <p:cSld>
     <p:spTree>
@@ -22441,7 +21357,7 @@
 </p:sld>
 </file>
 
-<file path=ppt/slides/slide9.xml><?xml version="1.0" encoding="utf-8"?>
+<file path=ppt/slides/slide8.xml><?xml version="1.0" encoding="utf-8"?>
 <p:sld xmlns:a="http://schemas.openxmlformats.org/drawingml/2006/main" xmlns:r="http://schemas.openxmlformats.org/officeDocument/2006/relationships" xmlns:p="http://schemas.openxmlformats.org/presentationml/2006/main">
   <p:cSld>
     <p:spTree>
@@ -22858,6 +21774,507 @@
     <p:bldLst>
       <p:bldP spid="4" grpId="0" animBg="1"/>
       <p:bldP spid="5" grpId="0" animBg="1"/>
+    </p:bldLst>
+  </p:timing>
+</p:sld>
+</file>
+
+<file path=ppt/slides/slide9.xml><?xml version="1.0" encoding="utf-8"?>
+<p:sld xmlns:a="http://schemas.openxmlformats.org/drawingml/2006/main" xmlns:r="http://schemas.openxmlformats.org/officeDocument/2006/relationships" xmlns:p="http://schemas.openxmlformats.org/presentationml/2006/main">
+  <p:cSld>
+    <p:spTree>
+      <p:nvGrpSpPr>
+        <p:cNvPr id="1" name=""/>
+        <p:cNvGrpSpPr/>
+        <p:nvPr/>
+      </p:nvGrpSpPr>
+      <p:grpSpPr>
+        <a:xfrm>
+          <a:off x="0" y="0"/>
+          <a:ext cx="0" cy="0"/>
+          <a:chOff x="0" y="0"/>
+          <a:chExt cx="0" cy="0"/>
+        </a:xfrm>
+      </p:grpSpPr>
+      <p:sp>
+        <p:nvSpPr>
+          <p:cNvPr id="2" name="Title 1"/>
+          <p:cNvSpPr>
+            <a:spLocks noGrp="1"/>
+          </p:cNvSpPr>
+          <p:nvPr>
+            <p:ph type="title"/>
+          </p:nvPr>
+        </p:nvSpPr>
+        <p:spPr/>
+        <p:txBody>
+          <a:bodyPr/>
+          <a:lstStyle/>
+          <a:p>
+            <a:r>
+              <a:rPr lang="ro-RO" dirty="0" smtClean="0"/>
+              <a:t>Imagination exercise</a:t>
+            </a:r>
+            <a:endParaRPr lang="ro-RO" dirty="0"/>
+          </a:p>
+        </p:txBody>
+      </p:sp>
+      <p:pic>
+        <p:nvPicPr>
+          <p:cNvPr id="5" name="Content Placeholder 4"/>
+          <p:cNvPicPr>
+            <a:picLocks noGrp="1" noChangeAspect="1"/>
+          </p:cNvPicPr>
+          <p:nvPr>
+            <p:ph idx="1"/>
+          </p:nvPr>
+        </p:nvPicPr>
+        <p:blipFill>
+          <a:blip r:embed="rId2">
+            <a:extLst>
+              <a:ext uri="{28A0092B-C50C-407E-A947-70E740481C1C}">
+                <a14:useLocalDpi xmlns:a14="http://schemas.microsoft.com/office/drawing/2010/main" val="0"/>
+              </a:ext>
+            </a:extLst>
+          </a:blip>
+          <a:stretch>
+            <a:fillRect/>
+          </a:stretch>
+        </p:blipFill>
+        <p:spPr>
+          <a:xfrm>
+            <a:off x="3902625" y="2890472"/>
+            <a:ext cx="2987552" cy="1324481"/>
+          </a:xfrm>
+        </p:spPr>
+      </p:pic>
+      <p:sp>
+        <p:nvSpPr>
+          <p:cNvPr id="4" name="Cloud Callout 3"/>
+          <p:cNvSpPr/>
+          <p:nvPr/>
+        </p:nvSpPr>
+        <p:spPr>
+          <a:xfrm>
+            <a:off x="3013685" y="1901166"/>
+            <a:ext cx="4765432" cy="3303094"/>
+          </a:xfrm>
+          <a:prstGeom prst="cloudCallout">
+            <a:avLst/>
+          </a:prstGeom>
+          <a:noFill/>
+        </p:spPr>
+        <p:style>
+          <a:lnRef idx="2">
+            <a:schemeClr val="accent1">
+              <a:shade val="50000"/>
+            </a:schemeClr>
+          </a:lnRef>
+          <a:fillRef idx="1">
+            <a:schemeClr val="accent1"/>
+          </a:fillRef>
+          <a:effectRef idx="0">
+            <a:schemeClr val="accent1"/>
+          </a:effectRef>
+          <a:fontRef idx="minor">
+            <a:schemeClr val="lt1"/>
+          </a:fontRef>
+        </p:style>
+        <p:txBody>
+          <a:bodyPr rtlCol="0" anchor="ctr"/>
+          <a:lstStyle/>
+          <a:p>
+            <a:pPr algn="ctr"/>
+            <a:endParaRPr lang="ro-RO"/>
+          </a:p>
+        </p:txBody>
+      </p:sp>
+      <p:sp>
+        <p:nvSpPr>
+          <p:cNvPr id="7" name="Rectangle 6"/>
+          <p:cNvSpPr/>
+          <p:nvPr/>
+        </p:nvSpPr>
+        <p:spPr>
+          <a:xfrm>
+            <a:off x="8188651" y="3569772"/>
+            <a:ext cx="2158348" cy="369332"/>
+          </a:xfrm>
+          <a:prstGeom prst="rect">
+            <a:avLst/>
+          </a:prstGeom>
+        </p:spPr>
+        <p:txBody>
+          <a:bodyPr wrap="none">
+            <a:spAutoFit/>
+          </a:bodyPr>
+          <a:lstStyle/>
+          <a:p>
+            <a:r>
+              <a:rPr lang="ro-RO" b="1" dirty="0"/>
+              <a:t>HOW IS THIS MADE?</a:t>
+            </a:r>
+          </a:p>
+        </p:txBody>
+      </p:sp>
+      <p:sp>
+        <p:nvSpPr>
+          <p:cNvPr id="8" name="TextBox 7"/>
+          <p:cNvSpPr txBox="1"/>
+          <p:nvPr/>
+        </p:nvSpPr>
+        <p:spPr>
+          <a:xfrm>
+            <a:off x="8188651" y="4405745"/>
+            <a:ext cx="1931554" cy="369332"/>
+          </a:xfrm>
+          <a:prstGeom prst="rect">
+            <a:avLst/>
+          </a:prstGeom>
+          <a:noFill/>
+        </p:spPr>
+        <p:txBody>
+          <a:bodyPr wrap="none" rtlCol="0">
+            <a:spAutoFit/>
+          </a:bodyPr>
+          <a:lstStyle/>
+          <a:p>
+            <a:r>
+              <a:rPr lang="ro-RO" b="1" dirty="0" smtClean="0"/>
+              <a:t>WHAT CAN IT DO?</a:t>
+            </a:r>
+            <a:endParaRPr lang="ro-RO" b="1" dirty="0"/>
+          </a:p>
+        </p:txBody>
+      </p:sp>
+      <p:sp>
+        <p:nvSpPr>
+          <p:cNvPr id="9" name="TextBox 8"/>
+          <p:cNvSpPr txBox="1"/>
+          <p:nvPr/>
+        </p:nvSpPr>
+        <p:spPr>
+          <a:xfrm>
+            <a:off x="3671455" y="5597236"/>
+            <a:ext cx="7176654" cy="523220"/>
+          </a:xfrm>
+          <a:prstGeom prst="rect">
+            <a:avLst/>
+          </a:prstGeom>
+          <a:noFill/>
+        </p:spPr>
+        <p:txBody>
+          <a:bodyPr wrap="square" rtlCol="0">
+            <a:spAutoFit/>
+          </a:bodyPr>
+          <a:lstStyle/>
+          <a:p>
+            <a:r>
+              <a:rPr lang="ro-RO" sz="2800" b="1" dirty="0" smtClean="0"/>
+              <a:t>It’s the same principle for Objects</a:t>
+            </a:r>
+            <a:endParaRPr lang="ro-RO" sz="2800" b="1" dirty="0"/>
+          </a:p>
+        </p:txBody>
+      </p:sp>
+    </p:spTree>
+    <p:extLst>
+      <p:ext uri="{BB962C8B-B14F-4D97-AF65-F5344CB8AC3E}">
+        <p14:creationId xmlns:p14="http://schemas.microsoft.com/office/powerpoint/2010/main" val="4247103200"/>
+      </p:ext>
+    </p:extLst>
+  </p:cSld>
+  <p:clrMapOvr>
+    <a:masterClrMapping/>
+  </p:clrMapOvr>
+  <p:timing>
+    <p:tnLst>
+      <p:par>
+        <p:cTn id="1" dur="indefinite" restart="never" nodeType="tmRoot">
+          <p:childTnLst>
+            <p:seq concurrent="1" nextAc="seek">
+              <p:cTn id="2" dur="indefinite" nodeType="mainSeq">
+                <p:childTnLst>
+                  <p:par>
+                    <p:cTn id="3" fill="hold">
+                      <p:stCondLst>
+                        <p:cond delay="indefinite"/>
+                      </p:stCondLst>
+                      <p:childTnLst>
+                        <p:par>
+                          <p:cTn id="4" fill="hold">
+                            <p:stCondLst>
+                              <p:cond delay="0"/>
+                            </p:stCondLst>
+                            <p:childTnLst>
+                              <p:par>
+                                <p:cTn id="5" presetID="10" presetClass="entr" presetSubtype="0" fill="hold" nodeType="clickEffect">
+                                  <p:stCondLst>
+                                    <p:cond delay="0"/>
+                                  </p:stCondLst>
+                                  <p:childTnLst>
+                                    <p:set>
+                                      <p:cBhvr>
+                                        <p:cTn id="6" dur="1" fill="hold">
+                                          <p:stCondLst>
+                                            <p:cond delay="0"/>
+                                          </p:stCondLst>
+                                        </p:cTn>
+                                        <p:tgtEl>
+                                          <p:spTgt spid="5"/>
+                                        </p:tgtEl>
+                                        <p:attrNameLst>
+                                          <p:attrName>style.visibility</p:attrName>
+                                        </p:attrNameLst>
+                                      </p:cBhvr>
+                                      <p:to>
+                                        <p:strVal val="visible"/>
+                                      </p:to>
+                                    </p:set>
+                                    <p:animEffect transition="in" filter="fade">
+                                      <p:cBhvr>
+                                        <p:cTn id="7" dur="500"/>
+                                        <p:tgtEl>
+                                          <p:spTgt spid="5"/>
+                                        </p:tgtEl>
+                                      </p:cBhvr>
+                                    </p:animEffect>
+                                  </p:childTnLst>
+                                </p:cTn>
+                              </p:par>
+                              <p:par>
+                                <p:cTn id="8" presetID="10" presetClass="entr" presetSubtype="0" fill="hold" grpId="0" nodeType="withEffect">
+                                  <p:stCondLst>
+                                    <p:cond delay="0"/>
+                                  </p:stCondLst>
+                                  <p:childTnLst>
+                                    <p:set>
+                                      <p:cBhvr>
+                                        <p:cTn id="9" dur="1" fill="hold">
+                                          <p:stCondLst>
+                                            <p:cond delay="0"/>
+                                          </p:stCondLst>
+                                        </p:cTn>
+                                        <p:tgtEl>
+                                          <p:spTgt spid="4"/>
+                                        </p:tgtEl>
+                                        <p:attrNameLst>
+                                          <p:attrName>style.visibility</p:attrName>
+                                        </p:attrNameLst>
+                                      </p:cBhvr>
+                                      <p:to>
+                                        <p:strVal val="visible"/>
+                                      </p:to>
+                                    </p:set>
+                                    <p:animEffect transition="in" filter="fade">
+                                      <p:cBhvr>
+                                        <p:cTn id="10" dur="500"/>
+                                        <p:tgtEl>
+                                          <p:spTgt spid="4"/>
+                                        </p:tgtEl>
+                                      </p:cBhvr>
+                                    </p:animEffect>
+                                  </p:childTnLst>
+                                </p:cTn>
+                              </p:par>
+                            </p:childTnLst>
+                          </p:cTn>
+                        </p:par>
+                      </p:childTnLst>
+                    </p:cTn>
+                  </p:par>
+                  <p:par>
+                    <p:cTn id="11" fill="hold">
+                      <p:stCondLst>
+                        <p:cond delay="indefinite"/>
+                      </p:stCondLst>
+                      <p:childTnLst>
+                        <p:par>
+                          <p:cTn id="12" fill="hold">
+                            <p:stCondLst>
+                              <p:cond delay="0"/>
+                            </p:stCondLst>
+                            <p:childTnLst>
+                              <p:par>
+                                <p:cTn id="13" presetID="10" presetClass="entr" presetSubtype="0" fill="hold" grpId="0" nodeType="clickEffect">
+                                  <p:stCondLst>
+                                    <p:cond delay="0"/>
+                                  </p:stCondLst>
+                                  <p:childTnLst>
+                                    <p:set>
+                                      <p:cBhvr>
+                                        <p:cTn id="14" dur="1" fill="hold">
+                                          <p:stCondLst>
+                                            <p:cond delay="0"/>
+                                          </p:stCondLst>
+                                        </p:cTn>
+                                        <p:tgtEl>
+                                          <p:spTgt spid="7"/>
+                                        </p:tgtEl>
+                                        <p:attrNameLst>
+                                          <p:attrName>style.visibility</p:attrName>
+                                        </p:attrNameLst>
+                                      </p:cBhvr>
+                                      <p:to>
+                                        <p:strVal val="visible"/>
+                                      </p:to>
+                                    </p:set>
+                                    <p:animEffect transition="in" filter="fade">
+                                      <p:cBhvr>
+                                        <p:cTn id="15" dur="500"/>
+                                        <p:tgtEl>
+                                          <p:spTgt spid="7"/>
+                                        </p:tgtEl>
+                                      </p:cBhvr>
+                                    </p:animEffect>
+                                  </p:childTnLst>
+                                </p:cTn>
+                              </p:par>
+                            </p:childTnLst>
+                          </p:cTn>
+                        </p:par>
+                      </p:childTnLst>
+                    </p:cTn>
+                  </p:par>
+                  <p:par>
+                    <p:cTn id="16" fill="hold">
+                      <p:stCondLst>
+                        <p:cond delay="indefinite"/>
+                      </p:stCondLst>
+                      <p:childTnLst>
+                        <p:par>
+                          <p:cTn id="17" fill="hold">
+                            <p:stCondLst>
+                              <p:cond delay="0"/>
+                            </p:stCondLst>
+                            <p:childTnLst>
+                              <p:par>
+                                <p:cTn id="18" presetID="10" presetClass="entr" presetSubtype="0" fill="hold" grpId="0" nodeType="clickEffect">
+                                  <p:stCondLst>
+                                    <p:cond delay="0"/>
+                                  </p:stCondLst>
+                                  <p:childTnLst>
+                                    <p:set>
+                                      <p:cBhvr>
+                                        <p:cTn id="19" dur="1" fill="hold">
+                                          <p:stCondLst>
+                                            <p:cond delay="0"/>
+                                          </p:stCondLst>
+                                        </p:cTn>
+                                        <p:tgtEl>
+                                          <p:spTgt spid="8"/>
+                                        </p:tgtEl>
+                                        <p:attrNameLst>
+                                          <p:attrName>style.visibility</p:attrName>
+                                        </p:attrNameLst>
+                                      </p:cBhvr>
+                                      <p:to>
+                                        <p:strVal val="visible"/>
+                                      </p:to>
+                                    </p:set>
+                                    <p:animEffect transition="in" filter="fade">
+                                      <p:cBhvr>
+                                        <p:cTn id="20" dur="500"/>
+                                        <p:tgtEl>
+                                          <p:spTgt spid="8"/>
+                                        </p:tgtEl>
+                                      </p:cBhvr>
+                                    </p:animEffect>
+                                  </p:childTnLst>
+                                </p:cTn>
+                              </p:par>
+                            </p:childTnLst>
+                          </p:cTn>
+                        </p:par>
+                      </p:childTnLst>
+                    </p:cTn>
+                  </p:par>
+                  <p:par>
+                    <p:cTn id="21" fill="hold">
+                      <p:stCondLst>
+                        <p:cond delay="indefinite"/>
+                      </p:stCondLst>
+                      <p:childTnLst>
+                        <p:par>
+                          <p:cTn id="22" fill="hold">
+                            <p:stCondLst>
+                              <p:cond delay="0"/>
+                            </p:stCondLst>
+                            <p:childTnLst>
+                              <p:par>
+                                <p:cTn id="23" presetID="10" presetClass="entr" presetSubtype="0" fill="hold" nodeType="clickEffect">
+                                  <p:stCondLst>
+                                    <p:cond delay="0"/>
+                                  </p:stCondLst>
+                                  <p:childTnLst>
+                                    <p:set>
+                                      <p:cBhvr>
+                                        <p:cTn id="24" dur="1" fill="hold">
+                                          <p:stCondLst>
+                                            <p:cond delay="0"/>
+                                          </p:stCondLst>
+                                        </p:cTn>
+                                        <p:tgtEl>
+                                          <p:spTgt spid="9">
+                                            <p:txEl>
+                                              <p:pRg st="0" end="0"/>
+                                            </p:txEl>
+                                          </p:spTgt>
+                                        </p:tgtEl>
+                                        <p:attrNameLst>
+                                          <p:attrName>style.visibility</p:attrName>
+                                        </p:attrNameLst>
+                                      </p:cBhvr>
+                                      <p:to>
+                                        <p:strVal val="visible"/>
+                                      </p:to>
+                                    </p:set>
+                                    <p:animEffect transition="in" filter="fade">
+                                      <p:cBhvr>
+                                        <p:cTn id="25" dur="500"/>
+                                        <p:tgtEl>
+                                          <p:spTgt spid="9">
+                                            <p:txEl>
+                                              <p:pRg st="0" end="0"/>
+                                            </p:txEl>
+                                          </p:spTgt>
+                                        </p:tgtEl>
+                                      </p:cBhvr>
+                                    </p:animEffect>
+                                  </p:childTnLst>
+                                </p:cTn>
+                              </p:par>
+                            </p:childTnLst>
+                          </p:cTn>
+                        </p:par>
+                      </p:childTnLst>
+                    </p:cTn>
+                  </p:par>
+                </p:childTnLst>
+              </p:cTn>
+              <p:prevCondLst>
+                <p:cond evt="onPrev" delay="0">
+                  <p:tgtEl>
+                    <p:sldTgt/>
+                  </p:tgtEl>
+                </p:cond>
+              </p:prevCondLst>
+              <p:nextCondLst>
+                <p:cond evt="onNext" delay="0">
+                  <p:tgtEl>
+                    <p:sldTgt/>
+                  </p:tgtEl>
+                </p:cond>
+              </p:nextCondLst>
+            </p:seq>
+          </p:childTnLst>
+        </p:cTn>
+      </p:par>
+    </p:tnLst>
+    <p:bldLst>
+      <p:bldP spid="4" grpId="0" animBg="1"/>
+      <p:bldP spid="7" grpId="0"/>
+      <p:bldP spid="8" grpId="0"/>
     </p:bldLst>
   </p:timing>
 </p:sld>
